--- a/6조_첨가중[신혁].pptx
+++ b/6조_첨가중[신혁].pptx
@@ -1218,1482 +1218,1461 @@
           </a:p>
         </p:txBody>
       </p:sp>
-      <p:grpSp>
-        <p:nvGrpSpPr>
-          <p:cNvPr id="17" name="그룹 16">
-            <a:extLst>
-              <a:ext uri="{FF2B5EF4-FFF2-40B4-BE49-F238E27FC236}">
-                <a16:creationId xmlns:a16="http://schemas.microsoft.com/office/drawing/2014/main" id="{B1440708-17DF-4775-B598-AB48DC186946}"/>
-              </a:ext>
-            </a:extLst>
-          </p:cNvPr>
-          <p:cNvGrpSpPr/>
-          <p:nvPr/>
-        </p:nvGrpSpPr>
-        <p:grpSpPr>
-          <a:xfrm>
-            <a:off x="681473" y="1611085"/>
-            <a:ext cx="6166216" cy="4586366"/>
-            <a:chOff x="431679" y="696539"/>
-            <a:chExt cx="6636778" cy="5080147"/>
-          </a:xfrm>
-        </p:grpSpPr>
-        <p:sp>
-          <p:nvSpPr>
-            <p:cNvPr id="20" name="화살표: 위로 굽음 19">
-              <a:extLst>
-                <a:ext uri="{FF2B5EF4-FFF2-40B4-BE49-F238E27FC236}">
-                  <a16:creationId xmlns:a16="http://schemas.microsoft.com/office/drawing/2014/main" id="{D0673641-0635-45B9-80B4-1FAA74276A2A}"/>
-                </a:ext>
-              </a:extLst>
-            </p:cNvPr>
-            <p:cNvSpPr/>
-            <p:nvPr/>
-          </p:nvSpPr>
-          <p:spPr>
-            <a:xfrm rot="5400000" flipV="1">
-              <a:off x="4210195" y="2262484"/>
-              <a:ext cx="829335" cy="1806847"/>
-            </a:xfrm>
-            <a:prstGeom prst="bentUpArrow">
-              <a:avLst/>
-            </a:prstGeom>
+      <p:sp>
+        <p:nvSpPr>
+          <p:cNvPr id="20" name="화살표: 위로 굽음 19">
+            <a:extLst>
+              <a:ext uri="{FF2B5EF4-FFF2-40B4-BE49-F238E27FC236}">
+                <a16:creationId xmlns:a16="http://schemas.microsoft.com/office/drawing/2014/main" id="{D0673641-0635-45B9-80B4-1FAA74276A2A}"/>
+              </a:ext>
+            </a:extLst>
+          </p:cNvPr>
+          <p:cNvSpPr/>
+          <p:nvPr/>
+        </p:nvSpPr>
+        <p:spPr>
+          <a:xfrm rot="5400000" flipV="1">
+            <a:off x="4202988" y="3001067"/>
+            <a:ext cx="748725" cy="1678738"/>
+          </a:xfrm>
+          <a:prstGeom prst="bentUpArrow">
+            <a:avLst/>
+          </a:prstGeom>
+          <a:solidFill>
+            <a:schemeClr val="bg1">
+              <a:lumMod val="75000"/>
+            </a:schemeClr>
+          </a:solidFill>
+          <a:ln>
+            <a:noFill/>
+          </a:ln>
+        </p:spPr>
+        <p:style>
+          <a:lnRef idx="2">
+            <a:schemeClr val="accent1">
+              <a:shade val="50000"/>
+            </a:schemeClr>
+          </a:lnRef>
+          <a:fillRef idx="1">
+            <a:schemeClr val="accent1"/>
+          </a:fillRef>
+          <a:effectRef idx="0">
+            <a:schemeClr val="accent1"/>
+          </a:effectRef>
+          <a:fontRef idx="minor">
+            <a:schemeClr val="lt1"/>
+          </a:fontRef>
+        </p:style>
+        <p:txBody>
+          <a:bodyPr rtlCol="0" anchor="ctr"/>
+          <a:lstStyle/>
+          <a:p>
+            <a:pPr algn="ctr"/>
+            <a:endParaRPr lang="ko-KR" altLang="en-US"/>
+          </a:p>
+        </p:txBody>
+      </p:sp>
+      <p:sp>
+        <p:nvSpPr>
+          <p:cNvPr id="21" name="타원 20">
+            <a:extLst>
+              <a:ext uri="{FF2B5EF4-FFF2-40B4-BE49-F238E27FC236}">
+                <a16:creationId xmlns:a16="http://schemas.microsoft.com/office/drawing/2014/main" id="{077EFCA6-83EE-4788-BA86-D64BB8F982E5}"/>
+              </a:ext>
+            </a:extLst>
+          </p:cNvPr>
+          <p:cNvSpPr/>
+          <p:nvPr/>
+        </p:nvSpPr>
+        <p:spPr>
+          <a:xfrm>
+            <a:off x="797995" y="2074551"/>
+            <a:ext cx="1084120" cy="1067829"/>
+          </a:xfrm>
+          <a:prstGeom prst="ellipse">
+            <a:avLst/>
+          </a:prstGeom>
+          <a:solidFill>
+            <a:schemeClr val="bg1">
+              <a:lumMod val="75000"/>
+            </a:schemeClr>
+          </a:solidFill>
+          <a:ln>
+            <a:noFill/>
+          </a:ln>
+        </p:spPr>
+        <p:style>
+          <a:lnRef idx="2">
+            <a:schemeClr val="accent1">
+              <a:shade val="50000"/>
+            </a:schemeClr>
+          </a:lnRef>
+          <a:fillRef idx="1">
+            <a:schemeClr val="accent1"/>
+          </a:fillRef>
+          <a:effectRef idx="0">
+            <a:schemeClr val="accent1"/>
+          </a:effectRef>
+          <a:fontRef idx="minor">
+            <a:schemeClr val="lt1"/>
+          </a:fontRef>
+        </p:style>
+        <p:txBody>
+          <a:bodyPr rtlCol="0" anchor="ctr"/>
+          <a:lstStyle/>
+          <a:p>
+            <a:pPr algn="ctr"/>
+            <a:endParaRPr lang="ko-KR" altLang="en-US"/>
+          </a:p>
+        </p:txBody>
+      </p:sp>
+      <p:sp>
+        <p:nvSpPr>
+          <p:cNvPr id="22" name="타원 21">
+            <a:extLst>
+              <a:ext uri="{FF2B5EF4-FFF2-40B4-BE49-F238E27FC236}">
+                <a16:creationId xmlns:a16="http://schemas.microsoft.com/office/drawing/2014/main" id="{32F22974-0375-4584-B358-83F2E5FEEA27}"/>
+              </a:ext>
+            </a:extLst>
+          </p:cNvPr>
+          <p:cNvSpPr/>
+          <p:nvPr/>
+        </p:nvSpPr>
+        <p:spPr>
+          <a:xfrm>
+            <a:off x="2252184" y="2074551"/>
+            <a:ext cx="1084120" cy="1067829"/>
+          </a:xfrm>
+          <a:prstGeom prst="ellipse">
+            <a:avLst/>
+          </a:prstGeom>
+          <a:solidFill>
+            <a:schemeClr val="bg1">
+              <a:lumMod val="75000"/>
+            </a:schemeClr>
+          </a:solidFill>
+          <a:ln>
+            <a:noFill/>
+          </a:ln>
+        </p:spPr>
+        <p:style>
+          <a:lnRef idx="2">
+            <a:schemeClr val="accent1">
+              <a:shade val="50000"/>
+            </a:schemeClr>
+          </a:lnRef>
+          <a:fillRef idx="1">
+            <a:schemeClr val="accent1"/>
+          </a:fillRef>
+          <a:effectRef idx="0">
+            <a:schemeClr val="accent1"/>
+          </a:effectRef>
+          <a:fontRef idx="minor">
+            <a:schemeClr val="lt1"/>
+          </a:fontRef>
+        </p:style>
+        <p:txBody>
+          <a:bodyPr rtlCol="0" anchor="ctr"/>
+          <a:lstStyle/>
+          <a:p>
+            <a:pPr algn="ctr"/>
+            <a:endParaRPr lang="ko-KR" altLang="en-US"/>
+          </a:p>
+        </p:txBody>
+      </p:sp>
+      <p:sp>
+        <p:nvSpPr>
+          <p:cNvPr id="23" name="타원 22">
+            <a:extLst>
+              <a:ext uri="{FF2B5EF4-FFF2-40B4-BE49-F238E27FC236}">
+                <a16:creationId xmlns:a16="http://schemas.microsoft.com/office/drawing/2014/main" id="{C1732E6A-8804-4D6F-B5C5-3C8DCA3F5081}"/>
+              </a:ext>
+            </a:extLst>
+          </p:cNvPr>
+          <p:cNvSpPr/>
+          <p:nvPr/>
+        </p:nvSpPr>
+        <p:spPr>
+          <a:xfrm>
+            <a:off x="3737982" y="2074551"/>
+            <a:ext cx="1084120" cy="1067829"/>
+          </a:xfrm>
+          <a:prstGeom prst="ellipse">
+            <a:avLst/>
+          </a:prstGeom>
+          <a:solidFill>
+            <a:schemeClr val="bg1">
+              <a:lumMod val="75000"/>
+            </a:schemeClr>
+          </a:solidFill>
+          <a:ln>
+            <a:noFill/>
+          </a:ln>
+        </p:spPr>
+        <p:style>
+          <a:lnRef idx="2">
+            <a:schemeClr val="accent1">
+              <a:shade val="50000"/>
+            </a:schemeClr>
+          </a:lnRef>
+          <a:fillRef idx="1">
+            <a:schemeClr val="accent1"/>
+          </a:fillRef>
+          <a:effectRef idx="0">
+            <a:schemeClr val="accent1"/>
+          </a:effectRef>
+          <a:fontRef idx="minor">
+            <a:schemeClr val="lt1"/>
+          </a:fontRef>
+        </p:style>
+        <p:txBody>
+          <a:bodyPr rtlCol="0" anchor="ctr"/>
+          <a:lstStyle/>
+          <a:p>
+            <a:pPr algn="ctr"/>
+            <a:endParaRPr lang="ko-KR" altLang="en-US"/>
+          </a:p>
+        </p:txBody>
+      </p:sp>
+      <p:sp>
+        <p:nvSpPr>
+          <p:cNvPr id="24" name="타원 23">
+            <a:extLst>
+              <a:ext uri="{FF2B5EF4-FFF2-40B4-BE49-F238E27FC236}">
+                <a16:creationId xmlns:a16="http://schemas.microsoft.com/office/drawing/2014/main" id="{C1090E5E-E0DB-400C-AAC8-D33977129302}"/>
+              </a:ext>
+            </a:extLst>
+          </p:cNvPr>
+          <p:cNvSpPr/>
+          <p:nvPr/>
+        </p:nvSpPr>
+        <p:spPr>
+          <a:xfrm>
+            <a:off x="5253369" y="2074551"/>
+            <a:ext cx="1084120" cy="1067829"/>
+          </a:xfrm>
+          <a:prstGeom prst="ellipse">
+            <a:avLst/>
+          </a:prstGeom>
+          <a:solidFill>
+            <a:schemeClr val="bg1">
+              <a:lumMod val="75000"/>
+            </a:schemeClr>
+          </a:solidFill>
+          <a:ln>
+            <a:noFill/>
+          </a:ln>
+        </p:spPr>
+        <p:style>
+          <a:lnRef idx="2">
+            <a:schemeClr val="accent1">
+              <a:shade val="50000"/>
+            </a:schemeClr>
+          </a:lnRef>
+          <a:fillRef idx="1">
+            <a:schemeClr val="accent1"/>
+          </a:fillRef>
+          <a:effectRef idx="0">
+            <a:schemeClr val="accent1"/>
+          </a:effectRef>
+          <a:fontRef idx="minor">
+            <a:schemeClr val="lt1"/>
+          </a:fontRef>
+        </p:style>
+        <p:txBody>
+          <a:bodyPr rtlCol="0" anchor="ctr"/>
+          <a:lstStyle/>
+          <a:p>
+            <a:pPr algn="ctr"/>
+            <a:endParaRPr lang="ko-KR" altLang="en-US"/>
+          </a:p>
+        </p:txBody>
+      </p:sp>
+      <p:sp>
+        <p:nvSpPr>
+          <p:cNvPr id="25" name="타원 24">
+            <a:extLst>
+              <a:ext uri="{FF2B5EF4-FFF2-40B4-BE49-F238E27FC236}">
+                <a16:creationId xmlns:a16="http://schemas.microsoft.com/office/drawing/2014/main" id="{A59DF92B-890F-4C56-BF03-7FB88598A4E0}"/>
+              </a:ext>
+            </a:extLst>
+          </p:cNvPr>
+          <p:cNvSpPr/>
+          <p:nvPr/>
+        </p:nvSpPr>
+        <p:spPr>
+          <a:xfrm>
+            <a:off x="4562900" y="5041712"/>
+            <a:ext cx="1084120" cy="1067829"/>
+          </a:xfrm>
+          <a:prstGeom prst="ellipse">
+            <a:avLst/>
+          </a:prstGeom>
+          <a:solidFill>
+            <a:schemeClr val="bg1">
+              <a:lumMod val="75000"/>
+            </a:schemeClr>
+          </a:solidFill>
+          <a:ln>
+            <a:noFill/>
+          </a:ln>
+        </p:spPr>
+        <p:style>
+          <a:lnRef idx="2">
+            <a:schemeClr val="accent1">
+              <a:shade val="50000"/>
+            </a:schemeClr>
+          </a:lnRef>
+          <a:fillRef idx="1">
+            <a:schemeClr val="accent1"/>
+          </a:fillRef>
+          <a:effectRef idx="0">
+            <a:schemeClr val="accent1"/>
+          </a:effectRef>
+          <a:fontRef idx="minor">
+            <a:schemeClr val="lt1"/>
+          </a:fontRef>
+        </p:style>
+        <p:txBody>
+          <a:bodyPr rtlCol="0" anchor="ctr"/>
+          <a:lstStyle/>
+          <a:p>
+            <a:pPr algn="ctr"/>
+            <a:endParaRPr lang="ko-KR" altLang="en-US"/>
+          </a:p>
+        </p:txBody>
+      </p:sp>
+      <p:sp>
+        <p:nvSpPr>
+          <p:cNvPr id="26" name="타원 25">
+            <a:extLst>
+              <a:ext uri="{FF2B5EF4-FFF2-40B4-BE49-F238E27FC236}">
+                <a16:creationId xmlns:a16="http://schemas.microsoft.com/office/drawing/2014/main" id="{0AFBB939-B481-42AE-B7F9-215421E6AF6B}"/>
+              </a:ext>
+            </a:extLst>
+          </p:cNvPr>
+          <p:cNvSpPr/>
+          <p:nvPr/>
+        </p:nvSpPr>
+        <p:spPr>
+          <a:xfrm>
+            <a:off x="1241974" y="5022874"/>
+            <a:ext cx="1084120" cy="1067829"/>
+          </a:xfrm>
+          <a:prstGeom prst="ellipse">
+            <a:avLst/>
+          </a:prstGeom>
+          <a:solidFill>
+            <a:schemeClr val="bg1">
+              <a:lumMod val="75000"/>
+            </a:schemeClr>
+          </a:solidFill>
+          <a:ln>
+            <a:noFill/>
+          </a:ln>
+        </p:spPr>
+        <p:style>
+          <a:lnRef idx="2">
+            <a:schemeClr val="accent1">
+              <a:shade val="50000"/>
+            </a:schemeClr>
+          </a:lnRef>
+          <a:fillRef idx="1">
+            <a:schemeClr val="accent1"/>
+          </a:fillRef>
+          <a:effectRef idx="0">
+            <a:schemeClr val="accent1"/>
+          </a:effectRef>
+          <a:fontRef idx="minor">
+            <a:schemeClr val="lt1"/>
+          </a:fontRef>
+        </p:style>
+        <p:txBody>
+          <a:bodyPr rtlCol="0" anchor="ctr"/>
+          <a:lstStyle/>
+          <a:p>
+            <a:pPr algn="ctr"/>
+            <a:endParaRPr lang="ko-KR" altLang="en-US"/>
+          </a:p>
+        </p:txBody>
+      </p:sp>
+      <p:sp>
+        <p:nvSpPr>
+          <p:cNvPr id="27" name="타원 26">
+            <a:extLst>
+              <a:ext uri="{FF2B5EF4-FFF2-40B4-BE49-F238E27FC236}">
+                <a16:creationId xmlns:a16="http://schemas.microsoft.com/office/drawing/2014/main" id="{71DD08E3-A249-47C1-A318-A3B6C60998DA}"/>
+              </a:ext>
+            </a:extLst>
+          </p:cNvPr>
+          <p:cNvSpPr/>
+          <p:nvPr/>
+        </p:nvSpPr>
+        <p:spPr>
+          <a:xfrm>
+            <a:off x="2909180" y="5041712"/>
+            <a:ext cx="1084120" cy="1067829"/>
+          </a:xfrm>
+          <a:prstGeom prst="ellipse">
+            <a:avLst/>
+          </a:prstGeom>
+          <a:solidFill>
+            <a:schemeClr val="bg1">
+              <a:lumMod val="75000"/>
+            </a:schemeClr>
+          </a:solidFill>
+          <a:ln>
+            <a:noFill/>
+          </a:ln>
+        </p:spPr>
+        <p:style>
+          <a:lnRef idx="2">
+            <a:schemeClr val="accent1">
+              <a:shade val="50000"/>
+            </a:schemeClr>
+          </a:lnRef>
+          <a:fillRef idx="1">
+            <a:schemeClr val="accent1"/>
+          </a:fillRef>
+          <a:effectRef idx="0">
+            <a:schemeClr val="accent1"/>
+          </a:effectRef>
+          <a:fontRef idx="minor">
+            <a:schemeClr val="lt1"/>
+          </a:fontRef>
+        </p:style>
+        <p:txBody>
+          <a:bodyPr rtlCol="0" anchor="ctr"/>
+          <a:lstStyle/>
+          <a:p>
+            <a:pPr algn="ctr"/>
+            <a:endParaRPr lang="ko-KR" altLang="en-US"/>
+          </a:p>
+        </p:txBody>
+      </p:sp>
+      <p:sp>
+        <p:nvSpPr>
+          <p:cNvPr id="28" name="사각형: 둥근 모서리 27">
+            <a:extLst>
+              <a:ext uri="{FF2B5EF4-FFF2-40B4-BE49-F238E27FC236}">
+                <a16:creationId xmlns:a16="http://schemas.microsoft.com/office/drawing/2014/main" id="{DF55A55A-245F-4C65-A1B2-CBCACC88FECF}"/>
+              </a:ext>
+            </a:extLst>
+          </p:cNvPr>
+          <p:cNvSpPr/>
+          <p:nvPr/>
+        </p:nvSpPr>
+        <p:spPr>
+          <a:xfrm>
+            <a:off x="681473" y="1844648"/>
+            <a:ext cx="5739776" cy="1510812"/>
+          </a:xfrm>
+          <a:prstGeom prst="roundRect">
+            <a:avLst/>
+          </a:prstGeom>
+          <a:noFill/>
+          <a:ln w="12700">
             <a:solidFill>
-              <a:schemeClr val="bg1">
-                <a:lumMod val="75000"/>
+              <a:schemeClr val="tx1">
+                <a:lumMod val="50000"/>
+                <a:lumOff val="50000"/>
               </a:schemeClr>
             </a:solidFill>
-            <a:ln>
-              <a:noFill/>
-            </a:ln>
-          </p:spPr>
-          <p:style>
-            <a:lnRef idx="2">
-              <a:schemeClr val="accent1">
-                <a:shade val="50000"/>
-              </a:schemeClr>
-            </a:lnRef>
-            <a:fillRef idx="1">
-              <a:schemeClr val="accent1"/>
-            </a:fillRef>
-            <a:effectRef idx="0">
-              <a:schemeClr val="accent1"/>
-            </a:effectRef>
-            <a:fontRef idx="minor">
-              <a:schemeClr val="lt1"/>
-            </a:fontRef>
-          </p:style>
-          <p:txBody>
-            <a:bodyPr rtlCol="0" anchor="ctr"/>
-            <a:lstStyle/>
-            <a:p>
-              <a:pPr algn="ctr"/>
-              <a:endParaRPr lang="ko-KR" altLang="en-US"/>
-            </a:p>
-          </p:txBody>
-        </p:sp>
-        <p:sp>
-          <p:nvSpPr>
-            <p:cNvPr id="21" name="타원 20">
-              <a:extLst>
-                <a:ext uri="{FF2B5EF4-FFF2-40B4-BE49-F238E27FC236}">
-                  <a16:creationId xmlns:a16="http://schemas.microsoft.com/office/drawing/2014/main" id="{077EFCA6-83EE-4788-BA86-D64BB8F982E5}"/>
-                </a:ext>
-              </a:extLst>
-            </p:cNvPr>
-            <p:cNvSpPr/>
-            <p:nvPr/>
-          </p:nvSpPr>
-          <p:spPr>
-            <a:xfrm>
-              <a:off x="557093" y="1209903"/>
-              <a:ext cx="1166852" cy="1182795"/>
-            </a:xfrm>
-            <a:prstGeom prst="ellipse">
-              <a:avLst/>
-            </a:prstGeom>
+          </a:ln>
+        </p:spPr>
+        <p:style>
+          <a:lnRef idx="2">
+            <a:schemeClr val="accent1">
+              <a:shade val="50000"/>
+            </a:schemeClr>
+          </a:lnRef>
+          <a:fillRef idx="1">
+            <a:schemeClr val="accent1"/>
+          </a:fillRef>
+          <a:effectRef idx="0">
+            <a:schemeClr val="accent1"/>
+          </a:effectRef>
+          <a:fontRef idx="minor">
+            <a:schemeClr val="lt1"/>
+          </a:fontRef>
+        </p:style>
+        <p:txBody>
+          <a:bodyPr rtlCol="0" anchor="ctr"/>
+          <a:lstStyle/>
+          <a:p>
+            <a:pPr algn="ctr"/>
+            <a:endParaRPr lang="ko-KR" altLang="en-US"/>
+          </a:p>
+        </p:txBody>
+      </p:sp>
+      <p:sp>
+        <p:nvSpPr>
+          <p:cNvPr id="29" name="TextBox 28">
+            <a:extLst>
+              <a:ext uri="{FF2B5EF4-FFF2-40B4-BE49-F238E27FC236}">
+                <a16:creationId xmlns:a16="http://schemas.microsoft.com/office/drawing/2014/main" id="{88D0B779-7EC9-4243-A759-64EA68BEE1FD}"/>
+              </a:ext>
+            </a:extLst>
+          </p:cNvPr>
+          <p:cNvSpPr txBox="1"/>
+          <p:nvPr/>
+        </p:nvSpPr>
+        <p:spPr>
+          <a:xfrm>
+            <a:off x="2900277" y="1611085"/>
+            <a:ext cx="1293931" cy="400110"/>
+          </a:xfrm>
+          <a:prstGeom prst="rect">
+            <a:avLst/>
+          </a:prstGeom>
+          <a:solidFill>
+            <a:schemeClr val="bg1"/>
+          </a:solidFill>
+        </p:spPr>
+        <p:txBody>
+          <a:bodyPr wrap="square" rtlCol="0">
+            <a:spAutoFit/>
+          </a:bodyPr>
+          <a:lstStyle/>
+          <a:p>
+            <a:pPr algn="ctr"/>
+            <a:r>
+              <a:rPr lang="ko-KR" altLang="en-US" sz="2000" dirty="0">
+                <a:solidFill>
+                  <a:schemeClr val="tx1">
+                    <a:lumMod val="50000"/>
+                    <a:lumOff val="50000"/>
+                  </a:schemeClr>
+                </a:solidFill>
+                <a:latin typeface="나눔스퀘어 ExtraBold" panose="020B0600000101010101" pitchFamily="50" charset="-127"/>
+                <a:ea typeface="나눔스퀘어 ExtraBold" panose="020B0600000101010101" pitchFamily="50" charset="-127"/>
+              </a:rPr>
+              <a:t>내륙지역</a:t>
+            </a:r>
+          </a:p>
+        </p:txBody>
+      </p:sp>
+      <p:sp>
+        <p:nvSpPr>
+          <p:cNvPr id="30" name="사각형: 둥근 모서리 29">
+            <a:extLst>
+              <a:ext uri="{FF2B5EF4-FFF2-40B4-BE49-F238E27FC236}">
+                <a16:creationId xmlns:a16="http://schemas.microsoft.com/office/drawing/2014/main" id="{24579A7D-FD4D-4A56-9500-DEFC3ECE2075}"/>
+              </a:ext>
+            </a:extLst>
+          </p:cNvPr>
+          <p:cNvSpPr/>
+          <p:nvPr/>
+        </p:nvSpPr>
+        <p:spPr>
+          <a:xfrm>
+            <a:off x="1092522" y="4848132"/>
+            <a:ext cx="4796701" cy="1349319"/>
+          </a:xfrm>
+          <a:prstGeom prst="roundRect">
+            <a:avLst/>
+          </a:prstGeom>
+          <a:noFill/>
+          <a:ln w="12700">
             <a:solidFill>
-              <a:schemeClr val="bg1">
-                <a:lumMod val="75000"/>
+              <a:schemeClr val="tx1">
+                <a:lumMod val="50000"/>
+                <a:lumOff val="50000"/>
               </a:schemeClr>
             </a:solidFill>
-            <a:ln>
-              <a:noFill/>
-            </a:ln>
-          </p:spPr>
-          <p:style>
-            <a:lnRef idx="2">
-              <a:schemeClr val="accent1">
-                <a:shade val="50000"/>
-              </a:schemeClr>
-            </a:lnRef>
-            <a:fillRef idx="1">
-              <a:schemeClr val="accent1"/>
-            </a:fillRef>
-            <a:effectRef idx="0">
-              <a:schemeClr val="accent1"/>
-            </a:effectRef>
-            <a:fontRef idx="minor">
-              <a:schemeClr val="lt1"/>
-            </a:fontRef>
-          </p:style>
-          <p:txBody>
-            <a:bodyPr rtlCol="0" anchor="ctr"/>
-            <a:lstStyle/>
-            <a:p>
-              <a:pPr algn="ctr"/>
-              <a:endParaRPr lang="ko-KR" altLang="en-US"/>
-            </a:p>
-          </p:txBody>
-        </p:sp>
-        <p:sp>
-          <p:nvSpPr>
-            <p:cNvPr id="22" name="타원 21">
-              <a:extLst>
-                <a:ext uri="{FF2B5EF4-FFF2-40B4-BE49-F238E27FC236}">
-                  <a16:creationId xmlns:a16="http://schemas.microsoft.com/office/drawing/2014/main" id="{32F22974-0375-4584-B358-83F2E5FEEA27}"/>
-                </a:ext>
-              </a:extLst>
-            </p:cNvPr>
-            <p:cNvSpPr/>
-            <p:nvPr/>
-          </p:nvSpPr>
-          <p:spPr>
-            <a:xfrm>
-              <a:off x="2122256" y="1209903"/>
-              <a:ext cx="1166852" cy="1182795"/>
-            </a:xfrm>
-            <a:prstGeom prst="ellipse">
-              <a:avLst/>
-            </a:prstGeom>
+          </a:ln>
+        </p:spPr>
+        <p:style>
+          <a:lnRef idx="2">
+            <a:schemeClr val="accent1">
+              <a:shade val="50000"/>
+            </a:schemeClr>
+          </a:lnRef>
+          <a:fillRef idx="1">
+            <a:schemeClr val="accent1"/>
+          </a:fillRef>
+          <a:effectRef idx="0">
+            <a:schemeClr val="accent1"/>
+          </a:effectRef>
+          <a:fontRef idx="minor">
+            <a:schemeClr val="lt1"/>
+          </a:fontRef>
+        </p:style>
+        <p:txBody>
+          <a:bodyPr rtlCol="0" anchor="ctr"/>
+          <a:lstStyle/>
+          <a:p>
+            <a:pPr algn="ctr"/>
+            <a:endParaRPr lang="ko-KR" altLang="en-US"/>
+          </a:p>
+        </p:txBody>
+      </p:sp>
+      <p:sp>
+        <p:nvSpPr>
+          <p:cNvPr id="31" name="TextBox 30">
+            <a:extLst>
+              <a:ext uri="{FF2B5EF4-FFF2-40B4-BE49-F238E27FC236}">
+                <a16:creationId xmlns:a16="http://schemas.microsoft.com/office/drawing/2014/main" id="{2494F4AD-3E48-452D-8F60-A26DAB54F04A}"/>
+              </a:ext>
+            </a:extLst>
+          </p:cNvPr>
+          <p:cNvSpPr txBox="1"/>
+          <p:nvPr/>
+        </p:nvSpPr>
+        <p:spPr>
+          <a:xfrm>
+            <a:off x="2964337" y="4626766"/>
+            <a:ext cx="1045563" cy="400110"/>
+          </a:xfrm>
+          <a:prstGeom prst="rect">
+            <a:avLst/>
+          </a:prstGeom>
+          <a:solidFill>
+            <a:schemeClr val="bg1"/>
+          </a:solidFill>
+        </p:spPr>
+        <p:txBody>
+          <a:bodyPr wrap="square" rtlCol="0">
+            <a:spAutoFit/>
+          </a:bodyPr>
+          <a:lstStyle/>
+          <a:p>
+            <a:pPr algn="ctr"/>
+            <a:r>
+              <a:rPr lang="ko-KR" altLang="en-US" sz="2000" b="1" dirty="0">
+                <a:solidFill>
+                  <a:schemeClr val="tx1">
+                    <a:lumMod val="50000"/>
+                    <a:lumOff val="50000"/>
+                  </a:schemeClr>
+                </a:solidFill>
+                <a:latin typeface="나눔스퀘어 ExtraBold" panose="020B0600000101010101" pitchFamily="50" charset="-127"/>
+                <a:ea typeface="나눔스퀘어 ExtraBold" panose="020B0600000101010101" pitchFamily="50" charset="-127"/>
+              </a:rPr>
+              <a:t>제주도</a:t>
+            </a:r>
+          </a:p>
+        </p:txBody>
+      </p:sp>
+      <p:sp>
+        <p:nvSpPr>
+          <p:cNvPr id="32" name="화살표: 오른쪽 31">
+            <a:extLst>
+              <a:ext uri="{FF2B5EF4-FFF2-40B4-BE49-F238E27FC236}">
+                <a16:creationId xmlns:a16="http://schemas.microsoft.com/office/drawing/2014/main" id="{B3E8A2D0-B541-4957-AECE-E1FEF1BEEE07}"/>
+              </a:ext>
+            </a:extLst>
+          </p:cNvPr>
+          <p:cNvSpPr/>
+          <p:nvPr/>
+        </p:nvSpPr>
+        <p:spPr>
+          <a:xfrm>
+            <a:off x="1925176" y="2472078"/>
+            <a:ext cx="282560" cy="290713"/>
+          </a:xfrm>
+          <a:prstGeom prst="rightArrow">
+            <a:avLst/>
+          </a:prstGeom>
+          <a:gradFill>
+            <a:gsLst>
+              <a:gs pos="0">
+                <a:schemeClr val="accent1">
+                  <a:lumMod val="5000"/>
+                  <a:lumOff val="95000"/>
+                </a:schemeClr>
+              </a:gs>
+              <a:gs pos="81000">
+                <a:schemeClr val="bg1">
+                  <a:lumMod val="75000"/>
+                </a:schemeClr>
+              </a:gs>
+            </a:gsLst>
+            <a:lin ang="0" scaled="0"/>
+          </a:gradFill>
+          <a:ln>
+            <a:noFill/>
+          </a:ln>
+        </p:spPr>
+        <p:style>
+          <a:lnRef idx="2">
+            <a:schemeClr val="accent1">
+              <a:shade val="50000"/>
+            </a:schemeClr>
+          </a:lnRef>
+          <a:fillRef idx="1">
+            <a:schemeClr val="accent1"/>
+          </a:fillRef>
+          <a:effectRef idx="0">
+            <a:schemeClr val="accent1"/>
+          </a:effectRef>
+          <a:fontRef idx="minor">
+            <a:schemeClr val="lt1"/>
+          </a:fontRef>
+        </p:style>
+        <p:txBody>
+          <a:bodyPr rtlCol="0" anchor="ctr"/>
+          <a:lstStyle/>
+          <a:p>
+            <a:pPr algn="ctr"/>
+            <a:endParaRPr lang="ko-KR" altLang="en-US"/>
+          </a:p>
+        </p:txBody>
+      </p:sp>
+      <p:sp>
+        <p:nvSpPr>
+          <p:cNvPr id="33" name="타원 32">
+            <a:extLst>
+              <a:ext uri="{FF2B5EF4-FFF2-40B4-BE49-F238E27FC236}">
+                <a16:creationId xmlns:a16="http://schemas.microsoft.com/office/drawing/2014/main" id="{87ED5AF3-CD48-44F1-931C-2B5E9C93233B}"/>
+              </a:ext>
+            </a:extLst>
+          </p:cNvPr>
+          <p:cNvSpPr/>
+          <p:nvPr/>
+        </p:nvSpPr>
+        <p:spPr>
+          <a:xfrm>
+            <a:off x="2953156" y="3476111"/>
+            <a:ext cx="1084120" cy="1053436"/>
+          </a:xfrm>
+          <a:prstGeom prst="ellipse">
+            <a:avLst/>
+          </a:prstGeom>
+          <a:solidFill>
+            <a:schemeClr val="bg1">
+              <a:lumMod val="75000"/>
+            </a:schemeClr>
+          </a:solidFill>
+          <a:ln>
+            <a:noFill/>
+          </a:ln>
+        </p:spPr>
+        <p:style>
+          <a:lnRef idx="2">
+            <a:schemeClr val="accent1">
+              <a:shade val="50000"/>
+            </a:schemeClr>
+          </a:lnRef>
+          <a:fillRef idx="1">
+            <a:schemeClr val="accent1"/>
+          </a:fillRef>
+          <a:effectRef idx="0">
+            <a:schemeClr val="accent1"/>
+          </a:effectRef>
+          <a:fontRef idx="minor">
+            <a:schemeClr val="lt1"/>
+          </a:fontRef>
+        </p:style>
+        <p:txBody>
+          <a:bodyPr rtlCol="0" anchor="ctr"/>
+          <a:lstStyle/>
+          <a:p>
+            <a:pPr algn="ctr"/>
+            <a:endParaRPr lang="ko-KR" altLang="en-US"/>
+          </a:p>
+        </p:txBody>
+      </p:sp>
+      <p:pic>
+        <p:nvPicPr>
+          <p:cNvPr id="34" name="그림 33">
+            <a:extLst>
+              <a:ext uri="{FF2B5EF4-FFF2-40B4-BE49-F238E27FC236}">
+                <a16:creationId xmlns:a16="http://schemas.microsoft.com/office/drawing/2014/main" id="{9A77E7B0-CF76-4AE9-907F-95181F469B1E}"/>
+              </a:ext>
+            </a:extLst>
+          </p:cNvPr>
+          <p:cNvPicPr>
+            <a:picLocks noChangeAspect="1"/>
+          </p:cNvPicPr>
+          <p:nvPr/>
+        </p:nvPicPr>
+        <p:blipFill>
+          <a:blip r:embed="rId2">
+            <a:extLst>
+              <a:ext uri="{28A0092B-C50C-407E-A947-70E740481C1C}">
+                <a14:useLocalDpi xmlns:a14="http://schemas.microsoft.com/office/drawing/2010/main" val="0"/>
+              </a:ext>
+            </a:extLst>
+          </a:blip>
+          <a:stretch>
+            <a:fillRect/>
+          </a:stretch>
+        </p:blipFill>
+        <p:spPr>
+          <a:xfrm>
+            <a:off x="3051011" y="3575522"/>
+            <a:ext cx="868523" cy="843941"/>
+          </a:xfrm>
+          <a:prstGeom prst="rect">
+            <a:avLst/>
+          </a:prstGeom>
+        </p:spPr>
+      </p:pic>
+      <p:pic>
+        <p:nvPicPr>
+          <p:cNvPr id="35" name="그림 34">
+            <a:extLst>
+              <a:ext uri="{FF2B5EF4-FFF2-40B4-BE49-F238E27FC236}">
+                <a16:creationId xmlns:a16="http://schemas.microsoft.com/office/drawing/2014/main" id="{9C46A518-EF7E-463B-8A23-74529A564268}"/>
+              </a:ext>
+            </a:extLst>
+          </p:cNvPr>
+          <p:cNvPicPr>
+            <a:picLocks noChangeAspect="1"/>
+          </p:cNvPicPr>
+          <p:nvPr/>
+        </p:nvPicPr>
+        <p:blipFill>
+          <a:blip r:embed="rId3">
+            <a:extLst>
+              <a:ext uri="{28A0092B-C50C-407E-A947-70E740481C1C}">
+                <a14:useLocalDpi xmlns:a14="http://schemas.microsoft.com/office/drawing/2010/main" val="0"/>
+              </a:ext>
+            </a:extLst>
+          </a:blip>
+          <a:stretch>
+            <a:fillRect/>
+          </a:stretch>
+        </p:blipFill>
+        <p:spPr>
+          <a:xfrm>
+            <a:off x="3054618" y="5177187"/>
+            <a:ext cx="818699" cy="795527"/>
+          </a:xfrm>
+          <a:prstGeom prst="rect">
+            <a:avLst/>
+          </a:prstGeom>
+        </p:spPr>
+      </p:pic>
+      <p:pic>
+        <p:nvPicPr>
+          <p:cNvPr id="36" name="그림 35">
+            <a:extLst>
+              <a:ext uri="{FF2B5EF4-FFF2-40B4-BE49-F238E27FC236}">
+                <a16:creationId xmlns:a16="http://schemas.microsoft.com/office/drawing/2014/main" id="{EB082BAA-6E1A-4CD8-AD11-641B4BABFAFA}"/>
+              </a:ext>
+            </a:extLst>
+          </p:cNvPr>
+          <p:cNvPicPr>
+            <a:picLocks noChangeAspect="1"/>
+          </p:cNvPicPr>
+          <p:nvPr/>
+        </p:nvPicPr>
+        <p:blipFill>
+          <a:blip r:embed="rId4">
+            <a:extLst>
+              <a:ext uri="{28A0092B-C50C-407E-A947-70E740481C1C}">
+                <a14:useLocalDpi xmlns:a14="http://schemas.microsoft.com/office/drawing/2010/main" val="0"/>
+              </a:ext>
+            </a:extLst>
+          </a:blip>
+          <a:stretch>
+            <a:fillRect/>
+          </a:stretch>
+        </p:blipFill>
+        <p:spPr>
+          <a:xfrm>
+            <a:off x="1442897" y="5109101"/>
+            <a:ext cx="798587" cy="775985"/>
+          </a:xfrm>
+          <a:prstGeom prst="rect">
+            <a:avLst/>
+          </a:prstGeom>
+        </p:spPr>
+      </p:pic>
+      <p:sp>
+        <p:nvSpPr>
+          <p:cNvPr id="37" name="화살표: 오른쪽 36">
+            <a:extLst>
+              <a:ext uri="{FF2B5EF4-FFF2-40B4-BE49-F238E27FC236}">
+                <a16:creationId xmlns:a16="http://schemas.microsoft.com/office/drawing/2014/main" id="{E47654F2-9293-4B55-B6C5-A355D2E8A688}"/>
+              </a:ext>
+            </a:extLst>
+          </p:cNvPr>
+          <p:cNvSpPr/>
+          <p:nvPr/>
+        </p:nvSpPr>
+        <p:spPr>
+          <a:xfrm>
+            <a:off x="3444083" y="2472078"/>
+            <a:ext cx="282560" cy="290713"/>
+          </a:xfrm>
+          <a:prstGeom prst="rightArrow">
+            <a:avLst/>
+          </a:prstGeom>
+          <a:gradFill>
+            <a:gsLst>
+              <a:gs pos="0">
+                <a:schemeClr val="accent1">
+                  <a:lumMod val="5000"/>
+                  <a:lumOff val="95000"/>
+                </a:schemeClr>
+              </a:gs>
+              <a:gs pos="81000">
+                <a:schemeClr val="bg1">
+                  <a:lumMod val="75000"/>
+                </a:schemeClr>
+              </a:gs>
+            </a:gsLst>
+            <a:lin ang="0" scaled="0"/>
+          </a:gradFill>
+          <a:ln>
+            <a:noFill/>
+          </a:ln>
+        </p:spPr>
+        <p:style>
+          <a:lnRef idx="2">
+            <a:schemeClr val="accent1">
+              <a:shade val="50000"/>
+            </a:schemeClr>
+          </a:lnRef>
+          <a:fillRef idx="1">
+            <a:schemeClr val="accent1"/>
+          </a:fillRef>
+          <a:effectRef idx="0">
+            <a:schemeClr val="accent1"/>
+          </a:effectRef>
+          <a:fontRef idx="minor">
+            <a:schemeClr val="lt1"/>
+          </a:fontRef>
+        </p:style>
+        <p:txBody>
+          <a:bodyPr rtlCol="0" anchor="ctr"/>
+          <a:lstStyle/>
+          <a:p>
+            <a:pPr algn="ctr"/>
+            <a:endParaRPr lang="ko-KR" altLang="en-US"/>
+          </a:p>
+        </p:txBody>
+      </p:sp>
+      <p:sp>
+        <p:nvSpPr>
+          <p:cNvPr id="38" name="화살표: 오른쪽 37">
+            <a:extLst>
+              <a:ext uri="{FF2B5EF4-FFF2-40B4-BE49-F238E27FC236}">
+                <a16:creationId xmlns:a16="http://schemas.microsoft.com/office/drawing/2014/main" id="{18CD1C06-8335-4155-AE76-A780CC8A694F}"/>
+              </a:ext>
+            </a:extLst>
+          </p:cNvPr>
+          <p:cNvSpPr/>
+          <p:nvPr/>
+        </p:nvSpPr>
+        <p:spPr>
+          <a:xfrm>
+            <a:off x="4931394" y="2472078"/>
+            <a:ext cx="282560" cy="290713"/>
+          </a:xfrm>
+          <a:prstGeom prst="rightArrow">
+            <a:avLst/>
+          </a:prstGeom>
+          <a:gradFill>
+            <a:gsLst>
+              <a:gs pos="0">
+                <a:schemeClr val="accent1">
+                  <a:lumMod val="5000"/>
+                  <a:lumOff val="95000"/>
+                </a:schemeClr>
+              </a:gs>
+              <a:gs pos="81000">
+                <a:schemeClr val="bg1">
+                  <a:lumMod val="75000"/>
+                </a:schemeClr>
+              </a:gs>
+            </a:gsLst>
+            <a:lin ang="0" scaled="0"/>
+          </a:gradFill>
+          <a:ln>
+            <a:noFill/>
+          </a:ln>
+        </p:spPr>
+        <p:style>
+          <a:lnRef idx="2">
+            <a:schemeClr val="accent1">
+              <a:shade val="50000"/>
+            </a:schemeClr>
+          </a:lnRef>
+          <a:fillRef idx="1">
+            <a:schemeClr val="accent1"/>
+          </a:fillRef>
+          <a:effectRef idx="0">
+            <a:schemeClr val="accent1"/>
+          </a:effectRef>
+          <a:fontRef idx="minor">
+            <a:schemeClr val="lt1"/>
+          </a:fontRef>
+        </p:style>
+        <p:txBody>
+          <a:bodyPr rtlCol="0" anchor="ctr"/>
+          <a:lstStyle/>
+          <a:p>
+            <a:pPr algn="ctr"/>
+            <a:endParaRPr lang="ko-KR" altLang="en-US"/>
+          </a:p>
+        </p:txBody>
+      </p:sp>
+      <p:sp>
+        <p:nvSpPr>
+          <p:cNvPr id="39" name="화살표: 오른쪽 38">
+            <a:extLst>
+              <a:ext uri="{FF2B5EF4-FFF2-40B4-BE49-F238E27FC236}">
+                <a16:creationId xmlns:a16="http://schemas.microsoft.com/office/drawing/2014/main" id="{92D4EB73-9076-4946-97BD-F855B1D1D638}"/>
+              </a:ext>
+            </a:extLst>
+          </p:cNvPr>
+          <p:cNvSpPr/>
+          <p:nvPr/>
+        </p:nvSpPr>
+        <p:spPr>
+          <a:xfrm>
+            <a:off x="2548787" y="5411433"/>
+            <a:ext cx="282560" cy="290713"/>
+          </a:xfrm>
+          <a:prstGeom prst="rightArrow">
+            <a:avLst/>
+          </a:prstGeom>
+          <a:gradFill>
+            <a:gsLst>
+              <a:gs pos="0">
+                <a:schemeClr val="accent1">
+                  <a:lumMod val="5000"/>
+                  <a:lumOff val="95000"/>
+                </a:schemeClr>
+              </a:gs>
+              <a:gs pos="81000">
+                <a:schemeClr val="bg1">
+                  <a:lumMod val="75000"/>
+                </a:schemeClr>
+              </a:gs>
+            </a:gsLst>
+            <a:lin ang="0" scaled="0"/>
+          </a:gradFill>
+          <a:ln>
+            <a:noFill/>
+          </a:ln>
+        </p:spPr>
+        <p:style>
+          <a:lnRef idx="2">
+            <a:schemeClr val="accent1">
+              <a:shade val="50000"/>
+            </a:schemeClr>
+          </a:lnRef>
+          <a:fillRef idx="1">
+            <a:schemeClr val="accent1"/>
+          </a:fillRef>
+          <a:effectRef idx="0">
+            <a:schemeClr val="accent1"/>
+          </a:effectRef>
+          <a:fontRef idx="minor">
+            <a:schemeClr val="lt1"/>
+          </a:fontRef>
+        </p:style>
+        <p:txBody>
+          <a:bodyPr rtlCol="0" anchor="ctr"/>
+          <a:lstStyle/>
+          <a:p>
+            <a:pPr algn="ctr"/>
+            <a:endParaRPr lang="ko-KR" altLang="en-US"/>
+          </a:p>
+        </p:txBody>
+      </p:sp>
+      <p:sp>
+        <p:nvSpPr>
+          <p:cNvPr id="40" name="화살표: 오른쪽 39">
+            <a:extLst>
+              <a:ext uri="{FF2B5EF4-FFF2-40B4-BE49-F238E27FC236}">
+                <a16:creationId xmlns:a16="http://schemas.microsoft.com/office/drawing/2014/main" id="{D7BE9632-9CC2-40DD-859D-4E06BAC289A0}"/>
+              </a:ext>
+            </a:extLst>
+          </p:cNvPr>
+          <p:cNvSpPr/>
+          <p:nvPr/>
+        </p:nvSpPr>
+        <p:spPr>
+          <a:xfrm>
+            <a:off x="4216260" y="5411433"/>
+            <a:ext cx="282560" cy="290713"/>
+          </a:xfrm>
+          <a:prstGeom prst="rightArrow">
+            <a:avLst/>
+          </a:prstGeom>
+          <a:gradFill>
+            <a:gsLst>
+              <a:gs pos="0">
+                <a:schemeClr val="accent1">
+                  <a:lumMod val="5000"/>
+                  <a:lumOff val="95000"/>
+                </a:schemeClr>
+              </a:gs>
+              <a:gs pos="81000">
+                <a:schemeClr val="bg1">
+                  <a:lumMod val="75000"/>
+                </a:schemeClr>
+              </a:gs>
+            </a:gsLst>
+            <a:lin ang="0" scaled="0"/>
+          </a:gradFill>
+          <a:ln>
+            <a:noFill/>
+          </a:ln>
+        </p:spPr>
+        <p:style>
+          <a:lnRef idx="2">
+            <a:schemeClr val="accent1">
+              <a:shade val="50000"/>
+            </a:schemeClr>
+          </a:lnRef>
+          <a:fillRef idx="1">
+            <a:schemeClr val="accent1"/>
+          </a:fillRef>
+          <a:effectRef idx="0">
+            <a:schemeClr val="accent1"/>
+          </a:effectRef>
+          <a:fontRef idx="minor">
+            <a:schemeClr val="lt1"/>
+          </a:fontRef>
+        </p:style>
+        <p:txBody>
+          <a:bodyPr rtlCol="0" anchor="ctr"/>
+          <a:lstStyle/>
+          <a:p>
+            <a:pPr algn="ctr"/>
+            <a:endParaRPr lang="ko-KR" altLang="en-US"/>
+          </a:p>
+        </p:txBody>
+      </p:sp>
+      <p:sp>
+        <p:nvSpPr>
+          <p:cNvPr id="41" name="화살표: 위로 굽음 40">
+            <a:extLst>
+              <a:ext uri="{FF2B5EF4-FFF2-40B4-BE49-F238E27FC236}">
+                <a16:creationId xmlns:a16="http://schemas.microsoft.com/office/drawing/2014/main" id="{CC226F62-384A-45C3-AD5D-7D9931EA8902}"/>
+              </a:ext>
+            </a:extLst>
+          </p:cNvPr>
+          <p:cNvSpPr/>
+          <p:nvPr/>
+        </p:nvSpPr>
+        <p:spPr>
+          <a:xfrm rot="10800000">
+            <a:off x="1640924" y="3884736"/>
+            <a:ext cx="1348591" cy="741455"/>
+          </a:xfrm>
+          <a:prstGeom prst="bentUpArrow">
+            <a:avLst/>
+          </a:prstGeom>
+          <a:solidFill>
+            <a:schemeClr val="bg1">
+              <a:lumMod val="75000"/>
+            </a:schemeClr>
+          </a:solidFill>
+          <a:ln>
+            <a:noFill/>
+          </a:ln>
+        </p:spPr>
+        <p:style>
+          <a:lnRef idx="2">
+            <a:schemeClr val="accent1">
+              <a:shade val="50000"/>
+            </a:schemeClr>
+          </a:lnRef>
+          <a:fillRef idx="1">
+            <a:schemeClr val="accent1"/>
+          </a:fillRef>
+          <a:effectRef idx="0">
+            <a:schemeClr val="accent1"/>
+          </a:effectRef>
+          <a:fontRef idx="minor">
+            <a:schemeClr val="lt1"/>
+          </a:fontRef>
+        </p:style>
+        <p:txBody>
+          <a:bodyPr rtlCol="0" anchor="ctr"/>
+          <a:lstStyle/>
+          <a:p>
+            <a:pPr algn="ctr"/>
+            <a:endParaRPr lang="ko-KR" altLang="en-US"/>
+          </a:p>
+        </p:txBody>
+      </p:sp>
+      <p:pic>
+        <p:nvPicPr>
+          <p:cNvPr id="42" name="그림 41">
+            <a:extLst>
+              <a:ext uri="{FF2B5EF4-FFF2-40B4-BE49-F238E27FC236}">
+                <a16:creationId xmlns:a16="http://schemas.microsoft.com/office/drawing/2014/main" id="{80E5697D-0BA9-400A-818B-EE5A06B1FBDD}"/>
+              </a:ext>
+            </a:extLst>
+          </p:cNvPr>
+          <p:cNvPicPr>
+            <a:picLocks noChangeAspect="1"/>
+          </p:cNvPicPr>
+          <p:nvPr/>
+        </p:nvPicPr>
+        <p:blipFill>
+          <a:blip r:embed="rId5">
+            <a:extLst>
+              <a:ext uri="{28A0092B-C50C-407E-A947-70E740481C1C}">
+                <a14:useLocalDpi xmlns:a14="http://schemas.microsoft.com/office/drawing/2010/main" val="0"/>
+              </a:ext>
+            </a:extLst>
+          </a:blip>
+          <a:stretch>
+            <a:fillRect/>
+          </a:stretch>
+        </p:blipFill>
+        <p:spPr>
+          <a:xfrm>
+            <a:off x="902062" y="2155238"/>
+            <a:ext cx="904966" cy="847607"/>
+          </a:xfrm>
+          <a:prstGeom prst="rect">
+            <a:avLst/>
+          </a:prstGeom>
+        </p:spPr>
+      </p:pic>
+      <p:pic>
+        <p:nvPicPr>
+          <p:cNvPr id="43" name="그림 42">
+            <a:extLst>
+              <a:ext uri="{FF2B5EF4-FFF2-40B4-BE49-F238E27FC236}">
+                <a16:creationId xmlns:a16="http://schemas.microsoft.com/office/drawing/2014/main" id="{D8A08A8A-03A5-439F-B9D6-EB38FF34CA61}"/>
+              </a:ext>
+            </a:extLst>
+          </p:cNvPr>
+          <p:cNvPicPr>
+            <a:picLocks noChangeAspect="1"/>
+          </p:cNvPicPr>
+          <p:nvPr/>
+        </p:nvPicPr>
+        <p:blipFill>
+          <a:blip r:embed="rId6">
+            <a:extLst>
+              <a:ext uri="{28A0092B-C50C-407E-A947-70E740481C1C}">
+                <a14:useLocalDpi xmlns:a14="http://schemas.microsoft.com/office/drawing/2010/main" val="0"/>
+              </a:ext>
+            </a:extLst>
+          </a:blip>
+          <a:stretch>
+            <a:fillRect/>
+          </a:stretch>
+        </p:blipFill>
+        <p:spPr>
+          <a:xfrm>
+            <a:off x="2319096" y="2145657"/>
+            <a:ext cx="966316" cy="878604"/>
+          </a:xfrm>
+          <a:prstGeom prst="rect">
+            <a:avLst/>
+          </a:prstGeom>
+        </p:spPr>
+      </p:pic>
+      <p:pic>
+        <p:nvPicPr>
+          <p:cNvPr id="44" name="그림 43">
+            <a:extLst>
+              <a:ext uri="{FF2B5EF4-FFF2-40B4-BE49-F238E27FC236}">
+                <a16:creationId xmlns:a16="http://schemas.microsoft.com/office/drawing/2014/main" id="{E222E885-5B4D-42EF-9E32-CD4591CC9EA7}"/>
+              </a:ext>
+            </a:extLst>
+          </p:cNvPr>
+          <p:cNvPicPr>
+            <a:picLocks noChangeAspect="1"/>
+          </p:cNvPicPr>
+          <p:nvPr/>
+        </p:nvPicPr>
+        <p:blipFill>
+          <a:blip r:embed="rId7">
+            <a:extLst>
+              <a:ext uri="{28A0092B-C50C-407E-A947-70E740481C1C}">
+                <a14:useLocalDpi xmlns:a14="http://schemas.microsoft.com/office/drawing/2010/main" val="0"/>
+              </a:ext>
+            </a:extLst>
+          </a:blip>
+          <a:stretch>
+            <a:fillRect/>
+          </a:stretch>
+        </p:blipFill>
+        <p:spPr>
+          <a:xfrm>
+            <a:off x="5360936" y="2188054"/>
+            <a:ext cx="846626" cy="837035"/>
+          </a:xfrm>
+          <a:prstGeom prst="rect">
+            <a:avLst/>
+          </a:prstGeom>
+        </p:spPr>
+      </p:pic>
+      <p:pic>
+        <p:nvPicPr>
+          <p:cNvPr id="45" name="그림 44">
+            <a:extLst>
+              <a:ext uri="{FF2B5EF4-FFF2-40B4-BE49-F238E27FC236}">
+                <a16:creationId xmlns:a16="http://schemas.microsoft.com/office/drawing/2014/main" id="{31CDC4DB-2362-430E-B159-0694BC996FB3}"/>
+              </a:ext>
+            </a:extLst>
+          </p:cNvPr>
+          <p:cNvPicPr>
+            <a:picLocks noChangeAspect="1"/>
+          </p:cNvPicPr>
+          <p:nvPr/>
+        </p:nvPicPr>
+        <p:blipFill>
+          <a:blip r:embed="rId8">
+            <a:extLst>
+              <a:ext uri="{28A0092B-C50C-407E-A947-70E740481C1C}">
+                <a14:useLocalDpi xmlns:a14="http://schemas.microsoft.com/office/drawing/2010/main" val="0"/>
+              </a:ext>
+            </a:extLst>
+          </a:blip>
+          <a:stretch>
+            <a:fillRect/>
+          </a:stretch>
+        </p:blipFill>
+        <p:spPr>
+          <a:xfrm>
+            <a:off x="3760342" y="2272062"/>
+            <a:ext cx="1035976" cy="679189"/>
+          </a:xfrm>
+          <a:prstGeom prst="rect">
+            <a:avLst/>
+          </a:prstGeom>
+        </p:spPr>
+      </p:pic>
+      <p:cxnSp>
+        <p:nvCxnSpPr>
+          <p:cNvPr id="46" name="직선 화살표 연결선 45">
+            <a:extLst>
+              <a:ext uri="{FF2B5EF4-FFF2-40B4-BE49-F238E27FC236}">
+                <a16:creationId xmlns:a16="http://schemas.microsoft.com/office/drawing/2014/main" id="{5EE74325-0FF9-4B9A-B9ED-3D5D50C6C9B3}"/>
+              </a:ext>
+            </a:extLst>
+          </p:cNvPr>
+          <p:cNvCxnSpPr>
+            <a:cxnSpLocks/>
+          </p:cNvCxnSpPr>
+          <p:nvPr/>
+        </p:nvCxnSpPr>
+        <p:spPr>
+          <a:xfrm>
+            <a:off x="4060587" y="3740564"/>
+            <a:ext cx="2787102" cy="0"/>
+          </a:xfrm>
+          <a:prstGeom prst="straightConnector1">
+            <a:avLst/>
+          </a:prstGeom>
+          <a:ln w="12700">
             <a:solidFill>
-              <a:schemeClr val="bg1">
-                <a:lumMod val="75000"/>
-              </a:schemeClr>
+              <a:srgbClr val="FF0000"/>
             </a:solidFill>
-            <a:ln>
-              <a:noFill/>
-            </a:ln>
-          </p:spPr>
-          <p:style>
-            <a:lnRef idx="2">
-              <a:schemeClr val="accent1">
-                <a:shade val="50000"/>
-              </a:schemeClr>
-            </a:lnRef>
-            <a:fillRef idx="1">
-              <a:schemeClr val="accent1"/>
-            </a:fillRef>
-            <a:effectRef idx="0">
-              <a:schemeClr val="accent1"/>
-            </a:effectRef>
-            <a:fontRef idx="minor">
-              <a:schemeClr val="lt1"/>
-            </a:fontRef>
-          </p:style>
-          <p:txBody>
-            <a:bodyPr rtlCol="0" anchor="ctr"/>
-            <a:lstStyle/>
-            <a:p>
-              <a:pPr algn="ctr"/>
-              <a:endParaRPr lang="ko-KR" altLang="en-US"/>
-            </a:p>
-          </p:txBody>
-        </p:sp>
-        <p:sp>
-          <p:nvSpPr>
-            <p:cNvPr id="23" name="타원 22">
-              <a:extLst>
-                <a:ext uri="{FF2B5EF4-FFF2-40B4-BE49-F238E27FC236}">
-                  <a16:creationId xmlns:a16="http://schemas.microsoft.com/office/drawing/2014/main" id="{C1732E6A-8804-4D6F-B5C5-3C8DCA3F5081}"/>
-                </a:ext>
-              </a:extLst>
-            </p:cNvPr>
-            <p:cNvSpPr/>
-            <p:nvPr/>
-          </p:nvSpPr>
-          <p:spPr>
-            <a:xfrm>
-              <a:off x="3721439" y="1209903"/>
-              <a:ext cx="1166852" cy="1182795"/>
-            </a:xfrm>
-            <a:prstGeom prst="ellipse">
-              <a:avLst/>
-            </a:prstGeom>
+            <a:prstDash val="dash"/>
+            <a:tailEnd type="triangle"/>
+          </a:ln>
+        </p:spPr>
+        <p:style>
+          <a:lnRef idx="1">
+            <a:schemeClr val="accent1"/>
+          </a:lnRef>
+          <a:fillRef idx="0">
+            <a:schemeClr val="accent1"/>
+          </a:fillRef>
+          <a:effectRef idx="0">
+            <a:schemeClr val="accent1"/>
+          </a:effectRef>
+          <a:fontRef idx="minor">
+            <a:schemeClr val="tx1"/>
+          </a:fontRef>
+        </p:style>
+      </p:cxnSp>
+      <p:sp>
+        <p:nvSpPr>
+          <p:cNvPr id="47" name="타원 46">
+            <a:extLst>
+              <a:ext uri="{FF2B5EF4-FFF2-40B4-BE49-F238E27FC236}">
+                <a16:creationId xmlns:a16="http://schemas.microsoft.com/office/drawing/2014/main" id="{FB385533-40BB-41F2-9E4C-173A27B8EDC8}"/>
+              </a:ext>
+            </a:extLst>
+          </p:cNvPr>
+          <p:cNvSpPr/>
+          <p:nvPr/>
+        </p:nvSpPr>
+        <p:spPr>
+          <a:xfrm>
+            <a:off x="2856098" y="3378355"/>
+            <a:ext cx="1265413" cy="1229598"/>
+          </a:xfrm>
+          <a:prstGeom prst="ellipse">
+            <a:avLst/>
+          </a:prstGeom>
+          <a:noFill/>
+          <a:ln>
             <a:solidFill>
-              <a:schemeClr val="bg1">
-                <a:lumMod val="75000"/>
-              </a:schemeClr>
+              <a:srgbClr val="FF0000"/>
             </a:solidFill>
-            <a:ln>
-              <a:noFill/>
-            </a:ln>
-          </p:spPr>
-          <p:style>
-            <a:lnRef idx="2">
-              <a:schemeClr val="accent1">
-                <a:shade val="50000"/>
-              </a:schemeClr>
-            </a:lnRef>
-            <a:fillRef idx="1">
-              <a:schemeClr val="accent1"/>
-            </a:fillRef>
-            <a:effectRef idx="0">
-              <a:schemeClr val="accent1"/>
-            </a:effectRef>
-            <a:fontRef idx="minor">
-              <a:schemeClr val="lt1"/>
-            </a:fontRef>
-          </p:style>
-          <p:txBody>
-            <a:bodyPr rtlCol="0" anchor="ctr"/>
-            <a:lstStyle/>
-            <a:p>
-              <a:pPr algn="ctr"/>
-              <a:endParaRPr lang="ko-KR" altLang="en-US"/>
-            </a:p>
-          </p:txBody>
-        </p:sp>
-        <p:sp>
-          <p:nvSpPr>
-            <p:cNvPr id="24" name="타원 23">
-              <a:extLst>
-                <a:ext uri="{FF2B5EF4-FFF2-40B4-BE49-F238E27FC236}">
-                  <a16:creationId xmlns:a16="http://schemas.microsoft.com/office/drawing/2014/main" id="{C1090E5E-E0DB-400C-AAC8-D33977129302}"/>
-                </a:ext>
-              </a:extLst>
-            </p:cNvPr>
-            <p:cNvSpPr/>
-            <p:nvPr/>
-          </p:nvSpPr>
-          <p:spPr>
-            <a:xfrm>
-              <a:off x="5352470" y="1209903"/>
-              <a:ext cx="1166852" cy="1182795"/>
-            </a:xfrm>
-            <a:prstGeom prst="ellipse">
-              <a:avLst/>
-            </a:prstGeom>
-            <a:solidFill>
-              <a:schemeClr val="bg1">
-                <a:lumMod val="75000"/>
-              </a:schemeClr>
-            </a:solidFill>
-            <a:ln>
-              <a:noFill/>
-            </a:ln>
-          </p:spPr>
-          <p:style>
-            <a:lnRef idx="2">
-              <a:schemeClr val="accent1">
-                <a:shade val="50000"/>
-              </a:schemeClr>
-            </a:lnRef>
-            <a:fillRef idx="1">
-              <a:schemeClr val="accent1"/>
-            </a:fillRef>
-            <a:effectRef idx="0">
-              <a:schemeClr val="accent1"/>
-            </a:effectRef>
-            <a:fontRef idx="minor">
-              <a:schemeClr val="lt1"/>
-            </a:fontRef>
-          </p:style>
-          <p:txBody>
-            <a:bodyPr rtlCol="0" anchor="ctr"/>
-            <a:lstStyle/>
-            <a:p>
-              <a:pPr algn="ctr"/>
-              <a:endParaRPr lang="ko-KR" altLang="en-US"/>
-            </a:p>
-          </p:txBody>
-        </p:sp>
-        <p:sp>
-          <p:nvSpPr>
-            <p:cNvPr id="25" name="타원 24">
-              <a:extLst>
-                <a:ext uri="{FF2B5EF4-FFF2-40B4-BE49-F238E27FC236}">
-                  <a16:creationId xmlns:a16="http://schemas.microsoft.com/office/drawing/2014/main" id="{A59DF92B-890F-4C56-BF03-7FB88598A4E0}"/>
-                </a:ext>
-              </a:extLst>
-            </p:cNvPr>
-            <p:cNvSpPr/>
-            <p:nvPr/>
-          </p:nvSpPr>
-          <p:spPr>
-            <a:xfrm>
-              <a:off x="4609309" y="4496517"/>
-              <a:ext cx="1166852" cy="1182795"/>
-            </a:xfrm>
-            <a:prstGeom prst="ellipse">
-              <a:avLst/>
-            </a:prstGeom>
-            <a:solidFill>
-              <a:schemeClr val="bg1">
-                <a:lumMod val="75000"/>
-              </a:schemeClr>
-            </a:solidFill>
-            <a:ln>
-              <a:noFill/>
-            </a:ln>
-          </p:spPr>
-          <p:style>
-            <a:lnRef idx="2">
-              <a:schemeClr val="accent1">
-                <a:shade val="50000"/>
-              </a:schemeClr>
-            </a:lnRef>
-            <a:fillRef idx="1">
-              <a:schemeClr val="accent1"/>
-            </a:fillRef>
-            <a:effectRef idx="0">
-              <a:schemeClr val="accent1"/>
-            </a:effectRef>
-            <a:fontRef idx="minor">
-              <a:schemeClr val="lt1"/>
-            </a:fontRef>
-          </p:style>
-          <p:txBody>
-            <a:bodyPr rtlCol="0" anchor="ctr"/>
-            <a:lstStyle/>
-            <a:p>
-              <a:pPr algn="ctr"/>
-              <a:endParaRPr lang="ko-KR" altLang="en-US"/>
-            </a:p>
-          </p:txBody>
-        </p:sp>
-        <p:sp>
-          <p:nvSpPr>
-            <p:cNvPr id="26" name="타원 25">
-              <a:extLst>
-                <a:ext uri="{FF2B5EF4-FFF2-40B4-BE49-F238E27FC236}">
-                  <a16:creationId xmlns:a16="http://schemas.microsoft.com/office/drawing/2014/main" id="{0AFBB939-B481-42AE-B7F9-215421E6AF6B}"/>
-                </a:ext>
-              </a:extLst>
-            </p:cNvPr>
-            <p:cNvSpPr/>
-            <p:nvPr/>
-          </p:nvSpPr>
-          <p:spPr>
-            <a:xfrm>
-              <a:off x="1034953" y="4475651"/>
-              <a:ext cx="1166852" cy="1182795"/>
-            </a:xfrm>
-            <a:prstGeom prst="ellipse">
-              <a:avLst/>
-            </a:prstGeom>
-            <a:solidFill>
-              <a:schemeClr val="bg1">
-                <a:lumMod val="75000"/>
-              </a:schemeClr>
-            </a:solidFill>
-            <a:ln>
-              <a:noFill/>
-            </a:ln>
-          </p:spPr>
-          <p:style>
-            <a:lnRef idx="2">
-              <a:schemeClr val="accent1">
-                <a:shade val="50000"/>
-              </a:schemeClr>
-            </a:lnRef>
-            <a:fillRef idx="1">
-              <a:schemeClr val="accent1"/>
-            </a:fillRef>
-            <a:effectRef idx="0">
-              <a:schemeClr val="accent1"/>
-            </a:effectRef>
-            <a:fontRef idx="minor">
-              <a:schemeClr val="lt1"/>
-            </a:fontRef>
-          </p:style>
-          <p:txBody>
-            <a:bodyPr rtlCol="0" anchor="ctr"/>
-            <a:lstStyle/>
-            <a:p>
-              <a:pPr algn="ctr"/>
-              <a:endParaRPr lang="ko-KR" altLang="en-US"/>
-            </a:p>
-          </p:txBody>
-        </p:sp>
-        <p:sp>
-          <p:nvSpPr>
-            <p:cNvPr id="27" name="타원 26">
-              <a:extLst>
-                <a:ext uri="{FF2B5EF4-FFF2-40B4-BE49-F238E27FC236}">
-                  <a16:creationId xmlns:a16="http://schemas.microsoft.com/office/drawing/2014/main" id="{71DD08E3-A249-47C1-A318-A3B6C60998DA}"/>
-                </a:ext>
-              </a:extLst>
-            </p:cNvPr>
-            <p:cNvSpPr/>
-            <p:nvPr/>
-          </p:nvSpPr>
-          <p:spPr>
-            <a:xfrm>
-              <a:off x="2829389" y="4496517"/>
-              <a:ext cx="1166852" cy="1182795"/>
-            </a:xfrm>
-            <a:prstGeom prst="ellipse">
-              <a:avLst/>
-            </a:prstGeom>
-            <a:solidFill>
-              <a:schemeClr val="bg1">
-                <a:lumMod val="75000"/>
-              </a:schemeClr>
-            </a:solidFill>
-            <a:ln>
-              <a:noFill/>
-            </a:ln>
-          </p:spPr>
-          <p:style>
-            <a:lnRef idx="2">
-              <a:schemeClr val="accent1">
-                <a:shade val="50000"/>
-              </a:schemeClr>
-            </a:lnRef>
-            <a:fillRef idx="1">
-              <a:schemeClr val="accent1"/>
-            </a:fillRef>
-            <a:effectRef idx="0">
-              <a:schemeClr val="accent1"/>
-            </a:effectRef>
-            <a:fontRef idx="minor">
-              <a:schemeClr val="lt1"/>
-            </a:fontRef>
-          </p:style>
-          <p:txBody>
-            <a:bodyPr rtlCol="0" anchor="ctr"/>
-            <a:lstStyle/>
-            <a:p>
-              <a:pPr algn="ctr"/>
-              <a:endParaRPr lang="ko-KR" altLang="en-US"/>
-            </a:p>
-          </p:txBody>
-        </p:sp>
-        <p:sp>
-          <p:nvSpPr>
-            <p:cNvPr id="28" name="사각형: 둥근 모서리 27">
-              <a:extLst>
-                <a:ext uri="{FF2B5EF4-FFF2-40B4-BE49-F238E27FC236}">
-                  <a16:creationId xmlns:a16="http://schemas.microsoft.com/office/drawing/2014/main" id="{DF55A55A-245F-4C65-A1B2-CBCACC88FECF}"/>
-                </a:ext>
-              </a:extLst>
-            </p:cNvPr>
-            <p:cNvSpPr/>
-            <p:nvPr/>
-          </p:nvSpPr>
-          <p:spPr>
-            <a:xfrm>
-              <a:off x="431679" y="955248"/>
-              <a:ext cx="6177795" cy="1673470"/>
-            </a:xfrm>
-            <a:prstGeom prst="roundRect">
-              <a:avLst/>
-            </a:prstGeom>
-            <a:noFill/>
-            <a:ln w="25400">
-              <a:solidFill>
-                <a:schemeClr val="tx1">
-                  <a:lumMod val="50000"/>
-                  <a:lumOff val="50000"/>
-                </a:schemeClr>
-              </a:solidFill>
-            </a:ln>
-          </p:spPr>
-          <p:style>
-            <a:lnRef idx="2">
-              <a:schemeClr val="accent1">
-                <a:shade val="50000"/>
-              </a:schemeClr>
-            </a:lnRef>
-            <a:fillRef idx="1">
-              <a:schemeClr val="accent1"/>
-            </a:fillRef>
-            <a:effectRef idx="0">
-              <a:schemeClr val="accent1"/>
-            </a:effectRef>
-            <a:fontRef idx="minor">
-              <a:schemeClr val="lt1"/>
-            </a:fontRef>
-          </p:style>
-          <p:txBody>
-            <a:bodyPr rtlCol="0" anchor="ctr"/>
-            <a:lstStyle/>
-            <a:p>
-              <a:pPr algn="ctr"/>
-              <a:endParaRPr lang="ko-KR" altLang="en-US"/>
-            </a:p>
-          </p:txBody>
-        </p:sp>
-        <p:sp>
-          <p:nvSpPr>
-            <p:cNvPr id="29" name="TextBox 28">
-              <a:extLst>
-                <a:ext uri="{FF2B5EF4-FFF2-40B4-BE49-F238E27FC236}">
-                  <a16:creationId xmlns:a16="http://schemas.microsoft.com/office/drawing/2014/main" id="{88D0B779-7EC9-4243-A759-64EA68BEE1FD}"/>
-                </a:ext>
-              </a:extLst>
-            </p:cNvPr>
-            <p:cNvSpPr txBox="1"/>
-            <p:nvPr/>
-          </p:nvSpPr>
-          <p:spPr>
-            <a:xfrm>
-              <a:off x="2724122" y="696539"/>
-              <a:ext cx="1392675" cy="443187"/>
-            </a:xfrm>
-            <a:prstGeom prst="rect">
-              <a:avLst/>
-            </a:prstGeom>
-            <a:solidFill>
-              <a:schemeClr val="bg1"/>
-            </a:solidFill>
-          </p:spPr>
-          <p:txBody>
-            <a:bodyPr wrap="square" rtlCol="0">
-              <a:spAutoFit/>
-            </a:bodyPr>
-            <a:lstStyle/>
-            <a:p>
-              <a:pPr algn="ctr"/>
-              <a:r>
-                <a:rPr lang="ko-KR" altLang="en-US" sz="2000" b="1" dirty="0">
-                  <a:solidFill>
-                    <a:schemeClr val="tx1">
-                      <a:lumMod val="50000"/>
-                      <a:lumOff val="50000"/>
-                    </a:schemeClr>
-                  </a:solidFill>
-                  <a:latin typeface="나눔스퀘어 ExtraBold" panose="020B0600000101010101" pitchFamily="50" charset="-127"/>
-                  <a:ea typeface="나눔스퀘어 ExtraBold" panose="020B0600000101010101" pitchFamily="50" charset="-127"/>
-                </a:rPr>
-                <a:t>내륙지역</a:t>
-              </a:r>
-            </a:p>
-          </p:txBody>
-        </p:sp>
-        <p:sp>
-          <p:nvSpPr>
-            <p:cNvPr id="30" name="사각형: 둥근 모서리 29">
-              <a:extLst>
-                <a:ext uri="{FF2B5EF4-FFF2-40B4-BE49-F238E27FC236}">
-                  <a16:creationId xmlns:a16="http://schemas.microsoft.com/office/drawing/2014/main" id="{24579A7D-FD4D-4A56-9500-DEFC3ECE2075}"/>
-                </a:ext>
-              </a:extLst>
-            </p:cNvPr>
-            <p:cNvSpPr/>
-            <p:nvPr/>
-          </p:nvSpPr>
-          <p:spPr>
-            <a:xfrm>
-              <a:off x="874096" y="4282096"/>
-              <a:ext cx="5162751" cy="1494590"/>
-            </a:xfrm>
-            <a:prstGeom prst="roundRect">
-              <a:avLst/>
-            </a:prstGeom>
-            <a:noFill/>
-            <a:ln w="25400">
-              <a:solidFill>
-                <a:schemeClr val="tx1">
-                  <a:lumMod val="50000"/>
-                  <a:lumOff val="50000"/>
-                </a:schemeClr>
-              </a:solidFill>
-            </a:ln>
-          </p:spPr>
-          <p:style>
-            <a:lnRef idx="2">
-              <a:schemeClr val="accent1">
-                <a:shade val="50000"/>
-              </a:schemeClr>
-            </a:lnRef>
-            <a:fillRef idx="1">
-              <a:schemeClr val="accent1"/>
-            </a:fillRef>
-            <a:effectRef idx="0">
-              <a:schemeClr val="accent1"/>
-            </a:effectRef>
-            <a:fontRef idx="minor">
-              <a:schemeClr val="lt1"/>
-            </a:fontRef>
-          </p:style>
-          <p:txBody>
-            <a:bodyPr rtlCol="0" anchor="ctr"/>
-            <a:lstStyle/>
-            <a:p>
-              <a:pPr algn="ctr"/>
-              <a:endParaRPr lang="ko-KR" altLang="en-US"/>
-            </a:p>
-          </p:txBody>
-        </p:sp>
-        <p:sp>
-          <p:nvSpPr>
-            <p:cNvPr id="31" name="TextBox 30">
-              <a:extLst>
-                <a:ext uri="{FF2B5EF4-FFF2-40B4-BE49-F238E27FC236}">
-                  <a16:creationId xmlns:a16="http://schemas.microsoft.com/office/drawing/2014/main" id="{2494F4AD-3E48-452D-8F60-A26DAB54F04A}"/>
-                </a:ext>
-              </a:extLst>
-            </p:cNvPr>
-            <p:cNvSpPr txBox="1"/>
-            <p:nvPr/>
-          </p:nvSpPr>
-          <p:spPr>
-            <a:xfrm>
-              <a:off x="2888755" y="4036897"/>
-              <a:ext cx="1125353" cy="443187"/>
-            </a:xfrm>
-            <a:prstGeom prst="rect">
-              <a:avLst/>
-            </a:prstGeom>
-            <a:solidFill>
-              <a:schemeClr val="bg1"/>
-            </a:solidFill>
-          </p:spPr>
-          <p:txBody>
-            <a:bodyPr wrap="square" rtlCol="0">
-              <a:spAutoFit/>
-            </a:bodyPr>
-            <a:lstStyle/>
-            <a:p>
-              <a:pPr algn="ctr"/>
-              <a:r>
-                <a:rPr lang="ko-KR" altLang="en-US" sz="2000" b="1" dirty="0">
-                  <a:solidFill>
-                    <a:schemeClr val="tx1">
-                      <a:lumMod val="50000"/>
-                      <a:lumOff val="50000"/>
-                    </a:schemeClr>
-                  </a:solidFill>
-                  <a:latin typeface="나눔스퀘어 ExtraBold" panose="020B0600000101010101" pitchFamily="50" charset="-127"/>
-                  <a:ea typeface="나눔스퀘어 ExtraBold" panose="020B0600000101010101" pitchFamily="50" charset="-127"/>
-                </a:rPr>
-                <a:t>제주도</a:t>
-              </a:r>
-            </a:p>
-          </p:txBody>
-        </p:sp>
-        <p:sp>
-          <p:nvSpPr>
-            <p:cNvPr id="32" name="화살표: 오른쪽 31">
-              <a:extLst>
-                <a:ext uri="{FF2B5EF4-FFF2-40B4-BE49-F238E27FC236}">
-                  <a16:creationId xmlns:a16="http://schemas.microsoft.com/office/drawing/2014/main" id="{B3E8A2D0-B541-4957-AECE-E1FEF1BEEE07}"/>
-                </a:ext>
-              </a:extLst>
-            </p:cNvPr>
-            <p:cNvSpPr/>
-            <p:nvPr/>
-          </p:nvSpPr>
-          <p:spPr>
-            <a:xfrm>
-              <a:off x="1770293" y="1650229"/>
-              <a:ext cx="304123" cy="322012"/>
-            </a:xfrm>
-            <a:prstGeom prst="rightArrow">
-              <a:avLst/>
-            </a:prstGeom>
-            <a:gradFill>
-              <a:gsLst>
-                <a:gs pos="0">
-                  <a:schemeClr val="accent1">
-                    <a:lumMod val="5000"/>
-                    <a:lumOff val="95000"/>
-                  </a:schemeClr>
-                </a:gs>
-                <a:gs pos="81000">
-                  <a:schemeClr val="bg1">
-                    <a:lumMod val="75000"/>
-                  </a:schemeClr>
-                </a:gs>
-              </a:gsLst>
-              <a:lin ang="0" scaled="0"/>
-            </a:gradFill>
-            <a:ln>
-              <a:noFill/>
-            </a:ln>
-          </p:spPr>
-          <p:style>
-            <a:lnRef idx="2">
-              <a:schemeClr val="accent1">
-                <a:shade val="50000"/>
-              </a:schemeClr>
-            </a:lnRef>
-            <a:fillRef idx="1">
-              <a:schemeClr val="accent1"/>
-            </a:fillRef>
-            <a:effectRef idx="0">
-              <a:schemeClr val="accent1"/>
-            </a:effectRef>
-            <a:fontRef idx="minor">
-              <a:schemeClr val="lt1"/>
-            </a:fontRef>
-          </p:style>
-          <p:txBody>
-            <a:bodyPr rtlCol="0" anchor="ctr"/>
-            <a:lstStyle/>
-            <a:p>
-              <a:pPr algn="ctr"/>
-              <a:endParaRPr lang="ko-KR" altLang="en-US"/>
-            </a:p>
-          </p:txBody>
-        </p:sp>
-        <p:sp>
-          <p:nvSpPr>
-            <p:cNvPr id="33" name="타원 32">
-              <a:extLst>
-                <a:ext uri="{FF2B5EF4-FFF2-40B4-BE49-F238E27FC236}">
-                  <a16:creationId xmlns:a16="http://schemas.microsoft.com/office/drawing/2014/main" id="{87ED5AF3-CD48-44F1-931C-2B5E9C93233B}"/>
-                </a:ext>
-              </a:extLst>
-            </p:cNvPr>
-            <p:cNvSpPr/>
-            <p:nvPr/>
-          </p:nvSpPr>
-          <p:spPr>
-            <a:xfrm>
-              <a:off x="2876721" y="2762359"/>
-              <a:ext cx="1166852" cy="1166852"/>
-            </a:xfrm>
-            <a:prstGeom prst="ellipse">
-              <a:avLst/>
-            </a:prstGeom>
-            <a:solidFill>
-              <a:schemeClr val="bg1">
-                <a:lumMod val="75000"/>
-              </a:schemeClr>
-            </a:solidFill>
-            <a:ln>
-              <a:noFill/>
-            </a:ln>
-          </p:spPr>
-          <p:style>
-            <a:lnRef idx="2">
-              <a:schemeClr val="accent1">
-                <a:shade val="50000"/>
-              </a:schemeClr>
-            </a:lnRef>
-            <a:fillRef idx="1">
-              <a:schemeClr val="accent1"/>
-            </a:fillRef>
-            <a:effectRef idx="0">
-              <a:schemeClr val="accent1"/>
-            </a:effectRef>
-            <a:fontRef idx="minor">
-              <a:schemeClr val="lt1"/>
-            </a:fontRef>
-          </p:style>
-          <p:txBody>
-            <a:bodyPr rtlCol="0" anchor="ctr"/>
-            <a:lstStyle/>
-            <a:p>
-              <a:pPr algn="ctr"/>
-              <a:endParaRPr lang="ko-KR" altLang="en-US"/>
-            </a:p>
-          </p:txBody>
-        </p:sp>
-        <p:pic>
-          <p:nvPicPr>
-            <p:cNvPr id="34" name="그림 33">
-              <a:extLst>
-                <a:ext uri="{FF2B5EF4-FFF2-40B4-BE49-F238E27FC236}">
-                  <a16:creationId xmlns:a16="http://schemas.microsoft.com/office/drawing/2014/main" id="{9A77E7B0-CF76-4AE9-907F-95181F469B1E}"/>
-                </a:ext>
-              </a:extLst>
-            </p:cNvPr>
-            <p:cNvPicPr>
-              <a:picLocks noChangeAspect="1"/>
-            </p:cNvPicPr>
-            <p:nvPr/>
-          </p:nvPicPr>
-          <p:blipFill>
-            <a:blip r:embed="rId2">
-              <a:extLst>
-                <a:ext uri="{28A0092B-C50C-407E-A947-70E740481C1C}">
-                  <a14:useLocalDpi xmlns:a14="http://schemas.microsoft.com/office/drawing/2010/main" val="0"/>
-                </a:ext>
-              </a:extLst>
-            </a:blip>
-            <a:stretch>
-              <a:fillRect/>
-            </a:stretch>
-          </p:blipFill>
-          <p:spPr>
-            <a:xfrm>
-              <a:off x="2982043" y="2872473"/>
-              <a:ext cx="934802" cy="934802"/>
-            </a:xfrm>
-            <a:prstGeom prst="rect">
-              <a:avLst/>
-            </a:prstGeom>
-          </p:spPr>
-        </p:pic>
-        <p:pic>
-          <p:nvPicPr>
-            <p:cNvPr id="35" name="그림 34">
-              <a:extLst>
-                <a:ext uri="{FF2B5EF4-FFF2-40B4-BE49-F238E27FC236}">
-                  <a16:creationId xmlns:a16="http://schemas.microsoft.com/office/drawing/2014/main" id="{9C46A518-EF7E-463B-8A23-74529A564268}"/>
-                </a:ext>
-              </a:extLst>
-            </p:cNvPr>
-            <p:cNvPicPr>
-              <a:picLocks noChangeAspect="1"/>
-            </p:cNvPicPr>
-            <p:nvPr/>
-          </p:nvPicPr>
-          <p:blipFill>
-            <a:blip r:embed="rId3">
-              <a:extLst>
-                <a:ext uri="{28A0092B-C50C-407E-A947-70E740481C1C}">
-                  <a14:useLocalDpi xmlns:a14="http://schemas.microsoft.com/office/drawing/2010/main" val="0"/>
-                </a:ext>
-              </a:extLst>
-            </a:blip>
-            <a:stretch>
-              <a:fillRect/>
-            </a:stretch>
-          </p:blipFill>
-          <p:spPr>
-            <a:xfrm>
-              <a:off x="2985926" y="4646577"/>
-              <a:ext cx="881176" cy="881176"/>
-            </a:xfrm>
-            <a:prstGeom prst="rect">
-              <a:avLst/>
-            </a:prstGeom>
-          </p:spPr>
-        </p:pic>
-        <p:pic>
-          <p:nvPicPr>
-            <p:cNvPr id="36" name="그림 35">
-              <a:extLst>
-                <a:ext uri="{FF2B5EF4-FFF2-40B4-BE49-F238E27FC236}">
-                  <a16:creationId xmlns:a16="http://schemas.microsoft.com/office/drawing/2014/main" id="{EB082BAA-6E1A-4CD8-AD11-641B4BABFAFA}"/>
-                </a:ext>
-              </a:extLst>
-            </p:cNvPr>
-            <p:cNvPicPr>
-              <a:picLocks noChangeAspect="1"/>
-            </p:cNvPicPr>
-            <p:nvPr/>
-          </p:nvPicPr>
-          <p:blipFill>
-            <a:blip r:embed="rId4">
-              <a:extLst>
-                <a:ext uri="{28A0092B-C50C-407E-A947-70E740481C1C}">
-                  <a14:useLocalDpi xmlns:a14="http://schemas.microsoft.com/office/drawing/2010/main" val="0"/>
-                </a:ext>
-              </a:extLst>
-            </a:blip>
-            <a:stretch>
-              <a:fillRect/>
-            </a:stretch>
-          </p:blipFill>
-          <p:spPr>
-            <a:xfrm>
-              <a:off x="1251209" y="4571161"/>
-              <a:ext cx="859530" cy="859530"/>
-            </a:xfrm>
-            <a:prstGeom prst="rect">
-              <a:avLst/>
-            </a:prstGeom>
-          </p:spPr>
-        </p:pic>
-        <p:sp>
-          <p:nvSpPr>
-            <p:cNvPr id="37" name="화살표: 오른쪽 36">
-              <a:extLst>
-                <a:ext uri="{FF2B5EF4-FFF2-40B4-BE49-F238E27FC236}">
-                  <a16:creationId xmlns:a16="http://schemas.microsoft.com/office/drawing/2014/main" id="{E47654F2-9293-4B55-B6C5-A355D2E8A688}"/>
-                </a:ext>
-              </a:extLst>
-            </p:cNvPr>
-            <p:cNvSpPr/>
-            <p:nvPr/>
-          </p:nvSpPr>
-          <p:spPr>
-            <a:xfrm>
-              <a:off x="3405112" y="1650229"/>
-              <a:ext cx="304123" cy="322012"/>
-            </a:xfrm>
-            <a:prstGeom prst="rightArrow">
-              <a:avLst/>
-            </a:prstGeom>
-            <a:gradFill>
-              <a:gsLst>
-                <a:gs pos="0">
-                  <a:schemeClr val="accent1">
-                    <a:lumMod val="5000"/>
-                    <a:lumOff val="95000"/>
-                  </a:schemeClr>
-                </a:gs>
-                <a:gs pos="81000">
-                  <a:schemeClr val="bg1">
-                    <a:lumMod val="75000"/>
-                  </a:schemeClr>
-                </a:gs>
-              </a:gsLst>
-              <a:lin ang="0" scaled="0"/>
-            </a:gradFill>
-            <a:ln>
-              <a:noFill/>
-            </a:ln>
-          </p:spPr>
-          <p:style>
-            <a:lnRef idx="2">
-              <a:schemeClr val="accent1">
-                <a:shade val="50000"/>
-              </a:schemeClr>
-            </a:lnRef>
-            <a:fillRef idx="1">
-              <a:schemeClr val="accent1"/>
-            </a:fillRef>
-            <a:effectRef idx="0">
-              <a:schemeClr val="accent1"/>
-            </a:effectRef>
-            <a:fontRef idx="minor">
-              <a:schemeClr val="lt1"/>
-            </a:fontRef>
-          </p:style>
-          <p:txBody>
-            <a:bodyPr rtlCol="0" anchor="ctr"/>
-            <a:lstStyle/>
-            <a:p>
-              <a:pPr algn="ctr"/>
-              <a:endParaRPr lang="ko-KR" altLang="en-US"/>
-            </a:p>
-          </p:txBody>
-        </p:sp>
-        <p:sp>
-          <p:nvSpPr>
-            <p:cNvPr id="38" name="화살표: 오른쪽 37">
-              <a:extLst>
-                <a:ext uri="{FF2B5EF4-FFF2-40B4-BE49-F238E27FC236}">
-                  <a16:creationId xmlns:a16="http://schemas.microsoft.com/office/drawing/2014/main" id="{18CD1C06-8335-4155-AE76-A780CC8A694F}"/>
-                </a:ext>
-              </a:extLst>
-            </p:cNvPr>
-            <p:cNvSpPr/>
-            <p:nvPr/>
-          </p:nvSpPr>
-          <p:spPr>
-            <a:xfrm>
-              <a:off x="5005924" y="1650229"/>
-              <a:ext cx="304123" cy="322012"/>
-            </a:xfrm>
-            <a:prstGeom prst="rightArrow">
-              <a:avLst/>
-            </a:prstGeom>
-            <a:gradFill>
-              <a:gsLst>
-                <a:gs pos="0">
-                  <a:schemeClr val="accent1">
-                    <a:lumMod val="5000"/>
-                    <a:lumOff val="95000"/>
-                  </a:schemeClr>
-                </a:gs>
-                <a:gs pos="81000">
-                  <a:schemeClr val="bg1">
-                    <a:lumMod val="75000"/>
-                  </a:schemeClr>
-                </a:gs>
-              </a:gsLst>
-              <a:lin ang="0" scaled="0"/>
-            </a:gradFill>
-            <a:ln>
-              <a:noFill/>
-            </a:ln>
-          </p:spPr>
-          <p:style>
-            <a:lnRef idx="2">
-              <a:schemeClr val="accent1">
-                <a:shade val="50000"/>
-              </a:schemeClr>
-            </a:lnRef>
-            <a:fillRef idx="1">
-              <a:schemeClr val="accent1"/>
-            </a:fillRef>
-            <a:effectRef idx="0">
-              <a:schemeClr val="accent1"/>
-            </a:effectRef>
-            <a:fontRef idx="minor">
-              <a:schemeClr val="lt1"/>
-            </a:fontRef>
-          </p:style>
-          <p:txBody>
-            <a:bodyPr rtlCol="0" anchor="ctr"/>
-            <a:lstStyle/>
-            <a:p>
-              <a:pPr algn="ctr"/>
-              <a:endParaRPr lang="ko-KR" altLang="en-US"/>
-            </a:p>
-          </p:txBody>
-        </p:sp>
-        <p:sp>
-          <p:nvSpPr>
-            <p:cNvPr id="39" name="화살표: 오른쪽 38">
-              <a:extLst>
-                <a:ext uri="{FF2B5EF4-FFF2-40B4-BE49-F238E27FC236}">
-                  <a16:creationId xmlns:a16="http://schemas.microsoft.com/office/drawing/2014/main" id="{92D4EB73-9076-4946-97BD-F855B1D1D638}"/>
-                </a:ext>
-              </a:extLst>
-            </p:cNvPr>
-            <p:cNvSpPr/>
-            <p:nvPr/>
-          </p:nvSpPr>
-          <p:spPr>
-            <a:xfrm>
-              <a:off x="2441493" y="4906043"/>
-              <a:ext cx="304123" cy="322012"/>
-            </a:xfrm>
-            <a:prstGeom prst="rightArrow">
-              <a:avLst/>
-            </a:prstGeom>
-            <a:gradFill>
-              <a:gsLst>
-                <a:gs pos="0">
-                  <a:schemeClr val="accent1">
-                    <a:lumMod val="5000"/>
-                    <a:lumOff val="95000"/>
-                  </a:schemeClr>
-                </a:gs>
-                <a:gs pos="81000">
-                  <a:schemeClr val="bg1">
-                    <a:lumMod val="75000"/>
-                  </a:schemeClr>
-                </a:gs>
-              </a:gsLst>
-              <a:lin ang="0" scaled="0"/>
-            </a:gradFill>
-            <a:ln>
-              <a:noFill/>
-            </a:ln>
-          </p:spPr>
-          <p:style>
-            <a:lnRef idx="2">
-              <a:schemeClr val="accent1">
-                <a:shade val="50000"/>
-              </a:schemeClr>
-            </a:lnRef>
-            <a:fillRef idx="1">
-              <a:schemeClr val="accent1"/>
-            </a:fillRef>
-            <a:effectRef idx="0">
-              <a:schemeClr val="accent1"/>
-            </a:effectRef>
-            <a:fontRef idx="minor">
-              <a:schemeClr val="lt1"/>
-            </a:fontRef>
-          </p:style>
-          <p:txBody>
-            <a:bodyPr rtlCol="0" anchor="ctr"/>
-            <a:lstStyle/>
-            <a:p>
-              <a:pPr algn="ctr"/>
-              <a:endParaRPr lang="ko-KR" altLang="en-US"/>
-            </a:p>
-          </p:txBody>
-        </p:sp>
-        <p:sp>
-          <p:nvSpPr>
-            <p:cNvPr id="40" name="화살표: 오른쪽 39">
-              <a:extLst>
-                <a:ext uri="{FF2B5EF4-FFF2-40B4-BE49-F238E27FC236}">
-                  <a16:creationId xmlns:a16="http://schemas.microsoft.com/office/drawing/2014/main" id="{D7BE9632-9CC2-40DD-859D-4E06BAC289A0}"/>
-                </a:ext>
-              </a:extLst>
-            </p:cNvPr>
-            <p:cNvSpPr/>
-            <p:nvPr/>
-          </p:nvSpPr>
-          <p:spPr>
-            <a:xfrm>
-              <a:off x="4236216" y="4906043"/>
-              <a:ext cx="304123" cy="322012"/>
-            </a:xfrm>
-            <a:prstGeom prst="rightArrow">
-              <a:avLst/>
-            </a:prstGeom>
-            <a:gradFill>
-              <a:gsLst>
-                <a:gs pos="0">
-                  <a:schemeClr val="accent1">
-                    <a:lumMod val="5000"/>
-                    <a:lumOff val="95000"/>
-                  </a:schemeClr>
-                </a:gs>
-                <a:gs pos="81000">
-                  <a:schemeClr val="bg1">
-                    <a:lumMod val="75000"/>
-                  </a:schemeClr>
-                </a:gs>
-              </a:gsLst>
-              <a:lin ang="0" scaled="0"/>
-            </a:gradFill>
-            <a:ln>
-              <a:noFill/>
-            </a:ln>
-          </p:spPr>
-          <p:style>
-            <a:lnRef idx="2">
-              <a:schemeClr val="accent1">
-                <a:shade val="50000"/>
-              </a:schemeClr>
-            </a:lnRef>
-            <a:fillRef idx="1">
-              <a:schemeClr val="accent1"/>
-            </a:fillRef>
-            <a:effectRef idx="0">
-              <a:schemeClr val="accent1"/>
-            </a:effectRef>
-            <a:fontRef idx="minor">
-              <a:schemeClr val="lt1"/>
-            </a:fontRef>
-          </p:style>
-          <p:txBody>
-            <a:bodyPr rtlCol="0" anchor="ctr"/>
-            <a:lstStyle/>
-            <a:p>
-              <a:pPr algn="ctr"/>
-              <a:endParaRPr lang="ko-KR" altLang="en-US"/>
-            </a:p>
-          </p:txBody>
-        </p:sp>
-        <p:sp>
-          <p:nvSpPr>
-            <p:cNvPr id="41" name="화살표: 위로 굽음 40">
-              <a:extLst>
-                <a:ext uri="{FF2B5EF4-FFF2-40B4-BE49-F238E27FC236}">
-                  <a16:creationId xmlns:a16="http://schemas.microsoft.com/office/drawing/2014/main" id="{CC226F62-384A-45C3-AD5D-7D9931EA8902}"/>
-                </a:ext>
-              </a:extLst>
-            </p:cNvPr>
-            <p:cNvSpPr/>
-            <p:nvPr/>
-          </p:nvSpPr>
-          <p:spPr>
-            <a:xfrm rot="10800000">
-              <a:off x="1464349" y="3214978"/>
-              <a:ext cx="1451506" cy="821282"/>
-            </a:xfrm>
-            <a:prstGeom prst="bentUpArrow">
-              <a:avLst/>
-            </a:prstGeom>
-            <a:solidFill>
-              <a:schemeClr val="bg1">
-                <a:lumMod val="75000"/>
-              </a:schemeClr>
-            </a:solidFill>
-            <a:ln>
-              <a:noFill/>
-            </a:ln>
-          </p:spPr>
-          <p:style>
-            <a:lnRef idx="2">
-              <a:schemeClr val="accent1">
-                <a:shade val="50000"/>
-              </a:schemeClr>
-            </a:lnRef>
-            <a:fillRef idx="1">
-              <a:schemeClr val="accent1"/>
-            </a:fillRef>
-            <a:effectRef idx="0">
-              <a:schemeClr val="accent1"/>
-            </a:effectRef>
-            <a:fontRef idx="minor">
-              <a:schemeClr val="lt1"/>
-            </a:fontRef>
-          </p:style>
-          <p:txBody>
-            <a:bodyPr rtlCol="0" anchor="ctr"/>
-            <a:lstStyle/>
-            <a:p>
-              <a:pPr algn="ctr"/>
-              <a:endParaRPr lang="ko-KR" altLang="en-US"/>
-            </a:p>
-          </p:txBody>
-        </p:sp>
-        <p:pic>
-          <p:nvPicPr>
-            <p:cNvPr id="42" name="그림 41">
-              <a:extLst>
-                <a:ext uri="{FF2B5EF4-FFF2-40B4-BE49-F238E27FC236}">
-                  <a16:creationId xmlns:a16="http://schemas.microsoft.com/office/drawing/2014/main" id="{80E5697D-0BA9-400A-818B-EE5A06B1FBDD}"/>
-                </a:ext>
-              </a:extLst>
-            </p:cNvPr>
-            <p:cNvPicPr>
-              <a:picLocks noChangeAspect="1"/>
-            </p:cNvPicPr>
-            <p:nvPr/>
-          </p:nvPicPr>
-          <p:blipFill>
-            <a:blip r:embed="rId5">
-              <a:extLst>
-                <a:ext uri="{28A0092B-C50C-407E-A947-70E740481C1C}">
-                  <a14:useLocalDpi xmlns:a14="http://schemas.microsoft.com/office/drawing/2010/main" val="0"/>
-                </a:ext>
-              </a:extLst>
-            </a:blip>
-            <a:stretch>
-              <a:fillRect/>
-            </a:stretch>
-          </p:blipFill>
-          <p:spPr>
-            <a:xfrm>
-              <a:off x="669102" y="1299277"/>
-              <a:ext cx="974027" cy="938863"/>
-            </a:xfrm>
-            <a:prstGeom prst="rect">
-              <a:avLst/>
-            </a:prstGeom>
-          </p:spPr>
-        </p:pic>
-        <p:pic>
-          <p:nvPicPr>
-            <p:cNvPr id="43" name="그림 42">
-              <a:extLst>
-                <a:ext uri="{FF2B5EF4-FFF2-40B4-BE49-F238E27FC236}">
-                  <a16:creationId xmlns:a16="http://schemas.microsoft.com/office/drawing/2014/main" id="{D8A08A8A-03A5-439F-B9D6-EB38FF34CA61}"/>
-                </a:ext>
-              </a:extLst>
-            </p:cNvPr>
-            <p:cNvPicPr>
-              <a:picLocks noChangeAspect="1"/>
-            </p:cNvPicPr>
-            <p:nvPr/>
-          </p:nvPicPr>
-          <p:blipFill>
-            <a:blip r:embed="rId6">
-              <a:extLst>
-                <a:ext uri="{28A0092B-C50C-407E-A947-70E740481C1C}">
-                  <a14:useLocalDpi xmlns:a14="http://schemas.microsoft.com/office/drawing/2010/main" val="0"/>
-                </a:ext>
-              </a:extLst>
-            </a:blip>
-            <a:stretch>
-              <a:fillRect/>
-            </a:stretch>
-          </p:blipFill>
-          <p:spPr>
-            <a:xfrm>
-              <a:off x="2194274" y="1288665"/>
-              <a:ext cx="1040058" cy="973197"/>
-            </a:xfrm>
-            <a:prstGeom prst="rect">
-              <a:avLst/>
-            </a:prstGeom>
-          </p:spPr>
-        </p:pic>
-        <p:pic>
-          <p:nvPicPr>
-            <p:cNvPr id="44" name="그림 43">
-              <a:extLst>
-                <a:ext uri="{FF2B5EF4-FFF2-40B4-BE49-F238E27FC236}">
-                  <a16:creationId xmlns:a16="http://schemas.microsoft.com/office/drawing/2014/main" id="{E222E885-5B4D-42EF-9E32-CD4591CC9EA7}"/>
-                </a:ext>
-              </a:extLst>
-            </p:cNvPr>
-            <p:cNvPicPr>
-              <a:picLocks noChangeAspect="1"/>
-            </p:cNvPicPr>
-            <p:nvPr/>
-          </p:nvPicPr>
-          <p:blipFill>
-            <a:blip r:embed="rId7">
-              <a:extLst>
-                <a:ext uri="{28A0092B-C50C-407E-A947-70E740481C1C}">
-                  <a14:useLocalDpi xmlns:a14="http://schemas.microsoft.com/office/drawing/2010/main" val="0"/>
-                </a:ext>
-              </a:extLst>
-            </a:blip>
-            <a:stretch>
-              <a:fillRect/>
-            </a:stretch>
-          </p:blipFill>
-          <p:spPr>
-            <a:xfrm>
-              <a:off x="5468245" y="1335626"/>
-              <a:ext cx="911235" cy="927152"/>
-            </a:xfrm>
-            <a:prstGeom prst="rect">
-              <a:avLst/>
-            </a:prstGeom>
-          </p:spPr>
-        </p:pic>
-        <p:pic>
-          <p:nvPicPr>
-            <p:cNvPr id="45" name="그림 44">
-              <a:extLst>
-                <a:ext uri="{FF2B5EF4-FFF2-40B4-BE49-F238E27FC236}">
-                  <a16:creationId xmlns:a16="http://schemas.microsoft.com/office/drawing/2014/main" id="{31CDC4DB-2362-430E-B159-0694BC996FB3}"/>
-                </a:ext>
-              </a:extLst>
-            </p:cNvPr>
-            <p:cNvPicPr>
-              <a:picLocks noChangeAspect="1"/>
-            </p:cNvPicPr>
-            <p:nvPr/>
-          </p:nvPicPr>
-          <p:blipFill>
-            <a:blip r:embed="rId8">
-              <a:extLst>
-                <a:ext uri="{28A0092B-C50C-407E-A947-70E740481C1C}">
-                  <a14:useLocalDpi xmlns:a14="http://schemas.microsoft.com/office/drawing/2010/main" val="0"/>
-                </a:ext>
-              </a:extLst>
-            </a:blip>
-            <a:stretch>
-              <a:fillRect/>
-            </a:stretch>
-          </p:blipFill>
-          <p:spPr>
-            <a:xfrm>
-              <a:off x="3745506" y="1428679"/>
-              <a:ext cx="1115034" cy="752312"/>
-            </a:xfrm>
-            <a:prstGeom prst="rect">
-              <a:avLst/>
-            </a:prstGeom>
-          </p:spPr>
-        </p:pic>
-        <p:cxnSp>
-          <p:nvCxnSpPr>
-            <p:cNvPr id="46" name="직선 화살표 연결선 45">
-              <a:extLst>
-                <a:ext uri="{FF2B5EF4-FFF2-40B4-BE49-F238E27FC236}">
-                  <a16:creationId xmlns:a16="http://schemas.microsoft.com/office/drawing/2014/main" id="{5EE74325-0FF9-4B9A-B9ED-3D5D50C6C9B3}"/>
-                </a:ext>
-              </a:extLst>
-            </p:cNvPr>
-            <p:cNvCxnSpPr>
-              <a:cxnSpLocks/>
-            </p:cNvCxnSpPr>
-            <p:nvPr/>
-          </p:nvCxnSpPr>
-          <p:spPr>
-            <a:xfrm>
-              <a:off x="4068663" y="3055284"/>
-              <a:ext cx="2999794" cy="0"/>
-            </a:xfrm>
-            <a:prstGeom prst="straightConnector1">
-              <a:avLst/>
-            </a:prstGeom>
-            <a:ln w="12700">
-              <a:solidFill>
-                <a:srgbClr val="FF0000"/>
-              </a:solidFill>
-              <a:prstDash val="dash"/>
-              <a:tailEnd type="triangle"/>
-            </a:ln>
-          </p:spPr>
-          <p:style>
-            <a:lnRef idx="1">
-              <a:schemeClr val="accent1"/>
-            </a:lnRef>
-            <a:fillRef idx="0">
-              <a:schemeClr val="accent1"/>
-            </a:fillRef>
-            <a:effectRef idx="0">
-              <a:schemeClr val="accent1"/>
-            </a:effectRef>
-            <a:fontRef idx="minor">
-              <a:schemeClr val="tx1"/>
-            </a:fontRef>
-          </p:style>
-        </p:cxnSp>
-        <p:sp>
-          <p:nvSpPr>
-            <p:cNvPr id="47" name="타원 46">
-              <a:extLst>
-                <a:ext uri="{FF2B5EF4-FFF2-40B4-BE49-F238E27FC236}">
-                  <a16:creationId xmlns:a16="http://schemas.microsoft.com/office/drawing/2014/main" id="{FB385533-40BB-41F2-9E4C-173A27B8EDC8}"/>
-                </a:ext>
-              </a:extLst>
-            </p:cNvPr>
-            <p:cNvSpPr/>
-            <p:nvPr/>
-          </p:nvSpPr>
-          <p:spPr>
-            <a:xfrm>
-              <a:off x="2772256" y="2654078"/>
-              <a:ext cx="1361980" cy="1361980"/>
-            </a:xfrm>
-            <a:prstGeom prst="ellipse">
-              <a:avLst/>
-            </a:prstGeom>
-            <a:noFill/>
-            <a:ln>
-              <a:solidFill>
-                <a:srgbClr val="FF0000"/>
-              </a:solidFill>
-              <a:prstDash val="dash"/>
-            </a:ln>
-          </p:spPr>
-          <p:style>
-            <a:lnRef idx="2">
-              <a:schemeClr val="accent1">
-                <a:shade val="50000"/>
-              </a:schemeClr>
-            </a:lnRef>
-            <a:fillRef idx="1">
-              <a:schemeClr val="accent1"/>
-            </a:fillRef>
-            <a:effectRef idx="0">
-              <a:schemeClr val="accent1"/>
-            </a:effectRef>
-            <a:fontRef idx="minor">
-              <a:schemeClr val="lt1"/>
-            </a:fontRef>
-          </p:style>
-          <p:txBody>
-            <a:bodyPr rtlCol="0" anchor="ctr"/>
-            <a:lstStyle/>
-            <a:p>
-              <a:pPr algn="ctr"/>
-              <a:endParaRPr lang="ko-KR" altLang="en-US"/>
-            </a:p>
-          </p:txBody>
-        </p:sp>
-        <p:pic>
-          <p:nvPicPr>
-            <p:cNvPr id="48" name="그림 47">
-              <a:extLst>
-                <a:ext uri="{FF2B5EF4-FFF2-40B4-BE49-F238E27FC236}">
-                  <a16:creationId xmlns:a16="http://schemas.microsoft.com/office/drawing/2014/main" id="{A48644E4-E69F-44B1-AE86-6BB294EAF9F4}"/>
-                </a:ext>
-              </a:extLst>
-            </p:cNvPr>
-            <p:cNvPicPr>
-              <a:picLocks noChangeAspect="1"/>
-            </p:cNvPicPr>
-            <p:nvPr/>
-          </p:nvPicPr>
-          <p:blipFill>
-            <a:blip r:embed="rId9">
-              <a:extLst>
-                <a:ext uri="{28A0092B-C50C-407E-A947-70E740481C1C}">
-                  <a14:useLocalDpi xmlns:a14="http://schemas.microsoft.com/office/drawing/2010/main" val="0"/>
-                </a:ext>
-              </a:extLst>
-            </a:blip>
-            <a:stretch>
-              <a:fillRect/>
-            </a:stretch>
-          </p:blipFill>
-          <p:spPr>
-            <a:xfrm>
-              <a:off x="4693166" y="4606439"/>
-              <a:ext cx="1010467" cy="961451"/>
-            </a:xfrm>
-            <a:prstGeom prst="rect">
-              <a:avLst/>
-            </a:prstGeom>
-          </p:spPr>
-        </p:pic>
-      </p:grpSp>
+            <a:prstDash val="dash"/>
+          </a:ln>
+        </p:spPr>
+        <p:style>
+          <a:lnRef idx="2">
+            <a:schemeClr val="accent1">
+              <a:shade val="50000"/>
+            </a:schemeClr>
+          </a:lnRef>
+          <a:fillRef idx="1">
+            <a:schemeClr val="accent1"/>
+          </a:fillRef>
+          <a:effectRef idx="0">
+            <a:schemeClr val="accent1"/>
+          </a:effectRef>
+          <a:fontRef idx="minor">
+            <a:schemeClr val="lt1"/>
+          </a:fontRef>
+        </p:style>
+        <p:txBody>
+          <a:bodyPr rtlCol="0" anchor="ctr"/>
+          <a:lstStyle/>
+          <a:p>
+            <a:pPr algn="ctr"/>
+            <a:endParaRPr lang="ko-KR" altLang="en-US"/>
+          </a:p>
+        </p:txBody>
+      </p:sp>
+      <p:pic>
+        <p:nvPicPr>
+          <p:cNvPr id="48" name="그림 47">
+            <a:extLst>
+              <a:ext uri="{FF2B5EF4-FFF2-40B4-BE49-F238E27FC236}">
+                <a16:creationId xmlns:a16="http://schemas.microsoft.com/office/drawing/2014/main" id="{A48644E4-E69F-44B1-AE86-6BB294EAF9F4}"/>
+              </a:ext>
+            </a:extLst>
+          </p:cNvPr>
+          <p:cNvPicPr>
+            <a:picLocks noChangeAspect="1"/>
+          </p:cNvPicPr>
+          <p:nvPr/>
+        </p:nvPicPr>
+        <p:blipFill>
+          <a:blip r:embed="rId9">
+            <a:extLst>
+              <a:ext uri="{28A0092B-C50C-407E-A947-70E740481C1C}">
+                <a14:useLocalDpi xmlns:a14="http://schemas.microsoft.com/office/drawing/2010/main" val="0"/>
+              </a:ext>
+            </a:extLst>
+          </a:blip>
+          <a:stretch>
+            <a:fillRect/>
+          </a:stretch>
+        </p:blipFill>
+        <p:spPr>
+          <a:xfrm>
+            <a:off x="4640811" y="5140950"/>
+            <a:ext cx="938823" cy="868000"/>
+          </a:xfrm>
+          <a:prstGeom prst="rect">
+            <a:avLst/>
+          </a:prstGeom>
+        </p:spPr>
+      </p:pic>
     </p:spTree>
   </p:cSld>
   <p:clrMapOvr>
@@ -2703,7 +2682,7 @@
     <mc:Choice Requires="p14">
       <p:transition/>
     </mc:Choice>
-    <mc:Fallback xmlns="" xmlns:c="http://schemas.openxmlformats.org/drawingml/2006/chart" xmlns:dgm="http://schemas.openxmlformats.org/drawingml/2006/diagram" xmlns:dsp="http://schemas.microsoft.com/office/drawing/2008/diagram">
+    <mc:Fallback xmlns:dsp="http://schemas.microsoft.com/office/drawing/2008/diagram" xmlns:dgm="http://schemas.openxmlformats.org/drawingml/2006/diagram" xmlns:c="http://schemas.openxmlformats.org/drawingml/2006/chart" xmlns="">
       <p:transition/>
     </mc:Fallback>
   </mc:AlternateContent>
@@ -2729,6 +2708,114 @@
       </p:grpSpPr>
       <p:sp>
         <p:nvSpPr>
+          <p:cNvPr id="46" name="사각형: 둥근 모서리 45">
+            <a:extLst>
+              <a:ext uri="{FF2B5EF4-FFF2-40B4-BE49-F238E27FC236}">
+                <a16:creationId xmlns:a16="http://schemas.microsoft.com/office/drawing/2014/main" id="{49ABBF1A-EFBC-4690-AEAB-EA6EEAAFB793}"/>
+              </a:ext>
+            </a:extLst>
+          </p:cNvPr>
+          <p:cNvSpPr/>
+          <p:nvPr/>
+        </p:nvSpPr>
+        <p:spPr>
+          <a:xfrm>
+            <a:off x="7393492" y="2796061"/>
+            <a:ext cx="4261400" cy="2750777"/>
+          </a:xfrm>
+          <a:prstGeom prst="roundRect">
+            <a:avLst/>
+          </a:prstGeom>
+          <a:noFill/>
+          <a:ln>
+            <a:solidFill>
+              <a:schemeClr val="bg1">
+                <a:lumMod val="75000"/>
+              </a:schemeClr>
+            </a:solidFill>
+          </a:ln>
+        </p:spPr>
+        <p:style>
+          <a:lnRef idx="2">
+            <a:schemeClr val="accent1">
+              <a:shade val="50000"/>
+            </a:schemeClr>
+          </a:lnRef>
+          <a:fillRef idx="1">
+            <a:schemeClr val="accent1"/>
+          </a:fillRef>
+          <a:effectRef idx="0">
+            <a:schemeClr val="accent1"/>
+          </a:effectRef>
+          <a:fontRef idx="minor">
+            <a:schemeClr val="lt1"/>
+          </a:fontRef>
+        </p:style>
+        <p:txBody>
+          <a:bodyPr rtlCol="0" anchor="ctr"/>
+          <a:lstStyle/>
+          <a:p>
+            <a:pPr algn="ctr"/>
+            <a:endParaRPr lang="ko-KR" altLang="en-US"/>
+          </a:p>
+        </p:txBody>
+      </p:sp>
+      <p:sp>
+        <p:nvSpPr>
+          <p:cNvPr id="2" name="사각형: 둥근 모서리 1">
+            <a:extLst>
+              <a:ext uri="{FF2B5EF4-FFF2-40B4-BE49-F238E27FC236}">
+                <a16:creationId xmlns:a16="http://schemas.microsoft.com/office/drawing/2014/main" id="{72FB404F-5BB0-4C5B-BB8B-DB15320D8E53}"/>
+              </a:ext>
+            </a:extLst>
+          </p:cNvPr>
+          <p:cNvSpPr/>
+          <p:nvPr/>
+        </p:nvSpPr>
+        <p:spPr>
+          <a:xfrm>
+            <a:off x="889001" y="2162839"/>
+            <a:ext cx="6028956" cy="1463428"/>
+          </a:xfrm>
+          <a:prstGeom prst="roundRect">
+            <a:avLst/>
+          </a:prstGeom>
+          <a:noFill/>
+          <a:ln>
+            <a:solidFill>
+              <a:schemeClr val="bg1">
+                <a:lumMod val="75000"/>
+              </a:schemeClr>
+            </a:solidFill>
+          </a:ln>
+        </p:spPr>
+        <p:style>
+          <a:lnRef idx="2">
+            <a:schemeClr val="accent1">
+              <a:shade val="50000"/>
+            </a:schemeClr>
+          </a:lnRef>
+          <a:fillRef idx="1">
+            <a:schemeClr val="accent1"/>
+          </a:fillRef>
+          <a:effectRef idx="0">
+            <a:schemeClr val="accent1"/>
+          </a:effectRef>
+          <a:fontRef idx="minor">
+            <a:schemeClr val="lt1"/>
+          </a:fontRef>
+        </p:style>
+        <p:txBody>
+          <a:bodyPr rtlCol="0" anchor="ctr"/>
+          <a:lstStyle/>
+          <a:p>
+            <a:pPr algn="ctr"/>
+            <a:endParaRPr lang="ko-KR" altLang="en-US"/>
+          </a:p>
+        </p:txBody>
+      </p:sp>
+      <p:sp>
+        <p:nvSpPr>
           <p:cNvPr id="51" name="타원 50">
             <a:extLst>
               <a:ext uri="{FF2B5EF4-FFF2-40B4-BE49-F238E27FC236}">
@@ -2741,7 +2828,7 @@
         </p:nvSpPr>
         <p:spPr>
           <a:xfrm>
-            <a:off x="1209520" y="1855872"/>
+            <a:off x="1120620" y="2274972"/>
             <a:ext cx="1042142" cy="1042142"/>
           </a:xfrm>
           <a:prstGeom prst="ellipse">
@@ -2796,7 +2883,7 @@
         </p:nvSpPr>
         <p:spPr>
           <a:xfrm>
-            <a:off x="5741407" y="1855872"/>
+            <a:off x="5652507" y="2274972"/>
             <a:ext cx="1042142" cy="1042142"/>
           </a:xfrm>
           <a:prstGeom prst="ellipse">
@@ -3304,13 +3391,15 @@
         </p:nvSpPr>
         <p:spPr>
           <a:xfrm>
-            <a:off x="7365385" y="2144138"/>
-            <a:ext cx="4159645" cy="830997"/>
+            <a:off x="7951382" y="2442239"/>
+            <a:ext cx="3151667" cy="830997"/>
           </a:xfrm>
           <a:prstGeom prst="rect">
             <a:avLst/>
           </a:prstGeom>
-          <a:noFill/>
+          <a:solidFill>
+            <a:schemeClr val="bg1"/>
+          </a:solidFill>
         </p:spPr>
         <p:txBody>
           <a:bodyPr wrap="square">
@@ -3336,7 +3425,7 @@
               <a:defRPr/>
             </a:pPr>
             <a:r>
-              <a:rPr kumimoji="0" lang="ko-KR" altLang="en-US" sz="2400" b="0" i="0" u="none" strike="noStrike" kern="1200" cap="none" spc="-150" normalizeH="0" baseline="0" noProof="0" dirty="0">
+              <a:rPr kumimoji="0" lang="ko-KR" altLang="en-US" sz="2400" b="0" i="0" u="none" strike="noStrike" kern="1200" cap="none" spc="-300" normalizeH="0" baseline="0" noProof="0" dirty="0">
                 <a:ln>
                   <a:noFill/>
                 </a:ln>
@@ -3346,13 +3435,12 @@
                 <a:effectLst/>
                 <a:uLnTx/>
                 <a:uFillTx/>
-                <a:latin typeface="나눔스퀘어 Bold"/>
-                <a:ea typeface="나눔스퀘어 Bold"/>
-                <a:cs typeface="+mn-cs"/>
-              </a:rPr>
-              <a:t>상기 제안 실현을 위한</a:t>
-            </a:r>
-            <a:endParaRPr kumimoji="0" lang="en-US" altLang="ko-KR" sz="2400" b="0" i="0" u="none" strike="noStrike" kern="1200" cap="none" spc="-150" normalizeH="0" baseline="0" noProof="0" dirty="0">
+                <a:latin typeface="맑은 고딕" panose="020B0503020000020004" pitchFamily="50" charset="-127"/>
+                <a:ea typeface="맑은 고딕" panose="020B0503020000020004" pitchFamily="50" charset="-127"/>
+              </a:rPr>
+              <a:t>제안 실현을 위한</a:t>
+            </a:r>
+            <a:endParaRPr kumimoji="0" lang="en-US" altLang="ko-KR" sz="2400" b="0" i="0" u="none" strike="noStrike" kern="1200" cap="none" spc="-300" normalizeH="0" baseline="0" noProof="0" dirty="0">
               <a:ln>
                 <a:noFill/>
               </a:ln>
@@ -3362,9 +3450,8 @@
               <a:effectLst/>
               <a:uLnTx/>
               <a:uFillTx/>
-              <a:latin typeface="나눔스퀘어 Bold"/>
-              <a:ea typeface="나눔스퀘어 Bold"/>
-              <a:cs typeface="+mn-cs"/>
+              <a:latin typeface="맑은 고딕" panose="020B0503020000020004" pitchFamily="50" charset="-127"/>
+              <a:ea typeface="맑은 고딕" panose="020B0503020000020004" pitchFamily="50" charset="-127"/>
             </a:endParaRPr>
           </a:p>
           <a:p>
@@ -3386,41 +3473,41 @@
               <a:defRPr/>
             </a:pPr>
             <a:r>
-              <a:rPr lang="ko-KR" altLang="en-US" sz="2400" spc="-150" dirty="0">
+              <a:rPr lang="ko-KR" altLang="en-US" sz="2400" b="1" spc="-300" dirty="0">
                 <a:solidFill>
                   <a:prstClr val="black"/>
                 </a:solidFill>
-                <a:latin typeface="나눔스퀘어 Bold"/>
-                <a:ea typeface="나눔스퀘어 Bold"/>
+                <a:latin typeface="맑은 고딕" panose="020B0503020000020004" pitchFamily="50" charset="-127"/>
+                <a:ea typeface="맑은 고딕" panose="020B0503020000020004" pitchFamily="50" charset="-127"/>
               </a:rPr>
               <a:t>민관 협력 거버넌스</a:t>
             </a:r>
             <a:r>
-              <a:rPr lang="en-US" altLang="ko-KR" sz="2400" spc="-150" baseline="30000" dirty="0">
+              <a:rPr lang="en-US" altLang="ko-KR" sz="2400" b="1" spc="-300" baseline="30000" dirty="0">
                 <a:solidFill>
                   <a:prstClr val="black"/>
                 </a:solidFill>
-                <a:latin typeface="나눔스퀘어 Bold"/>
-                <a:ea typeface="나눔스퀘어 Bold"/>
+                <a:latin typeface="맑은 고딕" panose="020B0503020000020004" pitchFamily="50" charset="-127"/>
+                <a:ea typeface="맑은 고딕" panose="020B0503020000020004" pitchFamily="50" charset="-127"/>
               </a:rPr>
               <a:t>*</a:t>
             </a:r>
             <a:r>
-              <a:rPr lang="ko-KR" altLang="en-US" sz="2400" spc="-150" dirty="0">
+              <a:rPr lang="ko-KR" altLang="en-US" sz="2400" spc="-300" dirty="0">
                 <a:solidFill>
                   <a:prstClr val="black"/>
                 </a:solidFill>
-                <a:latin typeface="나눔스퀘어 Bold"/>
-                <a:ea typeface="나눔스퀘어 Bold"/>
+                <a:latin typeface="맑은 고딕" panose="020B0503020000020004" pitchFamily="50" charset="-127"/>
+                <a:ea typeface="맑은 고딕" panose="020B0503020000020004" pitchFamily="50" charset="-127"/>
               </a:rPr>
               <a:t> 구축</a:t>
             </a:r>
-            <a:endParaRPr lang="en-US" altLang="ko-KR" sz="2400" spc="-150" dirty="0">
+            <a:endParaRPr lang="en-US" altLang="ko-KR" sz="2400" spc="-300" dirty="0">
               <a:solidFill>
                 <a:prstClr val="black"/>
               </a:solidFill>
-              <a:latin typeface="나눔스퀘어 Bold"/>
-              <a:ea typeface="나눔스퀘어 Bold"/>
+              <a:latin typeface="맑은 고딕" panose="020B0503020000020004" pitchFamily="50" charset="-127"/>
+              <a:ea typeface="맑은 고딕" panose="020B0503020000020004" pitchFamily="50" charset="-127"/>
             </a:endParaRPr>
           </a:p>
         </p:txBody>
@@ -3439,7 +3526,7 @@
         </p:nvSpPr>
         <p:spPr>
           <a:xfrm>
-            <a:off x="5944789" y="2868967"/>
+            <a:off x="5855889" y="3288067"/>
             <a:ext cx="646331" cy="369332"/>
           </a:xfrm>
           <a:prstGeom prst="rect">
@@ -3454,7 +3541,7 @@
           <a:lstStyle/>
           <a:p>
             <a:r>
-              <a:rPr lang="ko-KR" altLang="en-US" dirty="0"/>
+              <a:rPr lang="ko-KR" altLang="en-US" b="1" dirty="0"/>
               <a:t>기업</a:t>
             </a:r>
           </a:p>
@@ -3474,7 +3561,7 @@
         </p:nvSpPr>
         <p:spPr>
           <a:xfrm>
-            <a:off x="1293888" y="2868967"/>
+            <a:off x="1204988" y="3288067"/>
             <a:ext cx="877163" cy="369332"/>
           </a:xfrm>
           <a:prstGeom prst="rect">
@@ -3489,10 +3576,10 @@
           <a:lstStyle/>
           <a:p>
             <a:r>
-              <a:rPr lang="ko-KR" altLang="en-US" dirty="0"/>
+              <a:rPr lang="ko-KR" altLang="en-US" b="1" dirty="0"/>
               <a:t>지자체</a:t>
             </a:r>
-            <a:endParaRPr lang="en-US" altLang="ko-KR" dirty="0"/>
+            <a:endParaRPr lang="en-US" altLang="ko-KR" b="1" dirty="0"/>
           </a:p>
         </p:txBody>
       </p:sp>
@@ -3510,8 +3597,8 @@
         </p:nvSpPr>
         <p:spPr>
           <a:xfrm>
-            <a:off x="3423476" y="1959472"/>
-            <a:ext cx="1189749" cy="369332"/>
+            <a:off x="3440906" y="2327772"/>
+            <a:ext cx="997389" cy="369332"/>
           </a:xfrm>
           <a:prstGeom prst="rect">
             <a:avLst/>
@@ -3525,7 +3612,14 @@
           <a:lstStyle/>
           <a:p>
             <a:r>
-              <a:rPr lang="ko-KR" altLang="en-US" dirty="0"/>
+              <a:rPr lang="ko-KR" altLang="en-US" b="1" spc="-300" dirty="0">
+                <a:solidFill>
+                  <a:schemeClr val="tx1">
+                    <a:lumMod val="75000"/>
+                    <a:lumOff val="25000"/>
+                  </a:schemeClr>
+                </a:solidFill>
+              </a:rPr>
               <a:t>원가 공개</a:t>
             </a:r>
           </a:p>
@@ -3545,8 +3639,8 @@
         </p:nvSpPr>
         <p:spPr>
           <a:xfrm>
-            <a:off x="2988170" y="2457701"/>
-            <a:ext cx="1963999" cy="369332"/>
+            <a:off x="2926620" y="2876801"/>
+            <a:ext cx="2045753" cy="369332"/>
           </a:xfrm>
           <a:prstGeom prst="rect">
             <a:avLst/>
@@ -3560,9 +3654,35 @@
           <a:lstStyle/>
           <a:p>
             <a:r>
-              <a:rPr lang="ko-KR" altLang="en-US" dirty="0"/>
-              <a:t>해상 운송료 지원</a:t>
-            </a:r>
+              <a:rPr lang="ko-KR" altLang="en-US" b="1" spc="-300" dirty="0">
+                <a:solidFill>
+                  <a:schemeClr val="tx1">
+                    <a:lumMod val="75000"/>
+                    <a:lumOff val="25000"/>
+                  </a:schemeClr>
+                </a:solidFill>
+              </a:rPr>
+              <a:t>해상 </a:t>
+            </a:r>
+            <a:r>
+              <a:rPr lang="ko-KR" altLang="en-US" b="1" spc="-300">
+                <a:solidFill>
+                  <a:schemeClr val="tx1">
+                    <a:lumMod val="75000"/>
+                    <a:lumOff val="25000"/>
+                  </a:schemeClr>
+                </a:solidFill>
+              </a:rPr>
+              <a:t>운송료 지원 혜택</a:t>
+            </a:r>
+            <a:endParaRPr lang="ko-KR" altLang="en-US" b="1" spc="-300" dirty="0">
+              <a:solidFill>
+                <a:schemeClr val="tx1">
+                  <a:lumMod val="75000"/>
+                  <a:lumOff val="25000"/>
+                </a:schemeClr>
+              </a:solidFill>
+            </a:endParaRPr>
           </a:p>
         </p:txBody>
       </p:sp>
@@ -3579,9 +3699,9 @@
           <p:nvPr/>
         </p:nvSpPr>
         <p:spPr>
-          <a:xfrm rot="-1800000">
-            <a:off x="4351678" y="3500170"/>
-            <a:ext cx="1420582" cy="369332"/>
+          <a:xfrm>
+            <a:off x="4769908" y="4989380"/>
+            <a:ext cx="1574470" cy="646331"/>
           </a:xfrm>
           <a:prstGeom prst="rect">
             <a:avLst/>
@@ -3594,9 +3714,39 @@
           </a:bodyPr>
           <a:lstStyle/>
           <a:p>
-            <a:r>
-              <a:rPr lang="ko-KR" altLang="en-US" dirty="0"/>
-              <a:t>저물가 제공</a:t>
+            <a:pPr algn="ctr"/>
+            <a:r>
+              <a:rPr lang="ko-KR" altLang="en-US" b="1" spc="-300" dirty="0">
+                <a:solidFill>
+                  <a:schemeClr val="tx1">
+                    <a:lumMod val="75000"/>
+                    <a:lumOff val="25000"/>
+                  </a:schemeClr>
+                </a:solidFill>
+              </a:rPr>
+              <a:t>저물가 제공으로</a:t>
+            </a:r>
+            <a:endParaRPr lang="en-US" altLang="ko-KR" b="1" spc="-300" dirty="0">
+              <a:solidFill>
+                <a:schemeClr val="tx1">
+                  <a:lumMod val="75000"/>
+                  <a:lumOff val="25000"/>
+                </a:schemeClr>
+              </a:solidFill>
+            </a:endParaRPr>
+          </a:p>
+          <a:p>
+            <a:pPr algn="ctr"/>
+            <a:r>
+              <a:rPr lang="ko-KR" altLang="en-US" b="1" spc="-300" dirty="0">
+                <a:solidFill>
+                  <a:schemeClr val="tx1">
+                    <a:lumMod val="75000"/>
+                    <a:lumOff val="25000"/>
+                  </a:schemeClr>
+                </a:solidFill>
+              </a:rPr>
+              <a:t>소비 촉진</a:t>
             </a:r>
           </a:p>
         </p:txBody>
@@ -3615,7 +3765,7 @@
         </p:nvSpPr>
         <p:spPr>
           <a:xfrm>
-            <a:off x="3577441" y="5546597"/>
+            <a:off x="3513941" y="6041897"/>
             <a:ext cx="877163" cy="369332"/>
           </a:xfrm>
           <a:prstGeom prst="rect">
@@ -3630,7 +3780,7 @@
           <a:lstStyle/>
           <a:p>
             <a:r>
-              <a:rPr lang="ko-KR" altLang="en-US" dirty="0"/>
+              <a:rPr lang="ko-KR" altLang="en-US" b="1" dirty="0"/>
               <a:t>관광객</a:t>
             </a:r>
           </a:p>
@@ -3650,7 +3800,7 @@
         </p:nvCxnSpPr>
         <p:spPr>
           <a:xfrm>
-            <a:off x="2452758" y="2440222"/>
+            <a:off x="2363858" y="2859322"/>
             <a:ext cx="3131185" cy="0"/>
           </a:xfrm>
           <a:prstGeom prst="straightConnector1">
@@ -3691,7 +3841,7 @@
         </p:nvCxnSpPr>
         <p:spPr>
           <a:xfrm flipH="1">
-            <a:off x="2404490" y="2272344"/>
+            <a:off x="2315590" y="2691444"/>
             <a:ext cx="3131185" cy="0"/>
           </a:xfrm>
           <a:prstGeom prst="straightConnector1">
@@ -3730,8 +3880,8 @@
         </p:nvSpPr>
         <p:spPr>
           <a:xfrm>
-            <a:off x="4778605" y="6074103"/>
-            <a:ext cx="7293218" cy="338554"/>
+            <a:off x="4387377" y="1047271"/>
+            <a:ext cx="7804623" cy="338554"/>
           </a:xfrm>
           <a:prstGeom prst="rect">
             <a:avLst/>
@@ -3767,7 +3917,10 @@
                   <a:noFill/>
                 </a:ln>
                 <a:solidFill>
-                  <a:prstClr val="black"/>
+                  <a:schemeClr val="tx1">
+                    <a:lumMod val="50000"/>
+                    <a:lumOff val="50000"/>
+                  </a:schemeClr>
                 </a:solidFill>
                 <a:effectLst/>
                 <a:uLnTx/>
@@ -3784,7 +3937,10 @@
                   <a:noFill/>
                 </a:ln>
                 <a:solidFill>
-                  <a:prstClr val="black"/>
+                  <a:schemeClr val="tx1">
+                    <a:lumMod val="50000"/>
+                    <a:lumOff val="50000"/>
+                  </a:schemeClr>
                 </a:solidFill>
                 <a:effectLst/>
                 <a:uLnTx/>
@@ -3801,7 +3957,10 @@
                   <a:noFill/>
                 </a:ln>
                 <a:solidFill>
-                  <a:prstClr val="black"/>
+                  <a:schemeClr val="tx1">
+                    <a:lumMod val="50000"/>
+                    <a:lumOff val="50000"/>
+                  </a:schemeClr>
                 </a:solidFill>
                 <a:effectLst/>
                 <a:uLnTx/>
@@ -3818,7 +3977,10 @@
                   <a:noFill/>
                 </a:ln>
                 <a:solidFill>
-                  <a:prstClr val="black"/>
+                  <a:schemeClr val="tx1">
+                    <a:lumMod val="50000"/>
+                    <a:lumOff val="50000"/>
+                  </a:schemeClr>
                 </a:solidFill>
                 <a:effectLst/>
                 <a:uLnTx/>
@@ -3835,7 +3997,10 @@
                   <a:noFill/>
                 </a:ln>
                 <a:solidFill>
-                  <a:prstClr val="black"/>
+                  <a:schemeClr val="tx1">
+                    <a:lumMod val="50000"/>
+                    <a:lumOff val="50000"/>
+                  </a:schemeClr>
                 </a:solidFill>
                 <a:effectLst/>
                 <a:uLnTx/>
@@ -3852,7 +4017,10 @@
                   <a:noFill/>
                 </a:ln>
                 <a:solidFill>
-                  <a:prstClr val="black"/>
+                  <a:schemeClr val="tx1">
+                    <a:lumMod val="50000"/>
+                    <a:lumOff val="50000"/>
+                  </a:schemeClr>
                 </a:solidFill>
                 <a:effectLst/>
                 <a:uLnTx/>
@@ -3861,7 +4029,7 @@
                 <a:ea typeface="나눔스퀘어 Bold"/>
                 <a:cs typeface="+mn-cs"/>
               </a:rPr>
-              <a:t>기업 또는 시민사회가 함께 네트워크를 구성하여 사회문제를 해결하는 기제</a:t>
+              <a:t>기업 또는 시민사회가 함께 네트워크를 구성하여 사회문제를 해결하는 기제 </a:t>
             </a:r>
             <a:r>
               <a:rPr kumimoji="0" lang="en-US" altLang="ko-KR" sz="1600" b="0" i="0" u="none" strike="noStrike" kern="1200" cap="none" spc="-150" normalizeH="0" baseline="0" noProof="0" dirty="0">
@@ -3869,7 +4037,10 @@
                   <a:noFill/>
                 </a:ln>
                 <a:solidFill>
-                  <a:prstClr val="black"/>
+                  <a:schemeClr val="tx1">
+                    <a:lumMod val="50000"/>
+                    <a:lumOff val="50000"/>
+                  </a:schemeClr>
                 </a:solidFill>
                 <a:effectLst/>
                 <a:uLnTx/>
@@ -3878,7 +4049,7 @@
                 <a:ea typeface="나눔스퀘어 Bold"/>
                 <a:cs typeface="+mn-cs"/>
               </a:rPr>
-              <a:t>, </a:t>
+              <a:t>[</a:t>
             </a:r>
             <a:r>
               <a:rPr kumimoji="0" lang="ko-KR" altLang="en-US" sz="1600" b="0" i="0" u="none" strike="noStrike" kern="1200" cap="none" spc="-150" normalizeH="0" baseline="0" noProof="0" dirty="0">
@@ -3886,7 +4057,10 @@
                   <a:noFill/>
                 </a:ln>
                 <a:solidFill>
-                  <a:prstClr val="black"/>
+                  <a:schemeClr val="tx1">
+                    <a:lumMod val="50000"/>
+                    <a:lumOff val="50000"/>
+                  </a:schemeClr>
                 </a:solidFill>
                 <a:effectLst/>
                 <a:uLnTx/>
@@ -3895,8 +4069,85 @@
                 <a:ea typeface="나눔스퀘어 Bold"/>
                 <a:cs typeface="+mn-cs"/>
               </a:rPr>
+              <a:t>체계</a:t>
+            </a:r>
+            <a:r>
+              <a:rPr kumimoji="0" lang="en-US" altLang="ko-KR" sz="1600" b="0" i="0" u="none" strike="noStrike" kern="1200" cap="none" spc="-150" normalizeH="0" baseline="0" noProof="0" dirty="0">
+                <a:ln>
+                  <a:noFill/>
+                </a:ln>
+                <a:solidFill>
+                  <a:schemeClr val="tx1">
+                    <a:lumMod val="50000"/>
+                    <a:lumOff val="50000"/>
+                  </a:schemeClr>
+                </a:solidFill>
+                <a:effectLst/>
+                <a:uLnTx/>
+                <a:uFillTx/>
+                <a:latin typeface="나눔스퀘어 Bold"/>
+                <a:ea typeface="나눔스퀘어 Bold"/>
+                <a:cs typeface="+mn-cs"/>
+              </a:rPr>
+              <a:t>; </a:t>
+            </a:r>
+            <a:r>
+              <a:rPr kumimoji="0" lang="ko-KR" altLang="en-US" sz="1600" b="0" i="0" u="none" strike="noStrike" kern="1200" cap="none" spc="-150" normalizeH="0" baseline="0" noProof="0" dirty="0">
+                <a:ln>
+                  <a:noFill/>
+                </a:ln>
+                <a:solidFill>
+                  <a:schemeClr val="tx1">
+                    <a:lumMod val="50000"/>
+                    <a:lumOff val="50000"/>
+                  </a:schemeClr>
+                </a:solidFill>
+                <a:effectLst/>
+                <a:uLnTx/>
+                <a:uFillTx/>
+                <a:latin typeface="나눔스퀘어 Bold"/>
+                <a:ea typeface="나눔스퀘어 Bold"/>
+                <a:cs typeface="+mn-cs"/>
+              </a:rPr>
               <a:t>조직</a:t>
             </a:r>
+            <a:r>
+              <a:rPr kumimoji="0" lang="en-US" altLang="ko-KR" sz="1600" b="0" i="0" u="none" strike="noStrike" kern="1200" cap="none" spc="-150" normalizeH="0" baseline="0" noProof="0" dirty="0">
+                <a:ln>
+                  <a:noFill/>
+                </a:ln>
+                <a:solidFill>
+                  <a:schemeClr val="tx1">
+                    <a:lumMod val="50000"/>
+                    <a:lumOff val="50000"/>
+                  </a:schemeClr>
+                </a:solidFill>
+                <a:effectLst/>
+                <a:uLnTx/>
+                <a:uFillTx/>
+                <a:latin typeface="나눔스퀘어 Bold"/>
+                <a:ea typeface="나눔스퀘어 Bold"/>
+                <a:cs typeface="+mn-cs"/>
+              </a:rPr>
+              <a:t>]</a:t>
+            </a:r>
+            <a:endParaRPr kumimoji="0" lang="ko-KR" altLang="en-US" sz="1600" b="0" i="0" u="none" strike="noStrike" kern="1200" cap="none" spc="-150" normalizeH="0" baseline="0" noProof="0" dirty="0">
+              <a:ln>
+                <a:noFill/>
+              </a:ln>
+              <a:solidFill>
+                <a:schemeClr val="tx1">
+                  <a:lumMod val="50000"/>
+                  <a:lumOff val="50000"/>
+                </a:schemeClr>
+              </a:solidFill>
+              <a:effectLst/>
+              <a:uLnTx/>
+              <a:uFillTx/>
+              <a:latin typeface="나눔스퀘어 Bold"/>
+              <a:ea typeface="나눔스퀘어 Bold"/>
+              <a:cs typeface="+mn-cs"/>
+            </a:endParaRPr>
           </a:p>
         </p:txBody>
       </p:sp>
@@ -3913,9 +4164,9 @@
           <p:nvPr/>
         </p:nvSpPr>
         <p:spPr>
-          <a:xfrm rot="-1800000">
-            <a:off x="4890213" y="3819656"/>
-            <a:ext cx="1189749" cy="369332"/>
+          <a:xfrm>
+            <a:off x="5052418" y="5820130"/>
+            <a:ext cx="997389" cy="369332"/>
           </a:xfrm>
           <a:prstGeom prst="rect">
             <a:avLst/>
@@ -3929,7 +4180,14 @@
           <a:lstStyle/>
           <a:p>
             <a:r>
-              <a:rPr lang="ko-KR" altLang="en-US" dirty="0"/>
+              <a:rPr lang="ko-KR" altLang="en-US" b="1" spc="-300" dirty="0">
+                <a:solidFill>
+                  <a:schemeClr val="tx1">
+                    <a:lumMod val="75000"/>
+                    <a:lumOff val="25000"/>
+                  </a:schemeClr>
+                </a:solidFill>
+              </a:rPr>
               <a:t>소비 증대</a:t>
             </a:r>
           </a:p>
@@ -3963,7 +4221,7 @@
         </p:blipFill>
         <p:spPr>
           <a:xfrm>
-            <a:off x="1037097" y="2097991"/>
+            <a:off x="948197" y="2517091"/>
             <a:ext cx="1415661" cy="554863"/>
           </a:xfrm>
           <a:prstGeom prst="rect">
@@ -3999,7 +4257,7 @@
         </p:blipFill>
         <p:spPr>
           <a:xfrm>
-            <a:off x="5933955" y="2025432"/>
+            <a:off x="5845055" y="2444532"/>
             <a:ext cx="684967" cy="684967"/>
           </a:xfrm>
           <a:prstGeom prst="rect">
@@ -4035,7 +4293,7 @@
         </p:blipFill>
         <p:spPr>
           <a:xfrm>
-            <a:off x="3497377" y="4535032"/>
+            <a:off x="3408477" y="4954132"/>
             <a:ext cx="1082041" cy="1082041"/>
           </a:xfrm>
           <a:prstGeom prst="rect">
@@ -4043,26 +4301,244 @@
           </a:prstGeom>
         </p:spPr>
       </p:pic>
+      <p:sp>
+        <p:nvSpPr>
+          <p:cNvPr id="67" name="TextBox 66">
+            <a:extLst>
+              <a:ext uri="{FF2B5EF4-FFF2-40B4-BE49-F238E27FC236}">
+                <a16:creationId xmlns:a16="http://schemas.microsoft.com/office/drawing/2014/main" id="{43F5F3C5-1546-4633-9181-3296044F4942}"/>
+              </a:ext>
+            </a:extLst>
+          </p:cNvPr>
+          <p:cNvSpPr txBox="1"/>
+          <p:nvPr/>
+        </p:nvSpPr>
+        <p:spPr>
+          <a:xfrm>
+            <a:off x="1211611" y="5818295"/>
+            <a:ext cx="2194832" cy="369332"/>
+          </a:xfrm>
+          <a:prstGeom prst="rect">
+            <a:avLst/>
+          </a:prstGeom>
+          <a:noFill/>
+        </p:spPr>
+        <p:txBody>
+          <a:bodyPr wrap="none" rtlCol="0">
+            <a:spAutoFit/>
+          </a:bodyPr>
+          <a:lstStyle/>
+          <a:p>
+            <a:r>
+              <a:rPr lang="ko-KR" altLang="en-US" b="1" spc="-300" dirty="0">
+                <a:solidFill>
+                  <a:schemeClr val="tx1">
+                    <a:lumMod val="75000"/>
+                    <a:lumOff val="25000"/>
+                  </a:schemeClr>
+                </a:solidFill>
+              </a:rPr>
+              <a:t>글로벌 관광경쟁력 제공</a:t>
+            </a:r>
+          </a:p>
+        </p:txBody>
+      </p:sp>
+      <p:sp>
+        <p:nvSpPr>
+          <p:cNvPr id="68" name="TextBox 67">
+            <a:extLst>
+              <a:ext uri="{FF2B5EF4-FFF2-40B4-BE49-F238E27FC236}">
+                <a16:creationId xmlns:a16="http://schemas.microsoft.com/office/drawing/2014/main" id="{41064229-3C70-4548-8483-A5437DFA8FDF}"/>
+              </a:ext>
+            </a:extLst>
+          </p:cNvPr>
+          <p:cNvSpPr txBox="1"/>
+          <p:nvPr/>
+        </p:nvSpPr>
+        <p:spPr>
+          <a:xfrm>
+            <a:off x="1589251" y="4623512"/>
+            <a:ext cx="1382110" cy="923330"/>
+          </a:xfrm>
+          <a:prstGeom prst="rect">
+            <a:avLst/>
+          </a:prstGeom>
+          <a:noFill/>
+        </p:spPr>
+        <p:txBody>
+          <a:bodyPr wrap="none" rtlCol="0">
+            <a:spAutoFit/>
+          </a:bodyPr>
+          <a:lstStyle/>
+          <a:p>
+            <a:pPr algn="ctr"/>
+            <a:r>
+              <a:rPr lang="ko-KR" altLang="en-US" b="1" spc="-300" dirty="0">
+                <a:solidFill>
+                  <a:schemeClr val="tx1">
+                    <a:lumMod val="75000"/>
+                    <a:lumOff val="25000"/>
+                  </a:schemeClr>
+                </a:solidFill>
+              </a:rPr>
+              <a:t>만족도</a:t>
+            </a:r>
+            <a:r>
+              <a:rPr lang="en-US" altLang="ko-KR" b="1" spc="-300" dirty="0">
+                <a:solidFill>
+                  <a:schemeClr val="tx1">
+                    <a:lumMod val="75000"/>
+                    <a:lumOff val="25000"/>
+                  </a:schemeClr>
+                </a:solidFill>
+              </a:rPr>
+              <a:t> </a:t>
+            </a:r>
+            <a:r>
+              <a:rPr lang="ko-KR" altLang="en-US" b="1" spc="-300" dirty="0">
+                <a:solidFill>
+                  <a:schemeClr val="tx1">
+                    <a:lumMod val="75000"/>
+                    <a:lumOff val="25000"/>
+                  </a:schemeClr>
+                </a:solidFill>
+              </a:rPr>
+              <a:t>증가</a:t>
+            </a:r>
+            <a:endParaRPr lang="en-US" altLang="ko-KR" b="1" spc="-300" dirty="0">
+              <a:solidFill>
+                <a:schemeClr val="tx1">
+                  <a:lumMod val="75000"/>
+                  <a:lumOff val="25000"/>
+                </a:schemeClr>
+              </a:solidFill>
+            </a:endParaRPr>
+          </a:p>
+          <a:p>
+            <a:pPr algn="ctr"/>
+            <a:r>
+              <a:rPr lang="ko-KR" altLang="en-US" b="1" spc="-300" dirty="0">
+                <a:solidFill>
+                  <a:schemeClr val="tx1">
+                    <a:lumMod val="75000"/>
+                    <a:lumOff val="25000"/>
+                  </a:schemeClr>
+                </a:solidFill>
+              </a:rPr>
+              <a:t>재방문율</a:t>
+            </a:r>
+            <a:r>
+              <a:rPr lang="en-US" altLang="ko-KR" b="1" spc="-300" dirty="0">
+                <a:solidFill>
+                  <a:schemeClr val="tx1">
+                    <a:lumMod val="75000"/>
+                    <a:lumOff val="25000"/>
+                  </a:schemeClr>
+                </a:solidFill>
+              </a:rPr>
+              <a:t> </a:t>
+            </a:r>
+            <a:r>
+              <a:rPr lang="ko-KR" altLang="en-US" b="1" spc="-300" dirty="0">
+                <a:solidFill>
+                  <a:schemeClr val="tx1">
+                    <a:lumMod val="75000"/>
+                    <a:lumOff val="25000"/>
+                  </a:schemeClr>
+                </a:solidFill>
+              </a:rPr>
+              <a:t>상승</a:t>
+            </a:r>
+            <a:endParaRPr lang="en-US" altLang="ko-KR" b="1" spc="-300" dirty="0">
+              <a:solidFill>
+                <a:schemeClr val="tx1">
+                  <a:lumMod val="75000"/>
+                  <a:lumOff val="25000"/>
+                </a:schemeClr>
+              </a:solidFill>
+            </a:endParaRPr>
+          </a:p>
+          <a:p>
+            <a:pPr algn="ctr"/>
+            <a:r>
+              <a:rPr lang="ko-KR" altLang="en-US" b="1" spc="-300" dirty="0">
+                <a:solidFill>
+                  <a:schemeClr val="tx1">
+                    <a:lumMod val="75000"/>
+                    <a:lumOff val="25000"/>
+                  </a:schemeClr>
+                </a:solidFill>
+              </a:rPr>
+              <a:t>바이럴 영향</a:t>
+            </a:r>
+          </a:p>
+        </p:txBody>
+      </p:sp>
+      <p:sp>
+        <p:nvSpPr>
+          <p:cNvPr id="3" name="TextBox 2">
+            <a:extLst>
+              <a:ext uri="{FF2B5EF4-FFF2-40B4-BE49-F238E27FC236}">
+                <a16:creationId xmlns:a16="http://schemas.microsoft.com/office/drawing/2014/main" id="{6B0678E2-E9A5-4126-8EDB-B46C0B9270A1}"/>
+              </a:ext>
+            </a:extLst>
+          </p:cNvPr>
+          <p:cNvSpPr txBox="1"/>
+          <p:nvPr/>
+        </p:nvSpPr>
+        <p:spPr>
+          <a:xfrm>
+            <a:off x="2802947" y="1950188"/>
+            <a:ext cx="2245548" cy="369332"/>
+          </a:xfrm>
+          <a:prstGeom prst="rect">
+            <a:avLst/>
+          </a:prstGeom>
+          <a:solidFill>
+            <a:schemeClr val="bg1"/>
+          </a:solidFill>
+        </p:spPr>
+        <p:txBody>
+          <a:bodyPr wrap="square" rtlCol="0">
+            <a:spAutoFit/>
+          </a:bodyPr>
+          <a:lstStyle/>
+          <a:p>
+            <a:pPr algn="ctr"/>
+            <a:r>
+              <a:rPr lang="ko-KR" altLang="en-US" b="1" dirty="0">
+                <a:solidFill>
+                  <a:schemeClr val="tx1">
+                    <a:lumMod val="75000"/>
+                    <a:lumOff val="25000"/>
+                  </a:schemeClr>
+                </a:solidFill>
+              </a:rPr>
+              <a:t>민관 협력 거버넌스</a:t>
+            </a:r>
+          </a:p>
+        </p:txBody>
+      </p:sp>
       <p:cxnSp>
         <p:nvCxnSpPr>
-          <p:cNvPr id="58" name="직선 화살표 연결선 57">
-            <a:extLst>
-              <a:ext uri="{FF2B5EF4-FFF2-40B4-BE49-F238E27FC236}">
-                <a16:creationId xmlns:a16="http://schemas.microsoft.com/office/drawing/2014/main" id="{0A0FD3CE-E6AF-401C-B57C-97576244B631}"/>
+          <p:cNvPr id="22" name="연결선: 꺾임 21">
+            <a:extLst>
+              <a:ext uri="{FF2B5EF4-FFF2-40B4-BE49-F238E27FC236}">
+                <a16:creationId xmlns:a16="http://schemas.microsoft.com/office/drawing/2014/main" id="{0320C3EA-0E8E-4EED-B95C-7AC945047D13}"/>
               </a:ext>
             </a:extLst>
           </p:cNvPr>
           <p:cNvCxnSpPr>
-            <a:cxnSpLocks/>
+            <a:cxnSpLocks noChangeAspect="1"/>
           </p:cNvCxnSpPr>
           <p:nvPr/>
         </p:nvCxnSpPr>
         <p:spPr>
-          <a:xfrm rot="19800000">
-            <a:off x="4219719" y="3872903"/>
-            <a:ext cx="2214367" cy="0"/>
-          </a:xfrm>
-          <a:prstGeom prst="straightConnector1">
+          <a:xfrm rot="5400000">
+            <a:off x="4583693" y="3875229"/>
+            <a:ext cx="1837754" cy="1688537"/>
+          </a:xfrm>
+          <a:prstGeom prst="bentConnector2">
             <a:avLst/>
           </a:prstGeom>
           <a:ln w="25400">
@@ -4086,10 +4562,10 @@
       </p:cxnSp>
       <p:cxnSp>
         <p:nvCxnSpPr>
-          <p:cNvPr id="59" name="직선 화살표 연결선 58">
-            <a:extLst>
-              <a:ext uri="{FF2B5EF4-FFF2-40B4-BE49-F238E27FC236}">
-                <a16:creationId xmlns:a16="http://schemas.microsoft.com/office/drawing/2014/main" id="{3334F254-A683-453C-9AC7-C043DC9BF424}"/>
+          <p:cNvPr id="27" name="연결선: 꺾임 26">
+            <a:extLst>
+              <a:ext uri="{FF2B5EF4-FFF2-40B4-BE49-F238E27FC236}">
+                <a16:creationId xmlns:a16="http://schemas.microsoft.com/office/drawing/2014/main" id="{52B47AD6-7129-414F-89F3-9B12FDA82446}"/>
               </a:ext>
             </a:extLst>
           </p:cNvPr>
@@ -4099,11 +4575,11 @@
           <p:nvPr/>
         </p:nvCxnSpPr>
         <p:spPr>
-          <a:xfrm rot="19800000" flipH="1">
-            <a:off x="3954788" y="3858127"/>
-            <a:ext cx="2214367" cy="0"/>
-          </a:xfrm>
-          <a:prstGeom prst="straightConnector1">
+          <a:xfrm rot="16200000" flipH="1">
+            <a:off x="1343296" y="3794785"/>
+            <a:ext cx="2016000" cy="1908000"/>
+          </a:xfrm>
+          <a:prstGeom prst="bentConnector2">
             <a:avLst/>
           </a:prstGeom>
           <a:ln w="25400">
@@ -4127,24 +4603,24 @@
       </p:cxnSp>
       <p:cxnSp>
         <p:nvCxnSpPr>
-          <p:cNvPr id="65" name="직선 화살표 연결선 64">
-            <a:extLst>
-              <a:ext uri="{FF2B5EF4-FFF2-40B4-BE49-F238E27FC236}">
-                <a16:creationId xmlns:a16="http://schemas.microsoft.com/office/drawing/2014/main" id="{DA1434FC-CF0F-4344-88AE-A8B62F1D3812}"/>
+          <p:cNvPr id="37" name="연결선: 꺾임 36">
+            <a:extLst>
+              <a:ext uri="{FF2B5EF4-FFF2-40B4-BE49-F238E27FC236}">
+                <a16:creationId xmlns:a16="http://schemas.microsoft.com/office/drawing/2014/main" id="{1E19A712-D7F7-43D2-BD15-433C176AFF76}"/>
               </a:ext>
             </a:extLst>
           </p:cNvPr>
           <p:cNvCxnSpPr>
-            <a:cxnSpLocks/>
+            <a:cxnSpLocks noChangeAspect="1"/>
           </p:cNvCxnSpPr>
           <p:nvPr/>
         </p:nvCxnSpPr>
         <p:spPr>
-          <a:xfrm rot="1800000" flipH="1">
-            <a:off x="1823053" y="3834803"/>
-            <a:ext cx="2214367" cy="0"/>
-          </a:xfrm>
-          <a:prstGeom prst="straightConnector1">
+          <a:xfrm flipV="1">
+            <a:off x="4662361" y="3792555"/>
+            <a:ext cx="1836000" cy="1998249"/>
+          </a:xfrm>
+          <a:prstGeom prst="bentConnector2">
             <a:avLst/>
           </a:prstGeom>
           <a:ln w="25400">
@@ -4168,10 +4644,10 @@
       </p:cxnSp>
       <p:cxnSp>
         <p:nvCxnSpPr>
-          <p:cNvPr id="66" name="직선 화살표 연결선 65">
-            <a:extLst>
-              <a:ext uri="{FF2B5EF4-FFF2-40B4-BE49-F238E27FC236}">
-                <a16:creationId xmlns:a16="http://schemas.microsoft.com/office/drawing/2014/main" id="{1E8BBD6C-ABDC-4B5A-AE85-7AA1EC8BA5C6}"/>
+          <p:cNvPr id="43" name="연결선: 꺾임 42">
+            <a:extLst>
+              <a:ext uri="{FF2B5EF4-FFF2-40B4-BE49-F238E27FC236}">
+                <a16:creationId xmlns:a16="http://schemas.microsoft.com/office/drawing/2014/main" id="{B3536E56-AF05-4CC3-8032-71D6729443F5}"/>
               </a:ext>
             </a:extLst>
           </p:cNvPr>
@@ -4181,11 +4657,11 @@
           <p:nvPr/>
         </p:nvCxnSpPr>
         <p:spPr>
-          <a:xfrm rot="1800000">
-            <a:off x="1580982" y="3858127"/>
-            <a:ext cx="2214367" cy="0"/>
-          </a:xfrm>
-          <a:prstGeom prst="straightConnector1">
+          <a:xfrm rot="10800000">
+            <a:off x="1547874" y="3742463"/>
+            <a:ext cx="1764907" cy="1837754"/>
+          </a:xfrm>
+          <a:prstGeom prst="bentConnector2">
             <a:avLst/>
           </a:prstGeom>
           <a:ln w="25400">
@@ -4209,10 +4685,10 @@
       </p:cxnSp>
       <p:sp>
         <p:nvSpPr>
-          <p:cNvPr id="67" name="TextBox 66">
-            <a:extLst>
-              <a:ext uri="{FF2B5EF4-FFF2-40B4-BE49-F238E27FC236}">
-                <a16:creationId xmlns:a16="http://schemas.microsoft.com/office/drawing/2014/main" id="{43F5F3C5-1546-4633-9181-3296044F4942}"/>
+          <p:cNvPr id="56" name="TextBox 7">
+            <a:extLst>
+              <a:ext uri="{FF2B5EF4-FFF2-40B4-BE49-F238E27FC236}">
+                <a16:creationId xmlns:a16="http://schemas.microsoft.com/office/drawing/2014/main" id="{F539FFD6-4F59-49F5-9D90-076B0E0D5B22}"/>
               </a:ext>
             </a:extLst>
           </p:cNvPr>
@@ -4220,9 +4696,9 @@
           <p:nvPr/>
         </p:nvSpPr>
         <p:spPr>
-          <a:xfrm rot="1800000">
-            <a:off x="1484572" y="3823790"/>
-            <a:ext cx="2105063" cy="307777"/>
+          <a:xfrm>
+            <a:off x="7382713" y="3431414"/>
+            <a:ext cx="4224902" cy="1938992"/>
           </a:xfrm>
           <a:prstGeom prst="rect">
             <a:avLst/>
@@ -4230,66 +4706,209 @@
           <a:noFill/>
         </p:spPr>
         <p:txBody>
-          <a:bodyPr wrap="none" rtlCol="0">
+          <a:bodyPr wrap="square">
             <a:spAutoFit/>
           </a:bodyPr>
           <a:lstStyle/>
           <a:p>
-            <a:r>
-              <a:rPr lang="ko-KR" altLang="en-US" sz="1400" dirty="0"/>
-              <a:t>글로벌 관광경쟁력 상승</a:t>
-            </a:r>
-          </a:p>
-        </p:txBody>
-      </p:sp>
-      <p:sp>
-        <p:nvSpPr>
-          <p:cNvPr id="68" name="TextBox 67">
-            <a:extLst>
-              <a:ext uri="{FF2B5EF4-FFF2-40B4-BE49-F238E27FC236}">
-                <a16:creationId xmlns:a16="http://schemas.microsoft.com/office/drawing/2014/main" id="{41064229-3C70-4548-8483-A5437DFA8FDF}"/>
-              </a:ext>
-            </a:extLst>
-          </p:cNvPr>
-          <p:cNvSpPr txBox="1"/>
-          <p:nvPr/>
-        </p:nvSpPr>
-        <p:spPr>
-          <a:xfrm rot="1800000">
-            <a:off x="2120447" y="3548888"/>
-            <a:ext cx="1790875" cy="276999"/>
-          </a:xfrm>
-          <a:prstGeom prst="rect">
-            <a:avLst/>
-          </a:prstGeom>
-          <a:noFill/>
-        </p:spPr>
-        <p:txBody>
-          <a:bodyPr wrap="none" rtlCol="0">
-            <a:spAutoFit/>
-          </a:bodyPr>
-          <a:lstStyle/>
-          <a:p>
-            <a:r>
-              <a:rPr lang="ko-KR" altLang="en-US" sz="1200" dirty="0"/>
-              <a:t>만족도</a:t>
-            </a:r>
-            <a:r>
-              <a:rPr lang="en-US" altLang="ko-KR" sz="1200" dirty="0"/>
-              <a:t>,</a:t>
-            </a:r>
-            <a:r>
-              <a:rPr lang="ko-KR" altLang="en-US" sz="1200" dirty="0"/>
-              <a:t>재방문율</a:t>
-            </a:r>
-            <a:r>
-              <a:rPr lang="en-US" altLang="ko-KR" sz="1200" dirty="0"/>
-              <a:t>,</a:t>
-            </a:r>
-            <a:r>
-              <a:rPr lang="ko-KR" altLang="en-US" sz="1200" dirty="0"/>
-              <a:t>바이럴</a:t>
-            </a:r>
+            <a:pPr marL="0" marR="0" lvl="0" indent="0" algn="ctr" defTabSz="914400" rtl="0" eaLnBrk="1" fontAlgn="auto" latinLnBrk="1" hangingPunct="1">
+              <a:lnSpc>
+                <a:spcPct val="100000"/>
+              </a:lnSpc>
+              <a:spcBef>
+                <a:spcPts val="0"/>
+              </a:spcBef>
+              <a:spcAft>
+                <a:spcPts val="0"/>
+              </a:spcAft>
+              <a:buClrTx/>
+              <a:buSzTx/>
+              <a:buFontTx/>
+              <a:buNone/>
+              <a:tabLst/>
+              <a:defRPr/>
+            </a:pPr>
+            <a:r>
+              <a:rPr lang="ko-KR" altLang="en-US" sz="2400" spc="-300" dirty="0">
+                <a:solidFill>
+                  <a:prstClr val="black"/>
+                </a:solidFill>
+                <a:latin typeface="맑은 고딕" panose="020B0503020000020004" pitchFamily="50" charset="-127"/>
+                <a:ea typeface="맑은 고딕" panose="020B0503020000020004" pitchFamily="50" charset="-127"/>
+              </a:rPr>
+              <a:t>본 체계를 운용함에 있어</a:t>
+            </a:r>
+            <a:endParaRPr lang="en-US" altLang="ko-KR" sz="2400" spc="-300" dirty="0">
+              <a:solidFill>
+                <a:prstClr val="black"/>
+              </a:solidFill>
+              <a:latin typeface="맑은 고딕" panose="020B0503020000020004" pitchFamily="50" charset="-127"/>
+              <a:ea typeface="맑은 고딕" panose="020B0503020000020004" pitchFamily="50" charset="-127"/>
+            </a:endParaRPr>
+          </a:p>
+          <a:p>
+            <a:pPr marL="0" marR="0" lvl="0" indent="0" algn="ctr" defTabSz="914400" rtl="0" eaLnBrk="1" fontAlgn="auto" latinLnBrk="1" hangingPunct="1">
+              <a:lnSpc>
+                <a:spcPct val="100000"/>
+              </a:lnSpc>
+              <a:spcBef>
+                <a:spcPts val="0"/>
+              </a:spcBef>
+              <a:spcAft>
+                <a:spcPts val="0"/>
+              </a:spcAft>
+              <a:buClrTx/>
+              <a:buSzTx/>
+              <a:buFontTx/>
+              <a:buNone/>
+              <a:tabLst/>
+              <a:defRPr/>
+            </a:pPr>
+            <a:r>
+              <a:rPr lang="ko-KR" altLang="en-US" sz="2400" spc="-300" dirty="0">
+                <a:solidFill>
+                  <a:prstClr val="black"/>
+                </a:solidFill>
+                <a:latin typeface="맑은 고딕" panose="020B0503020000020004" pitchFamily="50" charset="-127"/>
+                <a:ea typeface="맑은 고딕" panose="020B0503020000020004" pitchFamily="50" charset="-127"/>
+              </a:rPr>
+              <a:t>기업의 </a:t>
+            </a:r>
+            <a:r>
+              <a:rPr lang="ko-KR" altLang="en-US" sz="2400" b="1" spc="-300" dirty="0">
+                <a:solidFill>
+                  <a:prstClr val="black"/>
+                </a:solidFill>
+                <a:latin typeface="맑은 고딕" panose="020B0503020000020004" pitchFamily="50" charset="-127"/>
+                <a:ea typeface="맑은 고딕" panose="020B0503020000020004" pitchFamily="50" charset="-127"/>
+              </a:rPr>
+              <a:t>원가 공개 선행이 우선</a:t>
+            </a:r>
+            <a:endParaRPr lang="en-US" altLang="ko-KR" sz="2400" b="1" spc="-300" dirty="0">
+              <a:solidFill>
+                <a:prstClr val="black"/>
+              </a:solidFill>
+              <a:latin typeface="맑은 고딕" panose="020B0503020000020004" pitchFamily="50" charset="-127"/>
+              <a:ea typeface="맑은 고딕" panose="020B0503020000020004" pitchFamily="50" charset="-127"/>
+            </a:endParaRPr>
+          </a:p>
+          <a:p>
+            <a:pPr marL="0" marR="0" lvl="0" indent="0" algn="ctr" defTabSz="914400" rtl="0" eaLnBrk="1" fontAlgn="auto" latinLnBrk="1" hangingPunct="1">
+              <a:lnSpc>
+                <a:spcPct val="100000"/>
+              </a:lnSpc>
+              <a:spcBef>
+                <a:spcPts val="0"/>
+              </a:spcBef>
+              <a:spcAft>
+                <a:spcPts val="0"/>
+              </a:spcAft>
+              <a:buClrTx/>
+              <a:buSzTx/>
+              <a:buFontTx/>
+              <a:buNone/>
+              <a:tabLst/>
+              <a:defRPr/>
+            </a:pPr>
+            <a:endParaRPr lang="en-US" altLang="ko-KR" sz="2400" spc="-300" dirty="0">
+              <a:solidFill>
+                <a:prstClr val="black"/>
+              </a:solidFill>
+              <a:latin typeface="맑은 고딕" panose="020B0503020000020004" pitchFamily="50" charset="-127"/>
+              <a:ea typeface="맑은 고딕" panose="020B0503020000020004" pitchFamily="50" charset="-127"/>
+            </a:endParaRPr>
+          </a:p>
+          <a:p>
+            <a:pPr marL="0" marR="0" lvl="0" indent="0" algn="ctr" defTabSz="914400" rtl="0" eaLnBrk="1" fontAlgn="auto" latinLnBrk="1" hangingPunct="1">
+              <a:lnSpc>
+                <a:spcPct val="100000"/>
+              </a:lnSpc>
+              <a:spcBef>
+                <a:spcPts val="0"/>
+              </a:spcBef>
+              <a:spcAft>
+                <a:spcPts val="0"/>
+              </a:spcAft>
+              <a:buClrTx/>
+              <a:buSzTx/>
+              <a:buFontTx/>
+              <a:buNone/>
+              <a:tabLst/>
+              <a:defRPr/>
+            </a:pPr>
+            <a:r>
+              <a:rPr lang="ko-KR" altLang="en-US" sz="2400" spc="-300" dirty="0">
+                <a:solidFill>
+                  <a:prstClr val="black"/>
+                </a:solidFill>
+                <a:latin typeface="맑은 고딕" panose="020B0503020000020004" pitchFamily="50" charset="-127"/>
+                <a:ea typeface="맑은 고딕" panose="020B0503020000020004" pitchFamily="50" charset="-127"/>
+              </a:rPr>
+              <a:t>∵  기업의 지원금 횡령으로 인한</a:t>
+            </a:r>
+            <a:endParaRPr lang="en-US" altLang="ko-KR" sz="2400" spc="-300" dirty="0">
+              <a:solidFill>
+                <a:prstClr val="black"/>
+              </a:solidFill>
+              <a:latin typeface="맑은 고딕" panose="020B0503020000020004" pitchFamily="50" charset="-127"/>
+              <a:ea typeface="맑은 고딕" panose="020B0503020000020004" pitchFamily="50" charset="-127"/>
+            </a:endParaRPr>
+          </a:p>
+          <a:p>
+            <a:pPr marL="0" marR="0" lvl="0" indent="0" algn="ctr" defTabSz="914400" rtl="0" eaLnBrk="1" fontAlgn="auto" latinLnBrk="1" hangingPunct="1">
+              <a:lnSpc>
+                <a:spcPct val="100000"/>
+              </a:lnSpc>
+              <a:spcBef>
+                <a:spcPts val="0"/>
+              </a:spcBef>
+              <a:spcAft>
+                <a:spcPts val="0"/>
+              </a:spcAft>
+              <a:buClrTx/>
+              <a:buSzTx/>
+              <a:buFontTx/>
+              <a:buNone/>
+              <a:tabLst/>
+              <a:defRPr/>
+            </a:pPr>
+            <a:r>
+              <a:rPr lang="ko-KR" altLang="en-US" sz="2400" spc="-300" dirty="0">
+                <a:solidFill>
+                  <a:prstClr val="black"/>
+                </a:solidFill>
+                <a:latin typeface="맑은 고딕" panose="020B0503020000020004" pitchFamily="50" charset="-127"/>
+                <a:ea typeface="맑은 고딕" panose="020B0503020000020004" pitchFamily="50" charset="-127"/>
+              </a:rPr>
+              <a:t> 실질 물가 </a:t>
+            </a:r>
+            <a:r>
+              <a:rPr lang="ko-KR" altLang="en-US" sz="2400" spc="-300" dirty="0" err="1">
+                <a:solidFill>
+                  <a:prstClr val="black"/>
+                </a:solidFill>
+                <a:latin typeface="맑은 고딕" panose="020B0503020000020004" pitchFamily="50" charset="-127"/>
+                <a:ea typeface="맑은 고딕" panose="020B0503020000020004" pitchFamily="50" charset="-127"/>
+              </a:rPr>
+              <a:t>미반영</a:t>
+            </a:r>
+            <a:r>
+              <a:rPr lang="ko-KR" altLang="en-US" sz="2400" spc="-300" dirty="0">
+                <a:solidFill>
+                  <a:prstClr val="black"/>
+                </a:solidFill>
+                <a:latin typeface="맑은 고딕" panose="020B0503020000020004" pitchFamily="50" charset="-127"/>
+                <a:ea typeface="맑은 고딕" panose="020B0503020000020004" pitchFamily="50" charset="-127"/>
+              </a:rPr>
+              <a:t> 사전 차단</a:t>
+            </a:r>
+            <a:endParaRPr lang="en-US" altLang="ko-KR" sz="2400" spc="-300" dirty="0">
+              <a:solidFill>
+                <a:prstClr val="black"/>
+              </a:solidFill>
+              <a:latin typeface="맑은 고딕" panose="020B0503020000020004" pitchFamily="50" charset="-127"/>
+              <a:ea typeface="맑은 고딕" panose="020B0503020000020004" pitchFamily="50" charset="-127"/>
+            </a:endParaRPr>
           </a:p>
         </p:txBody>
       </p:sp>
@@ -4302,7 +4921,7 @@
     <mc:Choice Requires="p14">
       <p:transition/>
     </mc:Choice>
-    <mc:Fallback xmlns="" xmlns:c="http://schemas.openxmlformats.org/drawingml/2006/chart" xmlns:dgm="http://schemas.openxmlformats.org/drawingml/2006/diagram" xmlns:dsp="http://schemas.microsoft.com/office/drawing/2008/diagram">
+    <mc:Fallback xmlns:dsp="http://schemas.microsoft.com/office/drawing/2008/diagram" xmlns:dgm="http://schemas.openxmlformats.org/drawingml/2006/diagram" xmlns:c="http://schemas.openxmlformats.org/drawingml/2006/chart" xmlns="">
       <p:transition/>
     </mc:Fallback>
   </mc:AlternateContent>
@@ -4340,17 +4959,20 @@
         </p:nvSpPr>
         <p:spPr>
           <a:xfrm>
-            <a:off x="2512139" y="3084481"/>
+            <a:off x="5141039" y="3135281"/>
             <a:ext cx="6646609" cy="707922"/>
           </a:xfrm>
           <a:prstGeom prst="roundRect">
             <a:avLst/>
           </a:prstGeom>
-          <a:solidFill>
-            <a:schemeClr val="bg1">
-              <a:lumMod val="75000"/>
-            </a:schemeClr>
-          </a:solidFill>
+          <a:noFill/>
+          <a:ln>
+            <a:solidFill>
+              <a:schemeClr val="bg1">
+                <a:lumMod val="65000"/>
+              </a:schemeClr>
+            </a:solidFill>
+          </a:ln>
         </p:spPr>
         <p:style>
           <a:lnRef idx="2">
@@ -4373,12 +4995,24 @@
           <a:lstStyle/>
           <a:p>
             <a:r>
-              <a:rPr lang="en-US" altLang="ko-KR" dirty="0"/>
+              <a:rPr lang="en-US" altLang="ko-KR" b="1" dirty="0">
+                <a:solidFill>
+                  <a:schemeClr val="bg1">
+                    <a:lumMod val="50000"/>
+                  </a:schemeClr>
+                </a:solidFill>
+              </a:rPr>
               <a:t>	        </a:t>
             </a:r>
             <a:r>
-              <a:rPr lang="ko-KR" altLang="en-US" dirty="0"/>
-              <a:t>지역 물가 하락 효과로 소비 촉진</a:t>
+              <a:rPr lang="ko-KR" altLang="en-US" b="1" dirty="0">
+                <a:solidFill>
+                  <a:schemeClr val="bg1">
+                    <a:lumMod val="50000"/>
+                  </a:schemeClr>
+                </a:solidFill>
+              </a:rPr>
+              <a:t>지원금 횡령을 비롯한 기타 우회 차단</a:t>
             </a:r>
           </a:p>
         </p:txBody>
@@ -4397,17 +5031,20 @@
         </p:nvSpPr>
         <p:spPr>
           <a:xfrm>
-            <a:off x="2512139" y="3922291"/>
+            <a:off x="5141039" y="3973091"/>
             <a:ext cx="6646609" cy="707922"/>
           </a:xfrm>
           <a:prstGeom prst="roundRect">
             <a:avLst/>
           </a:prstGeom>
-          <a:solidFill>
-            <a:schemeClr val="bg1">
-              <a:lumMod val="75000"/>
-            </a:schemeClr>
-          </a:solidFill>
+          <a:noFill/>
+          <a:ln>
+            <a:solidFill>
+              <a:schemeClr val="bg1">
+                <a:lumMod val="65000"/>
+              </a:schemeClr>
+            </a:solidFill>
+          </a:ln>
         </p:spPr>
         <p:style>
           <a:lnRef idx="2">
@@ -4430,12 +5067,24 @@
           <a:lstStyle/>
           <a:p>
             <a:r>
-              <a:rPr lang="en-US" altLang="ko-KR" dirty="0"/>
+              <a:rPr lang="en-US" altLang="ko-KR" b="1" dirty="0">
+                <a:solidFill>
+                  <a:schemeClr val="bg1">
+                    <a:lumMod val="50000"/>
+                  </a:schemeClr>
+                </a:solidFill>
+              </a:rPr>
               <a:t>	        </a:t>
             </a:r>
             <a:r>
-              <a:rPr lang="ko-KR" altLang="en-US" dirty="0"/>
-              <a:t>기업의 원가 공개를 기반으로 해상 운송료 지원</a:t>
+              <a:rPr lang="ko-KR" altLang="en-US" b="1" dirty="0">
+                <a:solidFill>
+                  <a:schemeClr val="bg1">
+                    <a:lumMod val="50000"/>
+                  </a:schemeClr>
+                </a:solidFill>
+              </a:rPr>
+              <a:t>기업 원가 공개를 기반으로 해상 운송료 지원</a:t>
             </a:r>
           </a:p>
         </p:txBody>
@@ -4454,17 +5103,20 @@
         </p:nvSpPr>
         <p:spPr>
           <a:xfrm>
-            <a:off x="2512139" y="4763607"/>
+            <a:off x="5141039" y="4814407"/>
             <a:ext cx="6646609" cy="707922"/>
           </a:xfrm>
           <a:prstGeom prst="roundRect">
             <a:avLst/>
           </a:prstGeom>
-          <a:solidFill>
-            <a:schemeClr val="bg1">
-              <a:lumMod val="75000"/>
-            </a:schemeClr>
-          </a:solidFill>
+          <a:noFill/>
+          <a:ln>
+            <a:solidFill>
+              <a:schemeClr val="bg1">
+                <a:lumMod val="65000"/>
+              </a:schemeClr>
+            </a:solidFill>
+          </a:ln>
         </p:spPr>
         <p:style>
           <a:lnRef idx="2">
@@ -4487,20 +5139,44 @@
           <a:lstStyle/>
           <a:p>
             <a:r>
-              <a:rPr lang="en-US" altLang="ko-KR" dirty="0"/>
+              <a:rPr lang="en-US" altLang="ko-KR" b="1" dirty="0">
+                <a:solidFill>
+                  <a:schemeClr val="bg1">
+                    <a:lumMod val="50000"/>
+                  </a:schemeClr>
+                </a:solidFill>
+              </a:rPr>
               <a:t>	        </a:t>
             </a:r>
             <a:r>
-              <a:rPr lang="ko-KR" altLang="en-US" dirty="0"/>
+              <a:rPr lang="ko-KR" altLang="en-US" b="1" dirty="0">
+                <a:solidFill>
+                  <a:schemeClr val="bg1">
+                    <a:lumMod val="50000"/>
+                  </a:schemeClr>
+                </a:solidFill>
+              </a:rPr>
               <a:t>물가</a:t>
             </a:r>
             <a:r>
-              <a:rPr lang="en-US" altLang="ko-KR" dirty="0"/>
+              <a:rPr lang="en-US" altLang="ko-KR" b="1" dirty="0">
+                <a:solidFill>
+                  <a:schemeClr val="bg1">
+                    <a:lumMod val="50000"/>
+                  </a:schemeClr>
+                </a:solidFill>
+              </a:rPr>
               <a:t>, </a:t>
             </a:r>
             <a:r>
-              <a:rPr lang="ko-KR" altLang="en-US" dirty="0"/>
-              <a:t>소비 관련 핵심성과지표 측정 및 관리</a:t>
+              <a:rPr lang="ko-KR" altLang="en-US" b="1" dirty="0">
+                <a:solidFill>
+                  <a:schemeClr val="bg1">
+                    <a:lumMod val="50000"/>
+                  </a:schemeClr>
+                </a:solidFill>
+              </a:rPr>
+              <a:t>소비 관련 핵심성과지표 선정 및 관리</a:t>
             </a:r>
           </a:p>
         </p:txBody>
@@ -4519,17 +5195,20 @@
         </p:nvSpPr>
         <p:spPr>
           <a:xfrm>
-            <a:off x="2512139" y="2261419"/>
+            <a:off x="5141039" y="2286819"/>
             <a:ext cx="6646609" cy="707922"/>
           </a:xfrm>
           <a:prstGeom prst="roundRect">
             <a:avLst/>
           </a:prstGeom>
-          <a:solidFill>
-            <a:schemeClr val="bg1">
-              <a:lumMod val="75000"/>
-            </a:schemeClr>
-          </a:solidFill>
+          <a:noFill/>
+          <a:ln>
+            <a:solidFill>
+              <a:schemeClr val="bg1">
+                <a:lumMod val="65000"/>
+              </a:schemeClr>
+            </a:solidFill>
+          </a:ln>
         </p:spPr>
         <p:style>
           <a:lnRef idx="2">
@@ -4552,11 +5231,23 @@
           <a:lstStyle/>
           <a:p>
             <a:r>
-              <a:rPr lang="en-US" altLang="ko-KR" dirty="0"/>
+              <a:rPr lang="en-US" altLang="ko-KR" b="1" dirty="0">
+                <a:solidFill>
+                  <a:schemeClr val="bg1">
+                    <a:lumMod val="50000"/>
+                  </a:schemeClr>
+                </a:solidFill>
+              </a:rPr>
               <a:t>	        </a:t>
             </a:r>
             <a:r>
-              <a:rPr lang="ko-KR" altLang="en-US" dirty="0"/>
+              <a:rPr lang="ko-KR" altLang="en-US" b="1" dirty="0">
+                <a:solidFill>
+                  <a:schemeClr val="bg1">
+                    <a:lumMod val="50000"/>
+                  </a:schemeClr>
+                </a:solidFill>
+              </a:rPr>
               <a:t>지역 물가 하락 촉진으로 소비 활성화 기대</a:t>
             </a:r>
           </a:p>
@@ -4763,6 +5454,58 @@
           </a:fontRef>
         </p:style>
       </p:cxnSp>
+      <p:sp>
+        <p:nvSpPr>
+          <p:cNvPr id="4" name="순서도: 지연 3">
+            <a:extLst>
+              <a:ext uri="{FF2B5EF4-FFF2-40B4-BE49-F238E27FC236}">
+                <a16:creationId xmlns:a16="http://schemas.microsoft.com/office/drawing/2014/main" id="{2642EAA0-196D-4107-8A11-B02AF81B210C}"/>
+              </a:ext>
+            </a:extLst>
+          </p:cNvPr>
+          <p:cNvSpPr/>
+          <p:nvPr/>
+        </p:nvSpPr>
+        <p:spPr>
+          <a:xfrm flipH="1">
+            <a:off x="4349114" y="2552779"/>
+            <a:ext cx="1519040" cy="2580848"/>
+          </a:xfrm>
+          <a:prstGeom prst="flowChartDelay">
+            <a:avLst/>
+          </a:prstGeom>
+          <a:noFill/>
+          <a:ln>
+            <a:solidFill>
+              <a:srgbClr val="8DBABD"/>
+            </a:solidFill>
+          </a:ln>
+        </p:spPr>
+        <p:style>
+          <a:lnRef idx="2">
+            <a:schemeClr val="accent1">
+              <a:shade val="50000"/>
+            </a:schemeClr>
+          </a:lnRef>
+          <a:fillRef idx="1">
+            <a:schemeClr val="accent1"/>
+          </a:fillRef>
+          <a:effectRef idx="0">
+            <a:schemeClr val="accent1"/>
+          </a:effectRef>
+          <a:fontRef idx="minor">
+            <a:schemeClr val="lt1"/>
+          </a:fontRef>
+        </p:style>
+        <p:txBody>
+          <a:bodyPr rtlCol="0" anchor="ctr"/>
+          <a:lstStyle/>
+          <a:p>
+            <a:pPr algn="ctr"/>
+            <a:endParaRPr lang="ko-KR" altLang="en-US" b="1"/>
+          </a:p>
+        </p:txBody>
+      </p:sp>
       <p:cxnSp>
         <p:nvCxnSpPr>
           <p:cNvPr id="9" name="직선 연결선 8"/>
@@ -4848,9 +5591,7 @@
             <a:avLst/>
           </a:prstGeom>
           <a:ln w="19050" cap="rnd">
-            <a:solidFill>
-              <a:schemeClr val="tx1"/>
-            </a:solidFill>
+            <a:noFill/>
           </a:ln>
         </p:spPr>
         <p:style>
@@ -5023,297 +5764,30 @@
       </p:sp>
       <p:sp>
         <p:nvSpPr>
-          <p:cNvPr id="14" name="TextBox 7"/>
-          <p:cNvSpPr txBox="1"/>
+          <p:cNvPr id="3" name="타원 2">
+            <a:extLst>
+              <a:ext uri="{FF2B5EF4-FFF2-40B4-BE49-F238E27FC236}">
+                <a16:creationId xmlns:a16="http://schemas.microsoft.com/office/drawing/2014/main" id="{D38B74AB-B162-420D-B1BB-241B9A5848E6}"/>
+              </a:ext>
+            </a:extLst>
+          </p:cNvPr>
+          <p:cNvSpPr/>
           <p:nvPr/>
         </p:nvSpPr>
         <p:spPr>
           <a:xfrm>
-            <a:off x="6017659" y="1472316"/>
-            <a:ext cx="5884289" cy="830997"/>
-          </a:xfrm>
-          <a:prstGeom prst="rect">
-            <a:avLst/>
-          </a:prstGeom>
-          <a:noFill/>
-        </p:spPr>
-        <p:txBody>
-          <a:bodyPr wrap="square">
-            <a:spAutoFit/>
-          </a:bodyPr>
-          <a:lstStyle/>
-          <a:p>
-            <a:pPr marL="0" marR="0" lvl="0" indent="0" algn="ctr" defTabSz="914400" rtl="0" eaLnBrk="1" fontAlgn="auto" latinLnBrk="1" hangingPunct="1">
-              <a:lnSpc>
-                <a:spcPct val="100000"/>
-              </a:lnSpc>
-              <a:spcBef>
-                <a:spcPts val="0"/>
-              </a:spcBef>
-              <a:spcAft>
-                <a:spcPts val="0"/>
-              </a:spcAft>
-              <a:buClrTx/>
-              <a:buSzTx/>
-              <a:buFontTx/>
-              <a:buNone/>
-              <a:tabLst/>
-              <a:defRPr/>
-            </a:pPr>
-            <a:r>
-              <a:rPr kumimoji="0" lang="ko-KR" altLang="en-US" sz="2400" b="0" i="0" u="none" strike="noStrike" kern="1200" cap="none" spc="-150" normalizeH="0" baseline="0" noProof="0" dirty="0">
-                <a:ln>
-                  <a:noFill/>
-                </a:ln>
-                <a:solidFill>
-                  <a:prstClr val="black"/>
-                </a:solidFill>
-                <a:effectLst/>
-                <a:uLnTx/>
-                <a:uFillTx/>
-                <a:latin typeface="나눔스퀘어 Bold"/>
-                <a:ea typeface="나눔스퀘어 Bold"/>
-                <a:cs typeface="+mn-cs"/>
-              </a:rPr>
-              <a:t>상기 제안 실현을 위한</a:t>
-            </a:r>
-            <a:endParaRPr kumimoji="0" lang="en-US" altLang="ko-KR" sz="2400" b="0" i="0" u="none" strike="noStrike" kern="1200" cap="none" spc="-150" normalizeH="0" baseline="0" noProof="0" dirty="0">
-              <a:ln>
-                <a:noFill/>
-              </a:ln>
-              <a:solidFill>
-                <a:prstClr val="black"/>
-              </a:solidFill>
-              <a:effectLst/>
-              <a:uLnTx/>
-              <a:uFillTx/>
-              <a:latin typeface="나눔스퀘어 Bold"/>
-              <a:ea typeface="나눔스퀘어 Bold"/>
-              <a:cs typeface="+mn-cs"/>
-            </a:endParaRPr>
-          </a:p>
-          <a:p>
-            <a:pPr marL="0" marR="0" lvl="0" indent="0" algn="ctr" defTabSz="914400" rtl="0" eaLnBrk="1" fontAlgn="auto" latinLnBrk="1" hangingPunct="1">
-              <a:lnSpc>
-                <a:spcPct val="100000"/>
-              </a:lnSpc>
-              <a:spcBef>
-                <a:spcPts val="0"/>
-              </a:spcBef>
-              <a:spcAft>
-                <a:spcPts val="0"/>
-              </a:spcAft>
-              <a:buClrTx/>
-              <a:buSzTx/>
-              <a:buFontTx/>
-              <a:buNone/>
-              <a:tabLst/>
-              <a:defRPr/>
-            </a:pPr>
-            <a:r>
-              <a:rPr kumimoji="0" lang="ko-KR" altLang="en-US" sz="2400" b="0" i="0" u="none" strike="noStrike" kern="1200" cap="none" spc="-150" normalizeH="0" baseline="0" noProof="0" dirty="0">
-                <a:ln>
-                  <a:noFill/>
-                </a:ln>
-                <a:solidFill>
-                  <a:prstClr val="black"/>
-                </a:solidFill>
-                <a:effectLst/>
-                <a:uLnTx/>
-                <a:uFillTx/>
-                <a:latin typeface="나눔스퀘어 Bold"/>
-                <a:ea typeface="나눔스퀘어 Bold"/>
-                <a:cs typeface="+mn-cs"/>
-              </a:rPr>
-              <a:t>민관 협력 거버넌스 구축</a:t>
-            </a:r>
-            <a:endParaRPr kumimoji="0" lang="en-US" altLang="ko-KR" sz="2400" b="0" i="0" u="none" strike="noStrike" kern="1200" cap="none" spc="-150" normalizeH="0" baseline="0" noProof="0" dirty="0">
-              <a:ln>
-                <a:noFill/>
-              </a:ln>
-              <a:solidFill>
-                <a:prstClr val="black"/>
-              </a:solidFill>
-              <a:effectLst/>
-              <a:uLnTx/>
-              <a:uFillTx/>
-              <a:latin typeface="나눔스퀘어 Bold"/>
-              <a:ea typeface="나눔스퀘어 Bold"/>
-              <a:cs typeface="+mn-cs"/>
-            </a:endParaRPr>
-          </a:p>
-        </p:txBody>
-      </p:sp>
-      <p:sp>
-        <p:nvSpPr>
-          <p:cNvPr id="25" name="TextBox 7">
-            <a:extLst>
-              <a:ext uri="{FF2B5EF4-FFF2-40B4-BE49-F238E27FC236}">
-                <a16:creationId xmlns:a16="http://schemas.microsoft.com/office/drawing/2014/main" id="{C864D739-69DE-460F-8AF3-F802C4D5F286}"/>
-              </a:ext>
-            </a:extLst>
-          </p:cNvPr>
-          <p:cNvSpPr txBox="1"/>
-          <p:nvPr/>
-        </p:nvSpPr>
-        <p:spPr>
-          <a:xfrm>
-            <a:off x="5024909" y="6074103"/>
-            <a:ext cx="7046913" cy="338554"/>
-          </a:xfrm>
-          <a:prstGeom prst="rect">
-            <a:avLst/>
-          </a:prstGeom>
-          <a:noFill/>
-        </p:spPr>
-        <p:txBody>
-          <a:bodyPr wrap="square">
-            <a:spAutoFit/>
-          </a:bodyPr>
-          <a:lstStyle/>
-          <a:p>
-            <a:pPr marL="0" marR="0" lvl="0" indent="0" algn="ctr" defTabSz="914400" rtl="0" eaLnBrk="1" fontAlgn="auto" latinLnBrk="1" hangingPunct="1">
-              <a:lnSpc>
-                <a:spcPct val="100000"/>
-              </a:lnSpc>
-              <a:spcBef>
-                <a:spcPts val="0"/>
-              </a:spcBef>
-              <a:spcAft>
-                <a:spcPts val="0"/>
-              </a:spcAft>
-              <a:buClrTx/>
-              <a:buSzTx/>
-              <a:buFontTx/>
-              <a:buNone/>
-              <a:tabLst/>
-              <a:defRPr/>
-            </a:pPr>
-            <a:r>
-              <a:rPr kumimoji="0" lang="en-US" altLang="ko-KR" sz="1600" b="0" i="0" u="none" strike="noStrike" kern="1200" cap="none" spc="-150" normalizeH="0" baseline="0" noProof="0" dirty="0">
-                <a:ln>
-                  <a:noFill/>
-                </a:ln>
-                <a:solidFill>
-                  <a:prstClr val="black"/>
-                </a:solidFill>
-                <a:effectLst/>
-                <a:uLnTx/>
-                <a:uFillTx/>
-                <a:latin typeface="나눔스퀘어 Bold"/>
-                <a:ea typeface="나눔스퀘어 Bold"/>
-                <a:cs typeface="+mn-cs"/>
-              </a:rPr>
-              <a:t>* </a:t>
-            </a:r>
-            <a:r>
-              <a:rPr kumimoji="0" lang="ko-KR" altLang="en-US" sz="1600" b="0" i="0" u="none" strike="noStrike" kern="1200" cap="none" spc="-150" normalizeH="0" baseline="0" noProof="0" dirty="0">
-                <a:ln>
-                  <a:noFill/>
-                </a:ln>
-                <a:solidFill>
-                  <a:prstClr val="black"/>
-                </a:solidFill>
-                <a:effectLst/>
-                <a:uLnTx/>
-                <a:uFillTx/>
-                <a:latin typeface="나눔스퀘어 Bold"/>
-                <a:ea typeface="나눔스퀘어 Bold"/>
-                <a:cs typeface="+mn-cs"/>
-              </a:rPr>
-              <a:t>거버넌스 </a:t>
-            </a:r>
-            <a:r>
-              <a:rPr kumimoji="0" lang="en-US" altLang="ko-KR" sz="1600" b="0" i="0" u="none" strike="noStrike" kern="1200" cap="none" spc="-150" normalizeH="0" baseline="0" noProof="0" dirty="0">
-                <a:ln>
-                  <a:noFill/>
-                </a:ln>
-                <a:solidFill>
-                  <a:prstClr val="black"/>
-                </a:solidFill>
-                <a:effectLst/>
-                <a:uLnTx/>
-                <a:uFillTx/>
-                <a:latin typeface="나눔스퀘어 Bold"/>
-                <a:ea typeface="나눔스퀘어 Bold"/>
-                <a:cs typeface="+mn-cs"/>
-              </a:rPr>
-              <a:t>: </a:t>
-            </a:r>
-            <a:r>
-              <a:rPr kumimoji="0" lang="ko-KR" altLang="en-US" sz="1600" b="0" i="0" u="none" strike="noStrike" kern="1200" cap="none" spc="-150" normalizeH="0" baseline="0" noProof="0" dirty="0">
-                <a:ln>
-                  <a:noFill/>
-                </a:ln>
-                <a:solidFill>
-                  <a:prstClr val="black"/>
-                </a:solidFill>
-                <a:effectLst/>
-                <a:uLnTx/>
-                <a:uFillTx/>
-                <a:latin typeface="나눔스퀘어 Bold"/>
-                <a:ea typeface="나눔스퀘어 Bold"/>
-                <a:cs typeface="+mn-cs"/>
-              </a:rPr>
-              <a:t>정부</a:t>
-            </a:r>
-            <a:r>
-              <a:rPr kumimoji="0" lang="en-US" altLang="ko-KR" sz="1600" b="0" i="0" u="none" strike="noStrike" kern="1200" cap="none" spc="-150" normalizeH="0" baseline="0" noProof="0" dirty="0">
-                <a:ln>
-                  <a:noFill/>
-                </a:ln>
-                <a:solidFill>
-                  <a:prstClr val="black"/>
-                </a:solidFill>
-                <a:effectLst/>
-                <a:uLnTx/>
-                <a:uFillTx/>
-                <a:latin typeface="나눔스퀘어 Bold"/>
-                <a:ea typeface="나눔스퀘어 Bold"/>
-                <a:cs typeface="+mn-cs"/>
-              </a:rPr>
-              <a:t>, </a:t>
-            </a:r>
-            <a:r>
-              <a:rPr kumimoji="0" lang="ko-KR" altLang="en-US" sz="1600" b="0" i="0" u="none" strike="noStrike" kern="1200" cap="none" spc="-150" normalizeH="0" baseline="0" noProof="0" dirty="0">
-                <a:ln>
-                  <a:noFill/>
-                </a:ln>
-                <a:solidFill>
-                  <a:prstClr val="black"/>
-                </a:solidFill>
-                <a:effectLst/>
-                <a:uLnTx/>
-                <a:uFillTx/>
-                <a:latin typeface="나눔스퀘어 Bold"/>
-                <a:ea typeface="나눔스퀘어 Bold"/>
-                <a:cs typeface="+mn-cs"/>
-              </a:rPr>
-              <a:t>기업 또는 시민사회가 함께 네트워크를 구성하여 사회문제를 해결하는 기제</a:t>
-            </a:r>
-          </a:p>
-        </p:txBody>
-      </p:sp>
-      <p:sp>
-        <p:nvSpPr>
-          <p:cNvPr id="3" name="타원 2">
-            <a:extLst>
-              <a:ext uri="{FF2B5EF4-FFF2-40B4-BE49-F238E27FC236}">
-                <a16:creationId xmlns:a16="http://schemas.microsoft.com/office/drawing/2014/main" id="{D38B74AB-B162-420D-B1BB-241B9A5848E6}"/>
-              </a:ext>
-            </a:extLst>
-          </p:cNvPr>
-          <p:cNvSpPr/>
-          <p:nvPr/>
-        </p:nvSpPr>
-        <p:spPr>
-          <a:xfrm>
-            <a:off x="331262" y="2969338"/>
+            <a:off x="3226862" y="2893138"/>
             <a:ext cx="1756825" cy="1808749"/>
           </a:xfrm>
           <a:prstGeom prst="ellipse">
             <a:avLst/>
           </a:prstGeom>
+          <a:solidFill>
+            <a:srgbClr val="8DBABD"/>
+          </a:solidFill>
+          <a:ln>
+            <a:noFill/>
+          </a:ln>
         </p:spPr>
         <p:style>
           <a:lnRef idx="2">
@@ -5337,15 +5811,15 @@
           <a:p>
             <a:pPr algn="ctr"/>
             <a:r>
-              <a:rPr lang="ko-KR" altLang="en-US" dirty="0"/>
+              <a:rPr lang="ko-KR" altLang="en-US" b="1" dirty="0"/>
               <a:t>민관 협력</a:t>
             </a:r>
-            <a:endParaRPr lang="en-US" altLang="ko-KR" dirty="0"/>
+            <a:endParaRPr lang="en-US" altLang="ko-KR" b="1" dirty="0"/>
           </a:p>
           <a:p>
             <a:pPr algn="ctr"/>
             <a:r>
-              <a:rPr lang="ko-KR" altLang="en-US" dirty="0"/>
+              <a:rPr lang="ko-KR" altLang="en-US" b="1" dirty="0"/>
               <a:t>거버넌스</a:t>
             </a:r>
           </a:p>
@@ -5365,12 +5839,18 @@
         </p:nvSpPr>
         <p:spPr>
           <a:xfrm>
-            <a:off x="2433480" y="2182759"/>
+            <a:off x="5062380" y="2208159"/>
             <a:ext cx="1651826" cy="707922"/>
           </a:xfrm>
           <a:prstGeom prst="roundRect">
             <a:avLst/>
           </a:prstGeom>
+          <a:solidFill>
+            <a:srgbClr val="8DBABD"/>
+          </a:solidFill>
+          <a:ln>
+            <a:noFill/>
+          </a:ln>
         </p:spPr>
         <p:style>
           <a:lnRef idx="2">
@@ -5394,7 +5874,7 @@
           <a:p>
             <a:pPr algn="ctr"/>
             <a:r>
-              <a:rPr lang="ko-KR" altLang="en-US" dirty="0"/>
+              <a:rPr lang="ko-KR" altLang="en-US" b="1" dirty="0"/>
               <a:t>전략적 연계</a:t>
             </a:r>
           </a:p>
@@ -5414,12 +5894,18 @@
         </p:nvSpPr>
         <p:spPr>
           <a:xfrm>
-            <a:off x="2433480" y="3001485"/>
+            <a:off x="5062380" y="3052285"/>
             <a:ext cx="1651826" cy="707922"/>
           </a:xfrm>
           <a:prstGeom prst="roundRect">
             <a:avLst/>
           </a:prstGeom>
+          <a:solidFill>
+            <a:srgbClr val="8DBABD"/>
+          </a:solidFill>
+          <a:ln>
+            <a:noFill/>
+          </a:ln>
         </p:spPr>
         <p:style>
           <a:lnRef idx="2">
@@ -5443,10 +5929,10 @@
           <a:p>
             <a:pPr algn="ctr"/>
             <a:r>
-              <a:rPr lang="ko-KR" altLang="en-US"/>
+              <a:rPr lang="ko-KR" altLang="en-US" b="1"/>
               <a:t>위험관리</a:t>
             </a:r>
-            <a:endParaRPr lang="ko-KR" altLang="en-US" dirty="0"/>
+            <a:endParaRPr lang="ko-KR" altLang="en-US" b="1" dirty="0"/>
           </a:p>
         </p:txBody>
       </p:sp>
@@ -5464,12 +5950,18 @@
         </p:nvSpPr>
         <p:spPr>
           <a:xfrm>
-            <a:off x="2433480" y="3844217"/>
+            <a:off x="5062380" y="3895017"/>
             <a:ext cx="1651826" cy="707922"/>
           </a:xfrm>
           <a:prstGeom prst="roundRect">
             <a:avLst/>
           </a:prstGeom>
+          <a:solidFill>
+            <a:srgbClr val="8DBABD"/>
+          </a:solidFill>
+          <a:ln>
+            <a:noFill/>
+          </a:ln>
         </p:spPr>
         <p:style>
           <a:lnRef idx="2">
@@ -5493,7 +5985,7 @@
           <a:p>
             <a:pPr algn="ctr"/>
             <a:r>
-              <a:rPr lang="ko-KR" altLang="en-US" dirty="0"/>
+              <a:rPr lang="ko-KR" altLang="en-US" b="1" dirty="0"/>
               <a:t>가치제공</a:t>
             </a:r>
           </a:p>
@@ -5513,12 +6005,18 @@
         </p:nvSpPr>
         <p:spPr>
           <a:xfrm>
-            <a:off x="2433480" y="4686949"/>
+            <a:off x="5062380" y="4737749"/>
             <a:ext cx="1651826" cy="707922"/>
           </a:xfrm>
           <a:prstGeom prst="roundRect">
             <a:avLst/>
           </a:prstGeom>
+          <a:solidFill>
+            <a:srgbClr val="8DBABD"/>
+          </a:solidFill>
+          <a:ln>
+            <a:noFill/>
+          </a:ln>
         </p:spPr>
         <p:style>
           <a:lnRef idx="2">
@@ -5542,7 +6040,7 @@
           <a:p>
             <a:pPr algn="ctr"/>
             <a:r>
-              <a:rPr lang="ko-KR" altLang="en-US" dirty="0"/>
+              <a:rPr lang="ko-KR" altLang="en-US" b="1" dirty="0"/>
               <a:t>성과측정</a:t>
             </a:r>
           </a:p>
@@ -5562,7 +6060,7 @@
     <mc:Choice Requires="p14">
       <p:transition/>
     </mc:Choice>
-    <mc:Fallback xmlns="" xmlns:c="http://schemas.openxmlformats.org/drawingml/2006/chart" xmlns:dgm="http://schemas.openxmlformats.org/drawingml/2006/diagram" xmlns:dsp="http://schemas.microsoft.com/office/drawing/2008/diagram">
+    <mc:Fallback xmlns:dsp="http://schemas.microsoft.com/office/drawing/2008/diagram" xmlns:dgm="http://schemas.openxmlformats.org/drawingml/2006/diagram" xmlns:c="http://schemas.openxmlformats.org/drawingml/2006/chart" xmlns="">
       <p:transition/>
     </mc:Fallback>
   </mc:AlternateContent>

--- a/6조_첨가중[신혁].pptx
+++ b/6조_첨가중[신혁].pptx
@@ -2682,7 +2682,7 @@
     <mc:Choice Requires="p14">
       <p:transition/>
     </mc:Choice>
-    <mc:Fallback xmlns:dsp="http://schemas.microsoft.com/office/drawing/2008/diagram" xmlns:dgm="http://schemas.openxmlformats.org/drawingml/2006/diagram" xmlns:c="http://schemas.openxmlformats.org/drawingml/2006/chart" xmlns="">
+    <mc:Fallback xmlns="" xmlns:c="http://schemas.openxmlformats.org/drawingml/2006/chart" xmlns:dgm="http://schemas.openxmlformats.org/drawingml/2006/diagram" xmlns:dsp="http://schemas.microsoft.com/office/drawing/2008/diagram">
       <p:transition/>
     </mc:Fallback>
   </mc:AlternateContent>
@@ -2720,7 +2720,7 @@
         </p:nvSpPr>
         <p:spPr>
           <a:xfrm>
-            <a:off x="7393492" y="2796061"/>
+            <a:off x="7393492" y="2257212"/>
             <a:ext cx="4261400" cy="2750777"/>
           </a:xfrm>
           <a:prstGeom prst="roundRect">
@@ -3391,7 +3391,7 @@
         </p:nvSpPr>
         <p:spPr>
           <a:xfrm>
-            <a:off x="7951382" y="2442239"/>
+            <a:off x="7951382" y="1903390"/>
             <a:ext cx="3151667" cy="830997"/>
           </a:xfrm>
           <a:prstGeom prst="rect">
@@ -3662,27 +3662,8 @@
                   </a:schemeClr>
                 </a:solidFill>
               </a:rPr>
-              <a:t>해상 </a:t>
-            </a:r>
-            <a:r>
-              <a:rPr lang="ko-KR" altLang="en-US" b="1" spc="-300">
-                <a:solidFill>
-                  <a:schemeClr val="tx1">
-                    <a:lumMod val="75000"/>
-                    <a:lumOff val="25000"/>
-                  </a:schemeClr>
-                </a:solidFill>
-              </a:rPr>
-              <a:t>운송료 지원 혜택</a:t>
-            </a:r>
-            <a:endParaRPr lang="ko-KR" altLang="en-US" b="1" spc="-300" dirty="0">
-              <a:solidFill>
-                <a:schemeClr val="tx1">
-                  <a:lumMod val="75000"/>
-                  <a:lumOff val="25000"/>
-                </a:schemeClr>
-              </a:solidFill>
-            </a:endParaRPr>
+              <a:t>해상 운송료 지원 혜택</a:t>
+            </a:r>
           </a:p>
         </p:txBody>
       </p:sp>
@@ -3807,6 +3788,9 @@
             <a:avLst/>
           </a:prstGeom>
           <a:ln w="25400">
+            <a:solidFill>
+              <a:srgbClr val="8DBABD"/>
+            </a:solidFill>
             <a:tailEnd type="triangle"/>
           </a:ln>
         </p:spPr>
@@ -3848,6 +3832,9 @@
             <a:avLst/>
           </a:prstGeom>
           <a:ln w="25400">
+            <a:solidFill>
+              <a:srgbClr val="8DBABD"/>
+            </a:solidFill>
             <a:tailEnd type="triangle"/>
           </a:ln>
         </p:spPr>
@@ -4338,7 +4325,7 @@
                   </a:schemeClr>
                 </a:solidFill>
               </a:rPr>
-              <a:t>글로벌 관광경쟁력 제공</a:t>
+              <a:t>글로벌 관광경쟁력 확보</a:t>
             </a:r>
           </a:p>
         </p:txBody>
@@ -4542,6 +4529,9 @@
             <a:avLst/>
           </a:prstGeom>
           <a:ln w="25400">
+            <a:solidFill>
+              <a:srgbClr val="8DBABD"/>
+            </a:solidFill>
             <a:tailEnd type="triangle"/>
           </a:ln>
         </p:spPr>
@@ -4583,6 +4573,9 @@
             <a:avLst/>
           </a:prstGeom>
           <a:ln w="25400">
+            <a:solidFill>
+              <a:srgbClr val="8DBABD"/>
+            </a:solidFill>
             <a:tailEnd type="triangle"/>
           </a:ln>
         </p:spPr>
@@ -4624,6 +4617,9 @@
             <a:avLst/>
           </a:prstGeom>
           <a:ln w="25400">
+            <a:solidFill>
+              <a:srgbClr val="8DBABD"/>
+            </a:solidFill>
             <a:tailEnd type="triangle"/>
           </a:ln>
         </p:spPr>
@@ -4665,6 +4661,9 @@
             <a:avLst/>
           </a:prstGeom>
           <a:ln w="25400">
+            <a:solidFill>
+              <a:srgbClr val="8DBABD"/>
+            </a:solidFill>
             <a:tailEnd type="triangle"/>
           </a:ln>
         </p:spPr>
@@ -4697,7 +4696,7 @@
         </p:nvSpPr>
         <p:spPr>
           <a:xfrm>
-            <a:off x="7382713" y="3431414"/>
+            <a:off x="7382713" y="2892565"/>
             <a:ext cx="4224902" cy="1938992"/>
           </a:xfrm>
           <a:prstGeom prst="rect">
@@ -4912,6 +4911,105 @@
           </a:p>
         </p:txBody>
       </p:sp>
+      <p:sp>
+        <p:nvSpPr>
+          <p:cNvPr id="13" name="TextBox 12">
+            <a:extLst>
+              <a:ext uri="{FF2B5EF4-FFF2-40B4-BE49-F238E27FC236}">
+                <a16:creationId xmlns:a16="http://schemas.microsoft.com/office/drawing/2014/main" id="{713D3654-E499-4B89-B912-BDC3DFD12C3F}"/>
+              </a:ext>
+            </a:extLst>
+          </p:cNvPr>
+          <p:cNvSpPr txBox="1"/>
+          <p:nvPr/>
+        </p:nvSpPr>
+        <p:spPr>
+          <a:xfrm>
+            <a:off x="7866556" y="5795819"/>
+            <a:ext cx="3365024" cy="400110"/>
+          </a:xfrm>
+          <a:prstGeom prst="rect">
+            <a:avLst/>
+          </a:prstGeom>
+          <a:noFill/>
+        </p:spPr>
+        <p:txBody>
+          <a:bodyPr wrap="none" rtlCol="0">
+            <a:spAutoFit/>
+          </a:bodyPr>
+          <a:lstStyle/>
+          <a:p>
+            <a:pPr algn="ctr"/>
+            <a:r>
+              <a:rPr lang="ko-KR" altLang="en-US" sz="2000" dirty="0"/>
+              <a:t>물가 문제 해결의 계기 마련</a:t>
+            </a:r>
+          </a:p>
+        </p:txBody>
+      </p:sp>
+      <p:sp>
+        <p:nvSpPr>
+          <p:cNvPr id="24" name="화살표: 아래쪽 23">
+            <a:extLst>
+              <a:ext uri="{FF2B5EF4-FFF2-40B4-BE49-F238E27FC236}">
+                <a16:creationId xmlns:a16="http://schemas.microsoft.com/office/drawing/2014/main" id="{C10E10D9-9234-4470-AF4E-10C309922BA3}"/>
+              </a:ext>
+            </a:extLst>
+          </p:cNvPr>
+          <p:cNvSpPr/>
+          <p:nvPr/>
+        </p:nvSpPr>
+        <p:spPr>
+          <a:xfrm>
+            <a:off x="8781143" y="5103556"/>
+            <a:ext cx="1534886" cy="592710"/>
+          </a:xfrm>
+          <a:prstGeom prst="downArrow">
+            <a:avLst/>
+          </a:prstGeom>
+          <a:gradFill>
+            <a:gsLst>
+              <a:gs pos="30000">
+                <a:schemeClr val="accent1">
+                  <a:lumMod val="5000"/>
+                  <a:lumOff val="95000"/>
+                </a:schemeClr>
+              </a:gs>
+              <a:gs pos="100000">
+                <a:srgbClr val="8DBABD"/>
+              </a:gs>
+            </a:gsLst>
+            <a:lin ang="5400000" scaled="1"/>
+          </a:gradFill>
+          <a:ln>
+            <a:noFill/>
+          </a:ln>
+        </p:spPr>
+        <p:style>
+          <a:lnRef idx="2">
+            <a:schemeClr val="accent1">
+              <a:shade val="50000"/>
+            </a:schemeClr>
+          </a:lnRef>
+          <a:fillRef idx="1">
+            <a:schemeClr val="accent1"/>
+          </a:fillRef>
+          <a:effectRef idx="0">
+            <a:schemeClr val="accent1"/>
+          </a:effectRef>
+          <a:fontRef idx="minor">
+            <a:schemeClr val="lt1"/>
+          </a:fontRef>
+        </p:style>
+        <p:txBody>
+          <a:bodyPr rtlCol="0" anchor="ctr"/>
+          <a:lstStyle/>
+          <a:p>
+            <a:pPr algn="ctr"/>
+            <a:endParaRPr lang="ko-KR" altLang="en-US"/>
+          </a:p>
+        </p:txBody>
+      </p:sp>
     </p:spTree>
   </p:cSld>
   <p:clrMapOvr>
@@ -4921,7 +5019,7 @@
     <mc:Choice Requires="p14">
       <p:transition/>
     </mc:Choice>
-    <mc:Fallback xmlns:dsp="http://schemas.microsoft.com/office/drawing/2008/diagram" xmlns:dgm="http://schemas.openxmlformats.org/drawingml/2006/diagram" xmlns:c="http://schemas.openxmlformats.org/drawingml/2006/chart" xmlns="">
+    <mc:Fallback xmlns="" xmlns:c="http://schemas.openxmlformats.org/drawingml/2006/chart" xmlns:dgm="http://schemas.openxmlformats.org/drawingml/2006/diagram" xmlns:dsp="http://schemas.microsoft.com/office/drawing/2008/diagram">
       <p:transition/>
     </mc:Fallback>
   </mc:AlternateContent>
@@ -4959,8 +5057,8 @@
         </p:nvSpPr>
         <p:spPr>
           <a:xfrm>
-            <a:off x="5141039" y="3135281"/>
-            <a:ext cx="6646609" cy="707922"/>
+            <a:off x="3634392" y="3124395"/>
+            <a:ext cx="6494225" cy="707922"/>
           </a:xfrm>
           <a:prstGeom prst="roundRect">
             <a:avLst/>
@@ -5031,8 +5129,8 @@
         </p:nvSpPr>
         <p:spPr>
           <a:xfrm>
-            <a:off x="5141039" y="3973091"/>
-            <a:ext cx="6646609" cy="707922"/>
+            <a:off x="3634393" y="3962205"/>
+            <a:ext cx="6494226" cy="707922"/>
           </a:xfrm>
           <a:prstGeom prst="roundRect">
             <a:avLst/>
@@ -5103,8 +5201,8 @@
         </p:nvSpPr>
         <p:spPr>
           <a:xfrm>
-            <a:off x="5141039" y="4814407"/>
-            <a:ext cx="6646609" cy="707922"/>
+            <a:off x="3634392" y="4803521"/>
+            <a:ext cx="6494225" cy="707922"/>
           </a:xfrm>
           <a:prstGeom prst="roundRect">
             <a:avLst/>
@@ -5195,8 +5293,8 @@
         </p:nvSpPr>
         <p:spPr>
           <a:xfrm>
-            <a:off x="5141039" y="2286819"/>
-            <a:ext cx="6646609" cy="707922"/>
+            <a:off x="3634392" y="2275933"/>
+            <a:ext cx="6494225" cy="707922"/>
           </a:xfrm>
           <a:prstGeom prst="roundRect">
             <a:avLst/>
@@ -5248,7 +5346,7 @@
                   </a:schemeClr>
                 </a:solidFill>
               </a:rPr>
-              <a:t>지역 물가 하락 촉진으로 소비 활성화 기대</a:t>
+              <a:t>지역 물가 하락 촉진으로 소비 활성 목표</a:t>
             </a:r>
           </a:p>
         </p:txBody>
@@ -5468,7 +5566,7 @@
         </p:nvSpPr>
         <p:spPr>
           <a:xfrm flipH="1">
-            <a:off x="4349114" y="2552779"/>
+            <a:off x="2842467" y="2541893"/>
             <a:ext cx="1519040" cy="2580848"/>
           </a:xfrm>
           <a:prstGeom prst="flowChartDelay">
@@ -5776,7 +5874,7 @@
         </p:nvSpPr>
         <p:spPr>
           <a:xfrm>
-            <a:off x="3226862" y="2893138"/>
+            <a:off x="1720215" y="2882252"/>
             <a:ext cx="1756825" cy="1808749"/>
           </a:xfrm>
           <a:prstGeom prst="ellipse">
@@ -5839,7 +5937,7 @@
         </p:nvSpPr>
         <p:spPr>
           <a:xfrm>
-            <a:off x="5062380" y="2208159"/>
+            <a:off x="3555733" y="2197273"/>
             <a:ext cx="1651826" cy="707922"/>
           </a:xfrm>
           <a:prstGeom prst="roundRect">
@@ -5894,7 +5992,7 @@
         </p:nvSpPr>
         <p:spPr>
           <a:xfrm>
-            <a:off x="5062380" y="3052285"/>
+            <a:off x="3555733" y="3041399"/>
             <a:ext cx="1651826" cy="707922"/>
           </a:xfrm>
           <a:prstGeom prst="roundRect">
@@ -5950,7 +6048,7 @@
         </p:nvSpPr>
         <p:spPr>
           <a:xfrm>
-            <a:off x="5062380" y="3895017"/>
+            <a:off x="3555733" y="3884131"/>
             <a:ext cx="1651826" cy="707922"/>
           </a:xfrm>
           <a:prstGeom prst="roundRect">
@@ -6005,7 +6103,7 @@
         </p:nvSpPr>
         <p:spPr>
           <a:xfrm>
-            <a:off x="5062380" y="4737749"/>
+            <a:off x="3555733" y="4726863"/>
             <a:ext cx="1651826" cy="707922"/>
           </a:xfrm>
           <a:prstGeom prst="roundRect">
@@ -6046,6 +6144,78 @@
           </a:p>
         </p:txBody>
       </p:sp>
+      <p:pic>
+        <p:nvPicPr>
+          <p:cNvPr id="21" name="그림 20">
+            <a:extLst>
+              <a:ext uri="{FF2B5EF4-FFF2-40B4-BE49-F238E27FC236}">
+                <a16:creationId xmlns:a16="http://schemas.microsoft.com/office/drawing/2014/main" id="{1F226544-2D92-4B5A-8CE7-FEEA89CECB06}"/>
+              </a:ext>
+            </a:extLst>
+          </p:cNvPr>
+          <p:cNvPicPr>
+            <a:picLocks noChangeAspect="1"/>
+          </p:cNvPicPr>
+          <p:nvPr/>
+        </p:nvPicPr>
+        <p:blipFill>
+          <a:blip r:embed="rId2">
+            <a:extLst>
+              <a:ext uri="{28A0092B-C50C-407E-A947-70E740481C1C}">
+                <a14:useLocalDpi xmlns:a14="http://schemas.microsoft.com/office/drawing/2010/main" val="0"/>
+              </a:ext>
+            </a:extLst>
+          </a:blip>
+          <a:stretch>
+            <a:fillRect/>
+          </a:stretch>
+        </p:blipFill>
+        <p:spPr>
+          <a:xfrm>
+            <a:off x="1912546" y="2634179"/>
+            <a:ext cx="1415661" cy="554863"/>
+          </a:xfrm>
+          <a:prstGeom prst="rect">
+            <a:avLst/>
+          </a:prstGeom>
+        </p:spPr>
+      </p:pic>
+      <p:pic>
+        <p:nvPicPr>
+          <p:cNvPr id="23" name="그림 22">
+            <a:extLst>
+              <a:ext uri="{FF2B5EF4-FFF2-40B4-BE49-F238E27FC236}">
+                <a16:creationId xmlns:a16="http://schemas.microsoft.com/office/drawing/2014/main" id="{47512E36-0A5E-44E9-9983-2985E92D4383}"/>
+              </a:ext>
+            </a:extLst>
+          </p:cNvPr>
+          <p:cNvPicPr>
+            <a:picLocks noChangeAspect="1"/>
+          </p:cNvPicPr>
+          <p:nvPr/>
+        </p:nvPicPr>
+        <p:blipFill>
+          <a:blip r:embed="rId3">
+            <a:extLst>
+              <a:ext uri="{28A0092B-C50C-407E-A947-70E740481C1C}">
+                <a14:useLocalDpi xmlns:a14="http://schemas.microsoft.com/office/drawing/2010/main" val="0"/>
+              </a:ext>
+            </a:extLst>
+          </a:blip>
+          <a:stretch>
+            <a:fillRect/>
+          </a:stretch>
+        </p:blipFill>
+        <p:spPr>
+          <a:xfrm>
+            <a:off x="2277894" y="4276279"/>
+            <a:ext cx="684967" cy="684967"/>
+          </a:xfrm>
+          <a:prstGeom prst="rect">
+            <a:avLst/>
+          </a:prstGeom>
+        </p:spPr>
+      </p:pic>
     </p:spTree>
     <p:extLst>
       <p:ext uri="{BB962C8B-B14F-4D97-AF65-F5344CB8AC3E}">
@@ -6060,7 +6230,7 @@
     <mc:Choice Requires="p14">
       <p:transition/>
     </mc:Choice>
-    <mc:Fallback xmlns:dsp="http://schemas.microsoft.com/office/drawing/2008/diagram" xmlns:dgm="http://schemas.openxmlformats.org/drawingml/2006/diagram" xmlns:c="http://schemas.openxmlformats.org/drawingml/2006/chart" xmlns="">
+    <mc:Fallback xmlns="" xmlns:c="http://schemas.openxmlformats.org/drawingml/2006/chart" xmlns:dgm="http://schemas.openxmlformats.org/drawingml/2006/diagram" xmlns:dsp="http://schemas.microsoft.com/office/drawing/2008/diagram">
       <p:transition/>
     </mc:Fallback>
   </mc:AlternateContent>

--- a/6조_첨가중[신혁].pptx
+++ b/6조_첨가중[신혁].pptx
@@ -2682,7 +2682,7 @@
     <mc:Choice Requires="p14">
       <p:transition/>
     </mc:Choice>
-    <mc:Fallback xmlns="" xmlns:c="http://schemas.openxmlformats.org/drawingml/2006/chart" xmlns:dgm="http://schemas.openxmlformats.org/drawingml/2006/diagram" xmlns:dsp="http://schemas.microsoft.com/office/drawing/2008/diagram">
+    <mc:Fallback xmlns:dsp="http://schemas.microsoft.com/office/drawing/2008/diagram" xmlns:dgm="http://schemas.openxmlformats.org/drawingml/2006/diagram" xmlns:c="http://schemas.openxmlformats.org/drawingml/2006/chart" xmlns="">
       <p:transition/>
     </mc:Fallback>
   </mc:AlternateContent>
@@ -4325,7 +4325,7 @@
                   </a:schemeClr>
                 </a:solidFill>
               </a:rPr>
-              <a:t>글로벌 관광경쟁력 확보</a:t>
+              <a:t>글로벌 관광경쟁력 제공</a:t>
             </a:r>
           </a:p>
         </p:txBody>
@@ -5019,7 +5019,7 @@
     <mc:Choice Requires="p14">
       <p:transition/>
     </mc:Choice>
-    <mc:Fallback xmlns="" xmlns:c="http://schemas.openxmlformats.org/drawingml/2006/chart" xmlns:dgm="http://schemas.openxmlformats.org/drawingml/2006/diagram" xmlns:dsp="http://schemas.microsoft.com/office/drawing/2008/diagram">
+    <mc:Fallback xmlns:dsp="http://schemas.microsoft.com/office/drawing/2008/diagram" xmlns:dgm="http://schemas.openxmlformats.org/drawingml/2006/diagram" xmlns:c="http://schemas.openxmlformats.org/drawingml/2006/chart" xmlns="">
       <p:transition/>
     </mc:Fallback>
   </mc:AlternateContent>
@@ -6230,7 +6230,7 @@
     <mc:Choice Requires="p14">
       <p:transition/>
     </mc:Choice>
-    <mc:Fallback xmlns="" xmlns:c="http://schemas.openxmlformats.org/drawingml/2006/chart" xmlns:dgm="http://schemas.openxmlformats.org/drawingml/2006/diagram" xmlns:dsp="http://schemas.microsoft.com/office/drawing/2008/diagram">
+    <mc:Fallback xmlns:dsp="http://schemas.microsoft.com/office/drawing/2008/diagram" xmlns:dgm="http://schemas.openxmlformats.org/drawingml/2006/diagram" xmlns:c="http://schemas.openxmlformats.org/drawingml/2006/chart" xmlns="">
       <p:transition/>
     </mc:Fallback>
   </mc:AlternateContent>

--- a/6조_첨가중[신혁].pptx
+++ b/6조_첨가중[신혁].pptx
@@ -1218,1461 +1218,1482 @@
           </a:p>
         </p:txBody>
       </p:sp>
-      <p:sp>
-        <p:nvSpPr>
-          <p:cNvPr id="20" name="화살표: 위로 굽음 19">
+      <p:grpSp>
+        <p:nvGrpSpPr>
+          <p:cNvPr id="2" name="그룹 1">
             <a:extLst>
               <a:ext uri="{FF2B5EF4-FFF2-40B4-BE49-F238E27FC236}">
-                <a16:creationId xmlns:a16="http://schemas.microsoft.com/office/drawing/2014/main" id="{D0673641-0635-45B9-80B4-1FAA74276A2A}"/>
+                <a16:creationId xmlns:a16="http://schemas.microsoft.com/office/drawing/2014/main" id="{94655B21-E699-4A8B-A0FC-4223B1D7CCCE}"/>
               </a:ext>
             </a:extLst>
           </p:cNvPr>
-          <p:cNvSpPr/>
-          <p:nvPr/>
-        </p:nvSpPr>
-        <p:spPr>
-          <a:xfrm rot="5400000" flipV="1">
-            <a:off x="4202988" y="3001067"/>
-            <a:ext cx="748725" cy="1678738"/>
-          </a:xfrm>
-          <a:prstGeom prst="bentUpArrow">
-            <a:avLst/>
-          </a:prstGeom>
-          <a:solidFill>
-            <a:schemeClr val="bg1">
-              <a:lumMod val="75000"/>
-            </a:schemeClr>
-          </a:solidFill>
-          <a:ln>
-            <a:noFill/>
-          </a:ln>
-        </p:spPr>
-        <p:style>
-          <a:lnRef idx="2">
-            <a:schemeClr val="accent1">
-              <a:shade val="50000"/>
-            </a:schemeClr>
-          </a:lnRef>
-          <a:fillRef idx="1">
-            <a:schemeClr val="accent1"/>
-          </a:fillRef>
-          <a:effectRef idx="0">
-            <a:schemeClr val="accent1"/>
-          </a:effectRef>
-          <a:fontRef idx="minor">
-            <a:schemeClr val="lt1"/>
-          </a:fontRef>
-        </p:style>
-        <p:txBody>
-          <a:bodyPr rtlCol="0" anchor="ctr"/>
-          <a:lstStyle/>
-          <a:p>
-            <a:pPr algn="ctr"/>
-            <a:endParaRPr lang="ko-KR" altLang="en-US"/>
-          </a:p>
-        </p:txBody>
-      </p:sp>
-      <p:sp>
-        <p:nvSpPr>
-          <p:cNvPr id="21" name="타원 20">
-            <a:extLst>
-              <a:ext uri="{FF2B5EF4-FFF2-40B4-BE49-F238E27FC236}">
-                <a16:creationId xmlns:a16="http://schemas.microsoft.com/office/drawing/2014/main" id="{077EFCA6-83EE-4788-BA86-D64BB8F982E5}"/>
-              </a:ext>
-            </a:extLst>
-          </p:cNvPr>
-          <p:cNvSpPr/>
-          <p:nvPr/>
-        </p:nvSpPr>
-        <p:spPr>
+          <p:cNvGrpSpPr/>
+          <p:nvPr/>
+        </p:nvGrpSpPr>
+        <p:grpSpPr>
           <a:xfrm>
-            <a:off x="797995" y="2074551"/>
-            <a:ext cx="1084120" cy="1067829"/>
-          </a:xfrm>
-          <a:prstGeom prst="ellipse">
-            <a:avLst/>
-          </a:prstGeom>
-          <a:solidFill>
-            <a:schemeClr val="bg1">
-              <a:lumMod val="75000"/>
-            </a:schemeClr>
-          </a:solidFill>
-          <a:ln>
-            <a:noFill/>
-          </a:ln>
-        </p:spPr>
-        <p:style>
-          <a:lnRef idx="2">
-            <a:schemeClr val="accent1">
-              <a:shade val="50000"/>
-            </a:schemeClr>
-          </a:lnRef>
-          <a:fillRef idx="1">
-            <a:schemeClr val="accent1"/>
-          </a:fillRef>
-          <a:effectRef idx="0">
-            <a:schemeClr val="accent1"/>
-          </a:effectRef>
-          <a:fontRef idx="minor">
-            <a:schemeClr val="lt1"/>
-          </a:fontRef>
-        </p:style>
-        <p:txBody>
-          <a:bodyPr rtlCol="0" anchor="ctr"/>
-          <a:lstStyle/>
-          <a:p>
-            <a:pPr algn="ctr"/>
-            <a:endParaRPr lang="ko-KR" altLang="en-US"/>
-          </a:p>
-        </p:txBody>
-      </p:sp>
-      <p:sp>
-        <p:nvSpPr>
-          <p:cNvPr id="22" name="타원 21">
-            <a:extLst>
-              <a:ext uri="{FF2B5EF4-FFF2-40B4-BE49-F238E27FC236}">
-                <a16:creationId xmlns:a16="http://schemas.microsoft.com/office/drawing/2014/main" id="{32F22974-0375-4584-B358-83F2E5FEEA27}"/>
-              </a:ext>
-            </a:extLst>
-          </p:cNvPr>
-          <p:cNvSpPr/>
-          <p:nvPr/>
-        </p:nvSpPr>
-        <p:spPr>
-          <a:xfrm>
-            <a:off x="2252184" y="2074551"/>
-            <a:ext cx="1084120" cy="1067829"/>
-          </a:xfrm>
-          <a:prstGeom prst="ellipse">
-            <a:avLst/>
-          </a:prstGeom>
-          <a:solidFill>
-            <a:schemeClr val="bg1">
-              <a:lumMod val="75000"/>
-            </a:schemeClr>
-          </a:solidFill>
-          <a:ln>
-            <a:noFill/>
-          </a:ln>
-        </p:spPr>
-        <p:style>
-          <a:lnRef idx="2">
-            <a:schemeClr val="accent1">
-              <a:shade val="50000"/>
-            </a:schemeClr>
-          </a:lnRef>
-          <a:fillRef idx="1">
-            <a:schemeClr val="accent1"/>
-          </a:fillRef>
-          <a:effectRef idx="0">
-            <a:schemeClr val="accent1"/>
-          </a:effectRef>
-          <a:fontRef idx="minor">
-            <a:schemeClr val="lt1"/>
-          </a:fontRef>
-        </p:style>
-        <p:txBody>
-          <a:bodyPr rtlCol="0" anchor="ctr"/>
-          <a:lstStyle/>
-          <a:p>
-            <a:pPr algn="ctr"/>
-            <a:endParaRPr lang="ko-KR" altLang="en-US"/>
-          </a:p>
-        </p:txBody>
-      </p:sp>
-      <p:sp>
-        <p:nvSpPr>
-          <p:cNvPr id="23" name="타원 22">
-            <a:extLst>
-              <a:ext uri="{FF2B5EF4-FFF2-40B4-BE49-F238E27FC236}">
-                <a16:creationId xmlns:a16="http://schemas.microsoft.com/office/drawing/2014/main" id="{C1732E6A-8804-4D6F-B5C5-3C8DCA3F5081}"/>
-              </a:ext>
-            </a:extLst>
-          </p:cNvPr>
-          <p:cNvSpPr/>
-          <p:nvPr/>
-        </p:nvSpPr>
-        <p:spPr>
-          <a:xfrm>
-            <a:off x="3737982" y="2074551"/>
-            <a:ext cx="1084120" cy="1067829"/>
-          </a:xfrm>
-          <a:prstGeom prst="ellipse">
-            <a:avLst/>
-          </a:prstGeom>
-          <a:solidFill>
-            <a:schemeClr val="bg1">
-              <a:lumMod val="75000"/>
-            </a:schemeClr>
-          </a:solidFill>
-          <a:ln>
-            <a:noFill/>
-          </a:ln>
-        </p:spPr>
-        <p:style>
-          <a:lnRef idx="2">
-            <a:schemeClr val="accent1">
-              <a:shade val="50000"/>
-            </a:schemeClr>
-          </a:lnRef>
-          <a:fillRef idx="1">
-            <a:schemeClr val="accent1"/>
-          </a:fillRef>
-          <a:effectRef idx="0">
-            <a:schemeClr val="accent1"/>
-          </a:effectRef>
-          <a:fontRef idx="minor">
-            <a:schemeClr val="lt1"/>
-          </a:fontRef>
-        </p:style>
-        <p:txBody>
-          <a:bodyPr rtlCol="0" anchor="ctr"/>
-          <a:lstStyle/>
-          <a:p>
-            <a:pPr algn="ctr"/>
-            <a:endParaRPr lang="ko-KR" altLang="en-US"/>
-          </a:p>
-        </p:txBody>
-      </p:sp>
-      <p:sp>
-        <p:nvSpPr>
-          <p:cNvPr id="24" name="타원 23">
-            <a:extLst>
-              <a:ext uri="{FF2B5EF4-FFF2-40B4-BE49-F238E27FC236}">
-                <a16:creationId xmlns:a16="http://schemas.microsoft.com/office/drawing/2014/main" id="{C1090E5E-E0DB-400C-AAC8-D33977129302}"/>
-              </a:ext>
-            </a:extLst>
-          </p:cNvPr>
-          <p:cNvSpPr/>
-          <p:nvPr/>
-        </p:nvSpPr>
-        <p:spPr>
-          <a:xfrm>
-            <a:off x="5253369" y="2074551"/>
-            <a:ext cx="1084120" cy="1067829"/>
-          </a:xfrm>
-          <a:prstGeom prst="ellipse">
-            <a:avLst/>
-          </a:prstGeom>
-          <a:solidFill>
-            <a:schemeClr val="bg1">
-              <a:lumMod val="75000"/>
-            </a:schemeClr>
-          </a:solidFill>
-          <a:ln>
-            <a:noFill/>
-          </a:ln>
-        </p:spPr>
-        <p:style>
-          <a:lnRef idx="2">
-            <a:schemeClr val="accent1">
-              <a:shade val="50000"/>
-            </a:schemeClr>
-          </a:lnRef>
-          <a:fillRef idx="1">
-            <a:schemeClr val="accent1"/>
-          </a:fillRef>
-          <a:effectRef idx="0">
-            <a:schemeClr val="accent1"/>
-          </a:effectRef>
-          <a:fontRef idx="minor">
-            <a:schemeClr val="lt1"/>
-          </a:fontRef>
-        </p:style>
-        <p:txBody>
-          <a:bodyPr rtlCol="0" anchor="ctr"/>
-          <a:lstStyle/>
-          <a:p>
-            <a:pPr algn="ctr"/>
-            <a:endParaRPr lang="ko-KR" altLang="en-US"/>
-          </a:p>
-        </p:txBody>
-      </p:sp>
-      <p:sp>
-        <p:nvSpPr>
-          <p:cNvPr id="25" name="타원 24">
-            <a:extLst>
-              <a:ext uri="{FF2B5EF4-FFF2-40B4-BE49-F238E27FC236}">
-                <a16:creationId xmlns:a16="http://schemas.microsoft.com/office/drawing/2014/main" id="{A59DF92B-890F-4C56-BF03-7FB88598A4E0}"/>
-              </a:ext>
-            </a:extLst>
-          </p:cNvPr>
-          <p:cNvSpPr/>
-          <p:nvPr/>
-        </p:nvSpPr>
-        <p:spPr>
-          <a:xfrm>
-            <a:off x="4562900" y="5041712"/>
-            <a:ext cx="1084120" cy="1067829"/>
-          </a:xfrm>
-          <a:prstGeom prst="ellipse">
-            <a:avLst/>
-          </a:prstGeom>
-          <a:solidFill>
-            <a:schemeClr val="bg1">
-              <a:lumMod val="75000"/>
-            </a:schemeClr>
-          </a:solidFill>
-          <a:ln>
-            <a:noFill/>
-          </a:ln>
-        </p:spPr>
-        <p:style>
-          <a:lnRef idx="2">
-            <a:schemeClr val="accent1">
-              <a:shade val="50000"/>
-            </a:schemeClr>
-          </a:lnRef>
-          <a:fillRef idx="1">
-            <a:schemeClr val="accent1"/>
-          </a:fillRef>
-          <a:effectRef idx="0">
-            <a:schemeClr val="accent1"/>
-          </a:effectRef>
-          <a:fontRef idx="minor">
-            <a:schemeClr val="lt1"/>
-          </a:fontRef>
-        </p:style>
-        <p:txBody>
-          <a:bodyPr rtlCol="0" anchor="ctr"/>
-          <a:lstStyle/>
-          <a:p>
-            <a:pPr algn="ctr"/>
-            <a:endParaRPr lang="ko-KR" altLang="en-US"/>
-          </a:p>
-        </p:txBody>
-      </p:sp>
-      <p:sp>
-        <p:nvSpPr>
-          <p:cNvPr id="26" name="타원 25">
-            <a:extLst>
-              <a:ext uri="{FF2B5EF4-FFF2-40B4-BE49-F238E27FC236}">
-                <a16:creationId xmlns:a16="http://schemas.microsoft.com/office/drawing/2014/main" id="{0AFBB939-B481-42AE-B7F9-215421E6AF6B}"/>
-              </a:ext>
-            </a:extLst>
-          </p:cNvPr>
-          <p:cNvSpPr/>
-          <p:nvPr/>
-        </p:nvSpPr>
-        <p:spPr>
-          <a:xfrm>
-            <a:off x="1241974" y="5022874"/>
-            <a:ext cx="1084120" cy="1067829"/>
-          </a:xfrm>
-          <a:prstGeom prst="ellipse">
-            <a:avLst/>
-          </a:prstGeom>
-          <a:solidFill>
-            <a:schemeClr val="bg1">
-              <a:lumMod val="75000"/>
-            </a:schemeClr>
-          </a:solidFill>
-          <a:ln>
-            <a:noFill/>
-          </a:ln>
-        </p:spPr>
-        <p:style>
-          <a:lnRef idx="2">
-            <a:schemeClr val="accent1">
-              <a:shade val="50000"/>
-            </a:schemeClr>
-          </a:lnRef>
-          <a:fillRef idx="1">
-            <a:schemeClr val="accent1"/>
-          </a:fillRef>
-          <a:effectRef idx="0">
-            <a:schemeClr val="accent1"/>
-          </a:effectRef>
-          <a:fontRef idx="minor">
-            <a:schemeClr val="lt1"/>
-          </a:fontRef>
-        </p:style>
-        <p:txBody>
-          <a:bodyPr rtlCol="0" anchor="ctr"/>
-          <a:lstStyle/>
-          <a:p>
-            <a:pPr algn="ctr"/>
-            <a:endParaRPr lang="ko-KR" altLang="en-US"/>
-          </a:p>
-        </p:txBody>
-      </p:sp>
-      <p:sp>
-        <p:nvSpPr>
-          <p:cNvPr id="27" name="타원 26">
-            <a:extLst>
-              <a:ext uri="{FF2B5EF4-FFF2-40B4-BE49-F238E27FC236}">
-                <a16:creationId xmlns:a16="http://schemas.microsoft.com/office/drawing/2014/main" id="{71DD08E3-A249-47C1-A318-A3B6C60998DA}"/>
-              </a:ext>
-            </a:extLst>
-          </p:cNvPr>
-          <p:cNvSpPr/>
-          <p:nvPr/>
-        </p:nvSpPr>
-        <p:spPr>
-          <a:xfrm>
-            <a:off x="2909180" y="5041712"/>
-            <a:ext cx="1084120" cy="1067829"/>
-          </a:xfrm>
-          <a:prstGeom prst="ellipse">
-            <a:avLst/>
-          </a:prstGeom>
-          <a:solidFill>
-            <a:schemeClr val="bg1">
-              <a:lumMod val="75000"/>
-            </a:schemeClr>
-          </a:solidFill>
-          <a:ln>
-            <a:noFill/>
-          </a:ln>
-        </p:spPr>
-        <p:style>
-          <a:lnRef idx="2">
-            <a:schemeClr val="accent1">
-              <a:shade val="50000"/>
-            </a:schemeClr>
-          </a:lnRef>
-          <a:fillRef idx="1">
-            <a:schemeClr val="accent1"/>
-          </a:fillRef>
-          <a:effectRef idx="0">
-            <a:schemeClr val="accent1"/>
-          </a:effectRef>
-          <a:fontRef idx="minor">
-            <a:schemeClr val="lt1"/>
-          </a:fontRef>
-        </p:style>
-        <p:txBody>
-          <a:bodyPr rtlCol="0" anchor="ctr"/>
-          <a:lstStyle/>
-          <a:p>
-            <a:pPr algn="ctr"/>
-            <a:endParaRPr lang="ko-KR" altLang="en-US"/>
-          </a:p>
-        </p:txBody>
-      </p:sp>
-      <p:sp>
-        <p:nvSpPr>
-          <p:cNvPr id="28" name="사각형: 둥근 모서리 27">
-            <a:extLst>
-              <a:ext uri="{FF2B5EF4-FFF2-40B4-BE49-F238E27FC236}">
-                <a16:creationId xmlns:a16="http://schemas.microsoft.com/office/drawing/2014/main" id="{DF55A55A-245F-4C65-A1B2-CBCACC88FECF}"/>
-              </a:ext>
-            </a:extLst>
-          </p:cNvPr>
-          <p:cNvSpPr/>
-          <p:nvPr/>
-        </p:nvSpPr>
-        <p:spPr>
-          <a:xfrm>
-            <a:off x="681473" y="1844648"/>
-            <a:ext cx="5739776" cy="1510812"/>
-          </a:xfrm>
-          <a:prstGeom prst="roundRect">
-            <a:avLst/>
-          </a:prstGeom>
-          <a:noFill/>
-          <a:ln w="12700">
+            <a:off x="681473" y="1611085"/>
+            <a:ext cx="6166216" cy="4586366"/>
+            <a:chOff x="681473" y="1611085"/>
+            <a:chExt cx="6166216" cy="4586366"/>
+          </a:xfrm>
+        </p:grpSpPr>
+        <p:sp>
+          <p:nvSpPr>
+            <p:cNvPr id="20" name="화살표: 위로 굽음 19">
+              <a:extLst>
+                <a:ext uri="{FF2B5EF4-FFF2-40B4-BE49-F238E27FC236}">
+                  <a16:creationId xmlns:a16="http://schemas.microsoft.com/office/drawing/2014/main" id="{D0673641-0635-45B9-80B4-1FAA74276A2A}"/>
+                </a:ext>
+              </a:extLst>
+            </p:cNvPr>
+            <p:cNvSpPr/>
+            <p:nvPr/>
+          </p:nvSpPr>
+          <p:spPr>
+            <a:xfrm rot="5400000" flipV="1">
+              <a:off x="4202988" y="3001067"/>
+              <a:ext cx="748725" cy="1678738"/>
+            </a:xfrm>
+            <a:prstGeom prst="bentUpArrow">
+              <a:avLst/>
+            </a:prstGeom>
             <a:solidFill>
-              <a:schemeClr val="tx1">
-                <a:lumMod val="50000"/>
-                <a:lumOff val="50000"/>
+              <a:schemeClr val="bg1">
+                <a:lumMod val="75000"/>
               </a:schemeClr>
             </a:solidFill>
-          </a:ln>
-        </p:spPr>
-        <p:style>
-          <a:lnRef idx="2">
-            <a:schemeClr val="accent1">
-              <a:shade val="50000"/>
-            </a:schemeClr>
-          </a:lnRef>
-          <a:fillRef idx="1">
-            <a:schemeClr val="accent1"/>
-          </a:fillRef>
-          <a:effectRef idx="0">
-            <a:schemeClr val="accent1"/>
-          </a:effectRef>
-          <a:fontRef idx="minor">
-            <a:schemeClr val="lt1"/>
-          </a:fontRef>
-        </p:style>
-        <p:txBody>
-          <a:bodyPr rtlCol="0" anchor="ctr"/>
-          <a:lstStyle/>
-          <a:p>
-            <a:pPr algn="ctr"/>
-            <a:endParaRPr lang="ko-KR" altLang="en-US"/>
-          </a:p>
-        </p:txBody>
-      </p:sp>
-      <p:sp>
-        <p:nvSpPr>
-          <p:cNvPr id="29" name="TextBox 28">
-            <a:extLst>
-              <a:ext uri="{FF2B5EF4-FFF2-40B4-BE49-F238E27FC236}">
-                <a16:creationId xmlns:a16="http://schemas.microsoft.com/office/drawing/2014/main" id="{88D0B779-7EC9-4243-A759-64EA68BEE1FD}"/>
-              </a:ext>
-            </a:extLst>
-          </p:cNvPr>
-          <p:cNvSpPr txBox="1"/>
-          <p:nvPr/>
-        </p:nvSpPr>
-        <p:spPr>
-          <a:xfrm>
-            <a:off x="2900277" y="1611085"/>
-            <a:ext cx="1293931" cy="400110"/>
-          </a:xfrm>
-          <a:prstGeom prst="rect">
-            <a:avLst/>
-          </a:prstGeom>
-          <a:solidFill>
-            <a:schemeClr val="bg1"/>
-          </a:solidFill>
-        </p:spPr>
-        <p:txBody>
-          <a:bodyPr wrap="square" rtlCol="0">
-            <a:spAutoFit/>
-          </a:bodyPr>
-          <a:lstStyle/>
-          <a:p>
-            <a:pPr algn="ctr"/>
-            <a:r>
-              <a:rPr lang="ko-KR" altLang="en-US" sz="2000" dirty="0">
-                <a:solidFill>
-                  <a:schemeClr val="tx1">
-                    <a:lumMod val="50000"/>
-                    <a:lumOff val="50000"/>
-                  </a:schemeClr>
-                </a:solidFill>
-                <a:latin typeface="나눔스퀘어 ExtraBold" panose="020B0600000101010101" pitchFamily="50" charset="-127"/>
-                <a:ea typeface="나눔스퀘어 ExtraBold" panose="020B0600000101010101" pitchFamily="50" charset="-127"/>
-              </a:rPr>
-              <a:t>내륙지역</a:t>
-            </a:r>
-          </a:p>
-        </p:txBody>
-      </p:sp>
-      <p:sp>
-        <p:nvSpPr>
-          <p:cNvPr id="30" name="사각형: 둥근 모서리 29">
-            <a:extLst>
-              <a:ext uri="{FF2B5EF4-FFF2-40B4-BE49-F238E27FC236}">
-                <a16:creationId xmlns:a16="http://schemas.microsoft.com/office/drawing/2014/main" id="{24579A7D-FD4D-4A56-9500-DEFC3ECE2075}"/>
-              </a:ext>
-            </a:extLst>
-          </p:cNvPr>
-          <p:cNvSpPr/>
-          <p:nvPr/>
-        </p:nvSpPr>
-        <p:spPr>
-          <a:xfrm>
-            <a:off x="1092522" y="4848132"/>
-            <a:ext cx="4796701" cy="1349319"/>
-          </a:xfrm>
-          <a:prstGeom prst="roundRect">
-            <a:avLst/>
-          </a:prstGeom>
-          <a:noFill/>
-          <a:ln w="12700">
+            <a:ln>
+              <a:noFill/>
+            </a:ln>
+          </p:spPr>
+          <p:style>
+            <a:lnRef idx="2">
+              <a:schemeClr val="accent1">
+                <a:shade val="50000"/>
+              </a:schemeClr>
+            </a:lnRef>
+            <a:fillRef idx="1">
+              <a:schemeClr val="accent1"/>
+            </a:fillRef>
+            <a:effectRef idx="0">
+              <a:schemeClr val="accent1"/>
+            </a:effectRef>
+            <a:fontRef idx="minor">
+              <a:schemeClr val="lt1"/>
+            </a:fontRef>
+          </p:style>
+          <p:txBody>
+            <a:bodyPr rtlCol="0" anchor="ctr"/>
+            <a:lstStyle/>
+            <a:p>
+              <a:pPr algn="ctr"/>
+              <a:endParaRPr lang="ko-KR" altLang="en-US"/>
+            </a:p>
+          </p:txBody>
+        </p:sp>
+        <p:sp>
+          <p:nvSpPr>
+            <p:cNvPr id="21" name="타원 20">
+              <a:extLst>
+                <a:ext uri="{FF2B5EF4-FFF2-40B4-BE49-F238E27FC236}">
+                  <a16:creationId xmlns:a16="http://schemas.microsoft.com/office/drawing/2014/main" id="{077EFCA6-83EE-4788-BA86-D64BB8F982E5}"/>
+                </a:ext>
+              </a:extLst>
+            </p:cNvPr>
+            <p:cNvSpPr/>
+            <p:nvPr/>
+          </p:nvSpPr>
+          <p:spPr>
+            <a:xfrm>
+              <a:off x="797995" y="2074551"/>
+              <a:ext cx="1084120" cy="1067829"/>
+            </a:xfrm>
+            <a:prstGeom prst="ellipse">
+              <a:avLst/>
+            </a:prstGeom>
             <a:solidFill>
-              <a:schemeClr val="tx1">
-                <a:lumMod val="50000"/>
-                <a:lumOff val="50000"/>
+              <a:schemeClr val="bg1">
+                <a:lumMod val="75000"/>
               </a:schemeClr>
             </a:solidFill>
-          </a:ln>
-        </p:spPr>
-        <p:style>
-          <a:lnRef idx="2">
-            <a:schemeClr val="accent1">
-              <a:shade val="50000"/>
-            </a:schemeClr>
-          </a:lnRef>
-          <a:fillRef idx="1">
-            <a:schemeClr val="accent1"/>
-          </a:fillRef>
-          <a:effectRef idx="0">
-            <a:schemeClr val="accent1"/>
-          </a:effectRef>
-          <a:fontRef idx="minor">
-            <a:schemeClr val="lt1"/>
-          </a:fontRef>
-        </p:style>
-        <p:txBody>
-          <a:bodyPr rtlCol="0" anchor="ctr"/>
-          <a:lstStyle/>
-          <a:p>
-            <a:pPr algn="ctr"/>
-            <a:endParaRPr lang="ko-KR" altLang="en-US"/>
-          </a:p>
-        </p:txBody>
-      </p:sp>
-      <p:sp>
-        <p:nvSpPr>
-          <p:cNvPr id="31" name="TextBox 30">
-            <a:extLst>
-              <a:ext uri="{FF2B5EF4-FFF2-40B4-BE49-F238E27FC236}">
-                <a16:creationId xmlns:a16="http://schemas.microsoft.com/office/drawing/2014/main" id="{2494F4AD-3E48-452D-8F60-A26DAB54F04A}"/>
-              </a:ext>
-            </a:extLst>
-          </p:cNvPr>
-          <p:cNvSpPr txBox="1"/>
-          <p:nvPr/>
-        </p:nvSpPr>
-        <p:spPr>
-          <a:xfrm>
-            <a:off x="2964337" y="4626766"/>
-            <a:ext cx="1045563" cy="400110"/>
-          </a:xfrm>
-          <a:prstGeom prst="rect">
-            <a:avLst/>
-          </a:prstGeom>
-          <a:solidFill>
-            <a:schemeClr val="bg1"/>
-          </a:solidFill>
-        </p:spPr>
-        <p:txBody>
-          <a:bodyPr wrap="square" rtlCol="0">
-            <a:spAutoFit/>
-          </a:bodyPr>
-          <a:lstStyle/>
-          <a:p>
-            <a:pPr algn="ctr"/>
-            <a:r>
-              <a:rPr lang="ko-KR" altLang="en-US" sz="2000" b="1" dirty="0">
-                <a:solidFill>
-                  <a:schemeClr val="tx1">
-                    <a:lumMod val="50000"/>
-                    <a:lumOff val="50000"/>
+            <a:ln>
+              <a:noFill/>
+            </a:ln>
+          </p:spPr>
+          <p:style>
+            <a:lnRef idx="2">
+              <a:schemeClr val="accent1">
+                <a:shade val="50000"/>
+              </a:schemeClr>
+            </a:lnRef>
+            <a:fillRef idx="1">
+              <a:schemeClr val="accent1"/>
+            </a:fillRef>
+            <a:effectRef idx="0">
+              <a:schemeClr val="accent1"/>
+            </a:effectRef>
+            <a:fontRef idx="minor">
+              <a:schemeClr val="lt1"/>
+            </a:fontRef>
+          </p:style>
+          <p:txBody>
+            <a:bodyPr rtlCol="0" anchor="ctr"/>
+            <a:lstStyle/>
+            <a:p>
+              <a:pPr algn="ctr"/>
+              <a:endParaRPr lang="ko-KR" altLang="en-US"/>
+            </a:p>
+          </p:txBody>
+        </p:sp>
+        <p:sp>
+          <p:nvSpPr>
+            <p:cNvPr id="22" name="타원 21">
+              <a:extLst>
+                <a:ext uri="{FF2B5EF4-FFF2-40B4-BE49-F238E27FC236}">
+                  <a16:creationId xmlns:a16="http://schemas.microsoft.com/office/drawing/2014/main" id="{32F22974-0375-4584-B358-83F2E5FEEA27}"/>
+                </a:ext>
+              </a:extLst>
+            </p:cNvPr>
+            <p:cNvSpPr/>
+            <p:nvPr/>
+          </p:nvSpPr>
+          <p:spPr>
+            <a:xfrm>
+              <a:off x="2252184" y="2074551"/>
+              <a:ext cx="1084120" cy="1067829"/>
+            </a:xfrm>
+            <a:prstGeom prst="ellipse">
+              <a:avLst/>
+            </a:prstGeom>
+            <a:solidFill>
+              <a:schemeClr val="bg1">
+                <a:lumMod val="75000"/>
+              </a:schemeClr>
+            </a:solidFill>
+            <a:ln>
+              <a:noFill/>
+            </a:ln>
+          </p:spPr>
+          <p:style>
+            <a:lnRef idx="2">
+              <a:schemeClr val="accent1">
+                <a:shade val="50000"/>
+              </a:schemeClr>
+            </a:lnRef>
+            <a:fillRef idx="1">
+              <a:schemeClr val="accent1"/>
+            </a:fillRef>
+            <a:effectRef idx="0">
+              <a:schemeClr val="accent1"/>
+            </a:effectRef>
+            <a:fontRef idx="minor">
+              <a:schemeClr val="lt1"/>
+            </a:fontRef>
+          </p:style>
+          <p:txBody>
+            <a:bodyPr rtlCol="0" anchor="ctr"/>
+            <a:lstStyle/>
+            <a:p>
+              <a:pPr algn="ctr"/>
+              <a:endParaRPr lang="ko-KR" altLang="en-US"/>
+            </a:p>
+          </p:txBody>
+        </p:sp>
+        <p:sp>
+          <p:nvSpPr>
+            <p:cNvPr id="23" name="타원 22">
+              <a:extLst>
+                <a:ext uri="{FF2B5EF4-FFF2-40B4-BE49-F238E27FC236}">
+                  <a16:creationId xmlns:a16="http://schemas.microsoft.com/office/drawing/2014/main" id="{C1732E6A-8804-4D6F-B5C5-3C8DCA3F5081}"/>
+                </a:ext>
+              </a:extLst>
+            </p:cNvPr>
+            <p:cNvSpPr/>
+            <p:nvPr/>
+          </p:nvSpPr>
+          <p:spPr>
+            <a:xfrm>
+              <a:off x="3737982" y="2074551"/>
+              <a:ext cx="1084120" cy="1067829"/>
+            </a:xfrm>
+            <a:prstGeom prst="ellipse">
+              <a:avLst/>
+            </a:prstGeom>
+            <a:solidFill>
+              <a:schemeClr val="bg1">
+                <a:lumMod val="75000"/>
+              </a:schemeClr>
+            </a:solidFill>
+            <a:ln>
+              <a:noFill/>
+            </a:ln>
+          </p:spPr>
+          <p:style>
+            <a:lnRef idx="2">
+              <a:schemeClr val="accent1">
+                <a:shade val="50000"/>
+              </a:schemeClr>
+            </a:lnRef>
+            <a:fillRef idx="1">
+              <a:schemeClr val="accent1"/>
+            </a:fillRef>
+            <a:effectRef idx="0">
+              <a:schemeClr val="accent1"/>
+            </a:effectRef>
+            <a:fontRef idx="minor">
+              <a:schemeClr val="lt1"/>
+            </a:fontRef>
+          </p:style>
+          <p:txBody>
+            <a:bodyPr rtlCol="0" anchor="ctr"/>
+            <a:lstStyle/>
+            <a:p>
+              <a:pPr algn="ctr"/>
+              <a:endParaRPr lang="ko-KR" altLang="en-US"/>
+            </a:p>
+          </p:txBody>
+        </p:sp>
+        <p:sp>
+          <p:nvSpPr>
+            <p:cNvPr id="24" name="타원 23">
+              <a:extLst>
+                <a:ext uri="{FF2B5EF4-FFF2-40B4-BE49-F238E27FC236}">
+                  <a16:creationId xmlns:a16="http://schemas.microsoft.com/office/drawing/2014/main" id="{C1090E5E-E0DB-400C-AAC8-D33977129302}"/>
+                </a:ext>
+              </a:extLst>
+            </p:cNvPr>
+            <p:cNvSpPr/>
+            <p:nvPr/>
+          </p:nvSpPr>
+          <p:spPr>
+            <a:xfrm>
+              <a:off x="5253369" y="2074551"/>
+              <a:ext cx="1084120" cy="1067829"/>
+            </a:xfrm>
+            <a:prstGeom prst="ellipse">
+              <a:avLst/>
+            </a:prstGeom>
+            <a:solidFill>
+              <a:schemeClr val="bg1">
+                <a:lumMod val="75000"/>
+              </a:schemeClr>
+            </a:solidFill>
+            <a:ln>
+              <a:noFill/>
+            </a:ln>
+          </p:spPr>
+          <p:style>
+            <a:lnRef idx="2">
+              <a:schemeClr val="accent1">
+                <a:shade val="50000"/>
+              </a:schemeClr>
+            </a:lnRef>
+            <a:fillRef idx="1">
+              <a:schemeClr val="accent1"/>
+            </a:fillRef>
+            <a:effectRef idx="0">
+              <a:schemeClr val="accent1"/>
+            </a:effectRef>
+            <a:fontRef idx="minor">
+              <a:schemeClr val="lt1"/>
+            </a:fontRef>
+          </p:style>
+          <p:txBody>
+            <a:bodyPr rtlCol="0" anchor="ctr"/>
+            <a:lstStyle/>
+            <a:p>
+              <a:pPr algn="ctr"/>
+              <a:endParaRPr lang="ko-KR" altLang="en-US"/>
+            </a:p>
+          </p:txBody>
+        </p:sp>
+        <p:sp>
+          <p:nvSpPr>
+            <p:cNvPr id="25" name="타원 24">
+              <a:extLst>
+                <a:ext uri="{FF2B5EF4-FFF2-40B4-BE49-F238E27FC236}">
+                  <a16:creationId xmlns:a16="http://schemas.microsoft.com/office/drawing/2014/main" id="{A59DF92B-890F-4C56-BF03-7FB88598A4E0}"/>
+                </a:ext>
+              </a:extLst>
+            </p:cNvPr>
+            <p:cNvSpPr/>
+            <p:nvPr/>
+          </p:nvSpPr>
+          <p:spPr>
+            <a:xfrm>
+              <a:off x="4562900" y="5041712"/>
+              <a:ext cx="1084120" cy="1067829"/>
+            </a:xfrm>
+            <a:prstGeom prst="ellipse">
+              <a:avLst/>
+            </a:prstGeom>
+            <a:solidFill>
+              <a:schemeClr val="bg1">
+                <a:lumMod val="75000"/>
+              </a:schemeClr>
+            </a:solidFill>
+            <a:ln>
+              <a:noFill/>
+            </a:ln>
+          </p:spPr>
+          <p:style>
+            <a:lnRef idx="2">
+              <a:schemeClr val="accent1">
+                <a:shade val="50000"/>
+              </a:schemeClr>
+            </a:lnRef>
+            <a:fillRef idx="1">
+              <a:schemeClr val="accent1"/>
+            </a:fillRef>
+            <a:effectRef idx="0">
+              <a:schemeClr val="accent1"/>
+            </a:effectRef>
+            <a:fontRef idx="minor">
+              <a:schemeClr val="lt1"/>
+            </a:fontRef>
+          </p:style>
+          <p:txBody>
+            <a:bodyPr rtlCol="0" anchor="ctr"/>
+            <a:lstStyle/>
+            <a:p>
+              <a:pPr algn="ctr"/>
+              <a:endParaRPr lang="ko-KR" altLang="en-US"/>
+            </a:p>
+          </p:txBody>
+        </p:sp>
+        <p:sp>
+          <p:nvSpPr>
+            <p:cNvPr id="26" name="타원 25">
+              <a:extLst>
+                <a:ext uri="{FF2B5EF4-FFF2-40B4-BE49-F238E27FC236}">
+                  <a16:creationId xmlns:a16="http://schemas.microsoft.com/office/drawing/2014/main" id="{0AFBB939-B481-42AE-B7F9-215421E6AF6B}"/>
+                </a:ext>
+              </a:extLst>
+            </p:cNvPr>
+            <p:cNvSpPr/>
+            <p:nvPr/>
+          </p:nvSpPr>
+          <p:spPr>
+            <a:xfrm>
+              <a:off x="1241974" y="5022874"/>
+              <a:ext cx="1084120" cy="1067829"/>
+            </a:xfrm>
+            <a:prstGeom prst="ellipse">
+              <a:avLst/>
+            </a:prstGeom>
+            <a:solidFill>
+              <a:schemeClr val="bg1">
+                <a:lumMod val="75000"/>
+              </a:schemeClr>
+            </a:solidFill>
+            <a:ln>
+              <a:noFill/>
+            </a:ln>
+          </p:spPr>
+          <p:style>
+            <a:lnRef idx="2">
+              <a:schemeClr val="accent1">
+                <a:shade val="50000"/>
+              </a:schemeClr>
+            </a:lnRef>
+            <a:fillRef idx="1">
+              <a:schemeClr val="accent1"/>
+            </a:fillRef>
+            <a:effectRef idx="0">
+              <a:schemeClr val="accent1"/>
+            </a:effectRef>
+            <a:fontRef idx="minor">
+              <a:schemeClr val="lt1"/>
+            </a:fontRef>
+          </p:style>
+          <p:txBody>
+            <a:bodyPr rtlCol="0" anchor="ctr"/>
+            <a:lstStyle/>
+            <a:p>
+              <a:pPr algn="ctr"/>
+              <a:endParaRPr lang="ko-KR" altLang="en-US"/>
+            </a:p>
+          </p:txBody>
+        </p:sp>
+        <p:sp>
+          <p:nvSpPr>
+            <p:cNvPr id="27" name="타원 26">
+              <a:extLst>
+                <a:ext uri="{FF2B5EF4-FFF2-40B4-BE49-F238E27FC236}">
+                  <a16:creationId xmlns:a16="http://schemas.microsoft.com/office/drawing/2014/main" id="{71DD08E3-A249-47C1-A318-A3B6C60998DA}"/>
+                </a:ext>
+              </a:extLst>
+            </p:cNvPr>
+            <p:cNvSpPr/>
+            <p:nvPr/>
+          </p:nvSpPr>
+          <p:spPr>
+            <a:xfrm>
+              <a:off x="2909180" y="5041712"/>
+              <a:ext cx="1084120" cy="1067829"/>
+            </a:xfrm>
+            <a:prstGeom prst="ellipse">
+              <a:avLst/>
+            </a:prstGeom>
+            <a:solidFill>
+              <a:schemeClr val="bg1">
+                <a:lumMod val="75000"/>
+              </a:schemeClr>
+            </a:solidFill>
+            <a:ln>
+              <a:noFill/>
+            </a:ln>
+          </p:spPr>
+          <p:style>
+            <a:lnRef idx="2">
+              <a:schemeClr val="accent1">
+                <a:shade val="50000"/>
+              </a:schemeClr>
+            </a:lnRef>
+            <a:fillRef idx="1">
+              <a:schemeClr val="accent1"/>
+            </a:fillRef>
+            <a:effectRef idx="0">
+              <a:schemeClr val="accent1"/>
+            </a:effectRef>
+            <a:fontRef idx="minor">
+              <a:schemeClr val="lt1"/>
+            </a:fontRef>
+          </p:style>
+          <p:txBody>
+            <a:bodyPr rtlCol="0" anchor="ctr"/>
+            <a:lstStyle/>
+            <a:p>
+              <a:pPr algn="ctr"/>
+              <a:endParaRPr lang="ko-KR" altLang="en-US"/>
+            </a:p>
+          </p:txBody>
+        </p:sp>
+        <p:sp>
+          <p:nvSpPr>
+            <p:cNvPr id="28" name="사각형: 둥근 모서리 27">
+              <a:extLst>
+                <a:ext uri="{FF2B5EF4-FFF2-40B4-BE49-F238E27FC236}">
+                  <a16:creationId xmlns:a16="http://schemas.microsoft.com/office/drawing/2014/main" id="{DF55A55A-245F-4C65-A1B2-CBCACC88FECF}"/>
+                </a:ext>
+              </a:extLst>
+            </p:cNvPr>
+            <p:cNvSpPr/>
+            <p:nvPr/>
+          </p:nvSpPr>
+          <p:spPr>
+            <a:xfrm>
+              <a:off x="681473" y="1844648"/>
+              <a:ext cx="5739776" cy="1510812"/>
+            </a:xfrm>
+            <a:prstGeom prst="roundRect">
+              <a:avLst/>
+            </a:prstGeom>
+            <a:noFill/>
+            <a:ln w="12700">
+              <a:solidFill>
+                <a:schemeClr val="tx1">
+                  <a:lumMod val="50000"/>
+                  <a:lumOff val="50000"/>
+                </a:schemeClr>
+              </a:solidFill>
+            </a:ln>
+          </p:spPr>
+          <p:style>
+            <a:lnRef idx="2">
+              <a:schemeClr val="accent1">
+                <a:shade val="50000"/>
+              </a:schemeClr>
+            </a:lnRef>
+            <a:fillRef idx="1">
+              <a:schemeClr val="accent1"/>
+            </a:fillRef>
+            <a:effectRef idx="0">
+              <a:schemeClr val="accent1"/>
+            </a:effectRef>
+            <a:fontRef idx="minor">
+              <a:schemeClr val="lt1"/>
+            </a:fontRef>
+          </p:style>
+          <p:txBody>
+            <a:bodyPr rtlCol="0" anchor="ctr"/>
+            <a:lstStyle/>
+            <a:p>
+              <a:pPr algn="ctr"/>
+              <a:endParaRPr lang="ko-KR" altLang="en-US"/>
+            </a:p>
+          </p:txBody>
+        </p:sp>
+        <p:sp>
+          <p:nvSpPr>
+            <p:cNvPr id="29" name="TextBox 28">
+              <a:extLst>
+                <a:ext uri="{FF2B5EF4-FFF2-40B4-BE49-F238E27FC236}">
+                  <a16:creationId xmlns:a16="http://schemas.microsoft.com/office/drawing/2014/main" id="{88D0B779-7EC9-4243-A759-64EA68BEE1FD}"/>
+                </a:ext>
+              </a:extLst>
+            </p:cNvPr>
+            <p:cNvSpPr txBox="1"/>
+            <p:nvPr/>
+          </p:nvSpPr>
+          <p:spPr>
+            <a:xfrm>
+              <a:off x="2900277" y="1611085"/>
+              <a:ext cx="1293931" cy="400110"/>
+            </a:xfrm>
+            <a:prstGeom prst="rect">
+              <a:avLst/>
+            </a:prstGeom>
+            <a:solidFill>
+              <a:schemeClr val="bg1"/>
+            </a:solidFill>
+          </p:spPr>
+          <p:txBody>
+            <a:bodyPr wrap="square" rtlCol="0">
+              <a:spAutoFit/>
+            </a:bodyPr>
+            <a:lstStyle/>
+            <a:p>
+              <a:pPr algn="ctr"/>
+              <a:r>
+                <a:rPr lang="ko-KR" altLang="en-US" sz="2000" dirty="0">
+                  <a:solidFill>
+                    <a:schemeClr val="tx1">
+                      <a:lumMod val="50000"/>
+                      <a:lumOff val="50000"/>
+                    </a:schemeClr>
+                  </a:solidFill>
+                  <a:latin typeface="나눔스퀘어 ExtraBold" panose="020B0600000101010101" pitchFamily="50" charset="-127"/>
+                  <a:ea typeface="나눔스퀘어 ExtraBold" panose="020B0600000101010101" pitchFamily="50" charset="-127"/>
+                </a:rPr>
+                <a:t>내륙지역</a:t>
+              </a:r>
+            </a:p>
+          </p:txBody>
+        </p:sp>
+        <p:sp>
+          <p:nvSpPr>
+            <p:cNvPr id="30" name="사각형: 둥근 모서리 29">
+              <a:extLst>
+                <a:ext uri="{FF2B5EF4-FFF2-40B4-BE49-F238E27FC236}">
+                  <a16:creationId xmlns:a16="http://schemas.microsoft.com/office/drawing/2014/main" id="{24579A7D-FD4D-4A56-9500-DEFC3ECE2075}"/>
+                </a:ext>
+              </a:extLst>
+            </p:cNvPr>
+            <p:cNvSpPr/>
+            <p:nvPr/>
+          </p:nvSpPr>
+          <p:spPr>
+            <a:xfrm>
+              <a:off x="1092522" y="4848132"/>
+              <a:ext cx="4796701" cy="1349319"/>
+            </a:xfrm>
+            <a:prstGeom prst="roundRect">
+              <a:avLst/>
+            </a:prstGeom>
+            <a:noFill/>
+            <a:ln w="12700">
+              <a:solidFill>
+                <a:schemeClr val="tx1">
+                  <a:lumMod val="50000"/>
+                  <a:lumOff val="50000"/>
+                </a:schemeClr>
+              </a:solidFill>
+            </a:ln>
+          </p:spPr>
+          <p:style>
+            <a:lnRef idx="2">
+              <a:schemeClr val="accent1">
+                <a:shade val="50000"/>
+              </a:schemeClr>
+            </a:lnRef>
+            <a:fillRef idx="1">
+              <a:schemeClr val="accent1"/>
+            </a:fillRef>
+            <a:effectRef idx="0">
+              <a:schemeClr val="accent1"/>
+            </a:effectRef>
+            <a:fontRef idx="minor">
+              <a:schemeClr val="lt1"/>
+            </a:fontRef>
+          </p:style>
+          <p:txBody>
+            <a:bodyPr rtlCol="0" anchor="ctr"/>
+            <a:lstStyle/>
+            <a:p>
+              <a:pPr algn="ctr"/>
+              <a:endParaRPr lang="ko-KR" altLang="en-US"/>
+            </a:p>
+          </p:txBody>
+        </p:sp>
+        <p:sp>
+          <p:nvSpPr>
+            <p:cNvPr id="31" name="TextBox 30">
+              <a:extLst>
+                <a:ext uri="{FF2B5EF4-FFF2-40B4-BE49-F238E27FC236}">
+                  <a16:creationId xmlns:a16="http://schemas.microsoft.com/office/drawing/2014/main" id="{2494F4AD-3E48-452D-8F60-A26DAB54F04A}"/>
+                </a:ext>
+              </a:extLst>
+            </p:cNvPr>
+            <p:cNvSpPr txBox="1"/>
+            <p:nvPr/>
+          </p:nvSpPr>
+          <p:spPr>
+            <a:xfrm>
+              <a:off x="2964337" y="4626766"/>
+              <a:ext cx="1045563" cy="400110"/>
+            </a:xfrm>
+            <a:prstGeom prst="rect">
+              <a:avLst/>
+            </a:prstGeom>
+            <a:solidFill>
+              <a:schemeClr val="bg1"/>
+            </a:solidFill>
+          </p:spPr>
+          <p:txBody>
+            <a:bodyPr wrap="square" rtlCol="0">
+              <a:spAutoFit/>
+            </a:bodyPr>
+            <a:lstStyle/>
+            <a:p>
+              <a:pPr algn="ctr"/>
+              <a:r>
+                <a:rPr lang="ko-KR" altLang="en-US" sz="2000" b="1" dirty="0">
+                  <a:solidFill>
+                    <a:schemeClr val="tx1">
+                      <a:lumMod val="50000"/>
+                      <a:lumOff val="50000"/>
+                    </a:schemeClr>
+                  </a:solidFill>
+                  <a:latin typeface="나눔스퀘어 ExtraBold" panose="020B0600000101010101" pitchFamily="50" charset="-127"/>
+                  <a:ea typeface="나눔스퀘어 ExtraBold" panose="020B0600000101010101" pitchFamily="50" charset="-127"/>
+                </a:rPr>
+                <a:t>제주도</a:t>
+              </a:r>
+            </a:p>
+          </p:txBody>
+        </p:sp>
+        <p:sp>
+          <p:nvSpPr>
+            <p:cNvPr id="32" name="화살표: 오른쪽 31">
+              <a:extLst>
+                <a:ext uri="{FF2B5EF4-FFF2-40B4-BE49-F238E27FC236}">
+                  <a16:creationId xmlns:a16="http://schemas.microsoft.com/office/drawing/2014/main" id="{B3E8A2D0-B541-4957-AECE-E1FEF1BEEE07}"/>
+                </a:ext>
+              </a:extLst>
+            </p:cNvPr>
+            <p:cNvSpPr/>
+            <p:nvPr/>
+          </p:nvSpPr>
+          <p:spPr>
+            <a:xfrm>
+              <a:off x="1925176" y="2472078"/>
+              <a:ext cx="282560" cy="290713"/>
+            </a:xfrm>
+            <a:prstGeom prst="rightArrow">
+              <a:avLst/>
+            </a:prstGeom>
+            <a:gradFill>
+              <a:gsLst>
+                <a:gs pos="0">
+                  <a:schemeClr val="accent1">
+                    <a:lumMod val="5000"/>
+                    <a:lumOff val="95000"/>
                   </a:schemeClr>
-                </a:solidFill>
-                <a:latin typeface="나눔스퀘어 ExtraBold" panose="020B0600000101010101" pitchFamily="50" charset="-127"/>
-                <a:ea typeface="나눔스퀘어 ExtraBold" panose="020B0600000101010101" pitchFamily="50" charset="-127"/>
-              </a:rPr>
-              <a:t>제주도</a:t>
-            </a:r>
-          </a:p>
-        </p:txBody>
-      </p:sp>
-      <p:sp>
-        <p:nvSpPr>
-          <p:cNvPr id="32" name="화살표: 오른쪽 31">
-            <a:extLst>
-              <a:ext uri="{FF2B5EF4-FFF2-40B4-BE49-F238E27FC236}">
-                <a16:creationId xmlns:a16="http://schemas.microsoft.com/office/drawing/2014/main" id="{B3E8A2D0-B541-4957-AECE-E1FEF1BEEE07}"/>
-              </a:ext>
-            </a:extLst>
-          </p:cNvPr>
-          <p:cNvSpPr/>
-          <p:nvPr/>
-        </p:nvSpPr>
-        <p:spPr>
-          <a:xfrm>
-            <a:off x="1925176" y="2472078"/>
-            <a:ext cx="282560" cy="290713"/>
-          </a:xfrm>
-          <a:prstGeom prst="rightArrow">
-            <a:avLst/>
-          </a:prstGeom>
-          <a:gradFill>
-            <a:gsLst>
-              <a:gs pos="0">
-                <a:schemeClr val="accent1">
-                  <a:lumMod val="5000"/>
-                  <a:lumOff val="95000"/>
-                </a:schemeClr>
-              </a:gs>
-              <a:gs pos="81000">
-                <a:schemeClr val="bg1">
-                  <a:lumMod val="75000"/>
-                </a:schemeClr>
-              </a:gs>
-            </a:gsLst>
-            <a:lin ang="0" scaled="0"/>
-          </a:gradFill>
-          <a:ln>
+                </a:gs>
+                <a:gs pos="81000">
+                  <a:schemeClr val="bg1">
+                    <a:lumMod val="75000"/>
+                  </a:schemeClr>
+                </a:gs>
+              </a:gsLst>
+              <a:lin ang="0" scaled="0"/>
+            </a:gradFill>
+            <a:ln>
+              <a:noFill/>
+            </a:ln>
+          </p:spPr>
+          <p:style>
+            <a:lnRef idx="2">
+              <a:schemeClr val="accent1">
+                <a:shade val="50000"/>
+              </a:schemeClr>
+            </a:lnRef>
+            <a:fillRef idx="1">
+              <a:schemeClr val="accent1"/>
+            </a:fillRef>
+            <a:effectRef idx="0">
+              <a:schemeClr val="accent1"/>
+            </a:effectRef>
+            <a:fontRef idx="minor">
+              <a:schemeClr val="lt1"/>
+            </a:fontRef>
+          </p:style>
+          <p:txBody>
+            <a:bodyPr rtlCol="0" anchor="ctr"/>
+            <a:lstStyle/>
+            <a:p>
+              <a:pPr algn="ctr"/>
+              <a:endParaRPr lang="ko-KR" altLang="en-US"/>
+            </a:p>
+          </p:txBody>
+        </p:sp>
+        <p:sp>
+          <p:nvSpPr>
+            <p:cNvPr id="33" name="타원 32">
+              <a:extLst>
+                <a:ext uri="{FF2B5EF4-FFF2-40B4-BE49-F238E27FC236}">
+                  <a16:creationId xmlns:a16="http://schemas.microsoft.com/office/drawing/2014/main" id="{87ED5AF3-CD48-44F1-931C-2B5E9C93233B}"/>
+                </a:ext>
+              </a:extLst>
+            </p:cNvPr>
+            <p:cNvSpPr/>
+            <p:nvPr/>
+          </p:nvSpPr>
+          <p:spPr>
+            <a:xfrm>
+              <a:off x="2953156" y="3476111"/>
+              <a:ext cx="1084120" cy="1053436"/>
+            </a:xfrm>
+            <a:prstGeom prst="ellipse">
+              <a:avLst/>
+            </a:prstGeom>
+            <a:solidFill>
+              <a:schemeClr val="bg1">
+                <a:lumMod val="75000"/>
+              </a:schemeClr>
+            </a:solidFill>
+            <a:ln>
+              <a:noFill/>
+            </a:ln>
+          </p:spPr>
+          <p:style>
+            <a:lnRef idx="2">
+              <a:schemeClr val="accent1">
+                <a:shade val="50000"/>
+              </a:schemeClr>
+            </a:lnRef>
+            <a:fillRef idx="1">
+              <a:schemeClr val="accent1"/>
+            </a:fillRef>
+            <a:effectRef idx="0">
+              <a:schemeClr val="accent1"/>
+            </a:effectRef>
+            <a:fontRef idx="minor">
+              <a:schemeClr val="lt1"/>
+            </a:fontRef>
+          </p:style>
+          <p:txBody>
+            <a:bodyPr rtlCol="0" anchor="ctr"/>
+            <a:lstStyle/>
+            <a:p>
+              <a:pPr algn="ctr"/>
+              <a:endParaRPr lang="ko-KR" altLang="en-US"/>
+            </a:p>
+          </p:txBody>
+        </p:sp>
+        <p:pic>
+          <p:nvPicPr>
+            <p:cNvPr id="34" name="그림 33">
+              <a:extLst>
+                <a:ext uri="{FF2B5EF4-FFF2-40B4-BE49-F238E27FC236}">
+                  <a16:creationId xmlns:a16="http://schemas.microsoft.com/office/drawing/2014/main" id="{9A77E7B0-CF76-4AE9-907F-95181F469B1E}"/>
+                </a:ext>
+              </a:extLst>
+            </p:cNvPr>
+            <p:cNvPicPr>
+              <a:picLocks noChangeAspect="1"/>
+            </p:cNvPicPr>
+            <p:nvPr/>
+          </p:nvPicPr>
+          <p:blipFill>
+            <a:blip r:embed="rId2">
+              <a:extLst>
+                <a:ext uri="{28A0092B-C50C-407E-A947-70E740481C1C}">
+                  <a14:useLocalDpi xmlns:a14="http://schemas.microsoft.com/office/drawing/2010/main" val="0"/>
+                </a:ext>
+              </a:extLst>
+            </a:blip>
+            <a:stretch>
+              <a:fillRect/>
+            </a:stretch>
+          </p:blipFill>
+          <p:spPr>
+            <a:xfrm>
+              <a:off x="3051011" y="3575522"/>
+              <a:ext cx="868523" cy="843941"/>
+            </a:xfrm>
+            <a:prstGeom prst="rect">
+              <a:avLst/>
+            </a:prstGeom>
+          </p:spPr>
+        </p:pic>
+        <p:pic>
+          <p:nvPicPr>
+            <p:cNvPr id="35" name="그림 34">
+              <a:extLst>
+                <a:ext uri="{FF2B5EF4-FFF2-40B4-BE49-F238E27FC236}">
+                  <a16:creationId xmlns:a16="http://schemas.microsoft.com/office/drawing/2014/main" id="{9C46A518-EF7E-463B-8A23-74529A564268}"/>
+                </a:ext>
+              </a:extLst>
+            </p:cNvPr>
+            <p:cNvPicPr>
+              <a:picLocks noChangeAspect="1"/>
+            </p:cNvPicPr>
+            <p:nvPr/>
+          </p:nvPicPr>
+          <p:blipFill>
+            <a:blip r:embed="rId3">
+              <a:extLst>
+                <a:ext uri="{28A0092B-C50C-407E-A947-70E740481C1C}">
+                  <a14:useLocalDpi xmlns:a14="http://schemas.microsoft.com/office/drawing/2010/main" val="0"/>
+                </a:ext>
+              </a:extLst>
+            </a:blip>
+            <a:stretch>
+              <a:fillRect/>
+            </a:stretch>
+          </p:blipFill>
+          <p:spPr>
+            <a:xfrm>
+              <a:off x="3054618" y="5177187"/>
+              <a:ext cx="818699" cy="795527"/>
+            </a:xfrm>
+            <a:prstGeom prst="rect">
+              <a:avLst/>
+            </a:prstGeom>
+          </p:spPr>
+        </p:pic>
+        <p:pic>
+          <p:nvPicPr>
+            <p:cNvPr id="36" name="그림 35">
+              <a:extLst>
+                <a:ext uri="{FF2B5EF4-FFF2-40B4-BE49-F238E27FC236}">
+                  <a16:creationId xmlns:a16="http://schemas.microsoft.com/office/drawing/2014/main" id="{EB082BAA-6E1A-4CD8-AD11-641B4BABFAFA}"/>
+                </a:ext>
+              </a:extLst>
+            </p:cNvPr>
+            <p:cNvPicPr>
+              <a:picLocks noChangeAspect="1"/>
+            </p:cNvPicPr>
+            <p:nvPr/>
+          </p:nvPicPr>
+          <p:blipFill>
+            <a:blip r:embed="rId4">
+              <a:extLst>
+                <a:ext uri="{28A0092B-C50C-407E-A947-70E740481C1C}">
+                  <a14:useLocalDpi xmlns:a14="http://schemas.microsoft.com/office/drawing/2010/main" val="0"/>
+                </a:ext>
+              </a:extLst>
+            </a:blip>
+            <a:stretch>
+              <a:fillRect/>
+            </a:stretch>
+          </p:blipFill>
+          <p:spPr>
+            <a:xfrm>
+              <a:off x="1442897" y="5109101"/>
+              <a:ext cx="798587" cy="775985"/>
+            </a:xfrm>
+            <a:prstGeom prst="rect">
+              <a:avLst/>
+            </a:prstGeom>
+          </p:spPr>
+        </p:pic>
+        <p:sp>
+          <p:nvSpPr>
+            <p:cNvPr id="37" name="화살표: 오른쪽 36">
+              <a:extLst>
+                <a:ext uri="{FF2B5EF4-FFF2-40B4-BE49-F238E27FC236}">
+                  <a16:creationId xmlns:a16="http://schemas.microsoft.com/office/drawing/2014/main" id="{E47654F2-9293-4B55-B6C5-A355D2E8A688}"/>
+                </a:ext>
+              </a:extLst>
+            </p:cNvPr>
+            <p:cNvSpPr/>
+            <p:nvPr/>
+          </p:nvSpPr>
+          <p:spPr>
+            <a:xfrm>
+              <a:off x="3444083" y="2472078"/>
+              <a:ext cx="282560" cy="290713"/>
+            </a:xfrm>
+            <a:prstGeom prst="rightArrow">
+              <a:avLst/>
+            </a:prstGeom>
+            <a:gradFill>
+              <a:gsLst>
+                <a:gs pos="0">
+                  <a:schemeClr val="accent1">
+                    <a:lumMod val="5000"/>
+                    <a:lumOff val="95000"/>
+                  </a:schemeClr>
+                </a:gs>
+                <a:gs pos="81000">
+                  <a:schemeClr val="bg1">
+                    <a:lumMod val="75000"/>
+                  </a:schemeClr>
+                </a:gs>
+              </a:gsLst>
+              <a:lin ang="0" scaled="0"/>
+            </a:gradFill>
+            <a:ln>
+              <a:noFill/>
+            </a:ln>
+          </p:spPr>
+          <p:style>
+            <a:lnRef idx="2">
+              <a:schemeClr val="accent1">
+                <a:shade val="50000"/>
+              </a:schemeClr>
+            </a:lnRef>
+            <a:fillRef idx="1">
+              <a:schemeClr val="accent1"/>
+            </a:fillRef>
+            <a:effectRef idx="0">
+              <a:schemeClr val="accent1"/>
+            </a:effectRef>
+            <a:fontRef idx="minor">
+              <a:schemeClr val="lt1"/>
+            </a:fontRef>
+          </p:style>
+          <p:txBody>
+            <a:bodyPr rtlCol="0" anchor="ctr"/>
+            <a:lstStyle/>
+            <a:p>
+              <a:pPr algn="ctr"/>
+              <a:endParaRPr lang="ko-KR" altLang="en-US"/>
+            </a:p>
+          </p:txBody>
+        </p:sp>
+        <p:sp>
+          <p:nvSpPr>
+            <p:cNvPr id="38" name="화살표: 오른쪽 37">
+              <a:extLst>
+                <a:ext uri="{FF2B5EF4-FFF2-40B4-BE49-F238E27FC236}">
+                  <a16:creationId xmlns:a16="http://schemas.microsoft.com/office/drawing/2014/main" id="{18CD1C06-8335-4155-AE76-A780CC8A694F}"/>
+                </a:ext>
+              </a:extLst>
+            </p:cNvPr>
+            <p:cNvSpPr/>
+            <p:nvPr/>
+          </p:nvSpPr>
+          <p:spPr>
+            <a:xfrm>
+              <a:off x="4931394" y="2472078"/>
+              <a:ext cx="282560" cy="290713"/>
+            </a:xfrm>
+            <a:prstGeom prst="rightArrow">
+              <a:avLst/>
+            </a:prstGeom>
+            <a:gradFill>
+              <a:gsLst>
+                <a:gs pos="0">
+                  <a:schemeClr val="accent1">
+                    <a:lumMod val="5000"/>
+                    <a:lumOff val="95000"/>
+                  </a:schemeClr>
+                </a:gs>
+                <a:gs pos="81000">
+                  <a:schemeClr val="bg1">
+                    <a:lumMod val="75000"/>
+                  </a:schemeClr>
+                </a:gs>
+              </a:gsLst>
+              <a:lin ang="0" scaled="0"/>
+            </a:gradFill>
+            <a:ln>
+              <a:noFill/>
+            </a:ln>
+          </p:spPr>
+          <p:style>
+            <a:lnRef idx="2">
+              <a:schemeClr val="accent1">
+                <a:shade val="50000"/>
+              </a:schemeClr>
+            </a:lnRef>
+            <a:fillRef idx="1">
+              <a:schemeClr val="accent1"/>
+            </a:fillRef>
+            <a:effectRef idx="0">
+              <a:schemeClr val="accent1"/>
+            </a:effectRef>
+            <a:fontRef idx="minor">
+              <a:schemeClr val="lt1"/>
+            </a:fontRef>
+          </p:style>
+          <p:txBody>
+            <a:bodyPr rtlCol="0" anchor="ctr"/>
+            <a:lstStyle/>
+            <a:p>
+              <a:pPr algn="ctr"/>
+              <a:endParaRPr lang="ko-KR" altLang="en-US"/>
+            </a:p>
+          </p:txBody>
+        </p:sp>
+        <p:sp>
+          <p:nvSpPr>
+            <p:cNvPr id="39" name="화살표: 오른쪽 38">
+              <a:extLst>
+                <a:ext uri="{FF2B5EF4-FFF2-40B4-BE49-F238E27FC236}">
+                  <a16:creationId xmlns:a16="http://schemas.microsoft.com/office/drawing/2014/main" id="{92D4EB73-9076-4946-97BD-F855B1D1D638}"/>
+                </a:ext>
+              </a:extLst>
+            </p:cNvPr>
+            <p:cNvSpPr/>
+            <p:nvPr/>
+          </p:nvSpPr>
+          <p:spPr>
+            <a:xfrm>
+              <a:off x="2548787" y="5411433"/>
+              <a:ext cx="282560" cy="290713"/>
+            </a:xfrm>
+            <a:prstGeom prst="rightArrow">
+              <a:avLst/>
+            </a:prstGeom>
+            <a:gradFill>
+              <a:gsLst>
+                <a:gs pos="0">
+                  <a:schemeClr val="accent1">
+                    <a:lumMod val="5000"/>
+                    <a:lumOff val="95000"/>
+                  </a:schemeClr>
+                </a:gs>
+                <a:gs pos="81000">
+                  <a:schemeClr val="bg1">
+                    <a:lumMod val="75000"/>
+                  </a:schemeClr>
+                </a:gs>
+              </a:gsLst>
+              <a:lin ang="0" scaled="0"/>
+            </a:gradFill>
+            <a:ln>
+              <a:noFill/>
+            </a:ln>
+          </p:spPr>
+          <p:style>
+            <a:lnRef idx="2">
+              <a:schemeClr val="accent1">
+                <a:shade val="50000"/>
+              </a:schemeClr>
+            </a:lnRef>
+            <a:fillRef idx="1">
+              <a:schemeClr val="accent1"/>
+            </a:fillRef>
+            <a:effectRef idx="0">
+              <a:schemeClr val="accent1"/>
+            </a:effectRef>
+            <a:fontRef idx="minor">
+              <a:schemeClr val="lt1"/>
+            </a:fontRef>
+          </p:style>
+          <p:txBody>
+            <a:bodyPr rtlCol="0" anchor="ctr"/>
+            <a:lstStyle/>
+            <a:p>
+              <a:pPr algn="ctr"/>
+              <a:endParaRPr lang="ko-KR" altLang="en-US"/>
+            </a:p>
+          </p:txBody>
+        </p:sp>
+        <p:sp>
+          <p:nvSpPr>
+            <p:cNvPr id="40" name="화살표: 오른쪽 39">
+              <a:extLst>
+                <a:ext uri="{FF2B5EF4-FFF2-40B4-BE49-F238E27FC236}">
+                  <a16:creationId xmlns:a16="http://schemas.microsoft.com/office/drawing/2014/main" id="{D7BE9632-9CC2-40DD-859D-4E06BAC289A0}"/>
+                </a:ext>
+              </a:extLst>
+            </p:cNvPr>
+            <p:cNvSpPr/>
+            <p:nvPr/>
+          </p:nvSpPr>
+          <p:spPr>
+            <a:xfrm>
+              <a:off x="4216260" y="5411433"/>
+              <a:ext cx="282560" cy="290713"/>
+            </a:xfrm>
+            <a:prstGeom prst="rightArrow">
+              <a:avLst/>
+            </a:prstGeom>
+            <a:gradFill>
+              <a:gsLst>
+                <a:gs pos="0">
+                  <a:schemeClr val="accent1">
+                    <a:lumMod val="5000"/>
+                    <a:lumOff val="95000"/>
+                  </a:schemeClr>
+                </a:gs>
+                <a:gs pos="81000">
+                  <a:schemeClr val="bg1">
+                    <a:lumMod val="75000"/>
+                  </a:schemeClr>
+                </a:gs>
+              </a:gsLst>
+              <a:lin ang="0" scaled="0"/>
+            </a:gradFill>
+            <a:ln>
+              <a:noFill/>
+            </a:ln>
+          </p:spPr>
+          <p:style>
+            <a:lnRef idx="2">
+              <a:schemeClr val="accent1">
+                <a:shade val="50000"/>
+              </a:schemeClr>
+            </a:lnRef>
+            <a:fillRef idx="1">
+              <a:schemeClr val="accent1"/>
+            </a:fillRef>
+            <a:effectRef idx="0">
+              <a:schemeClr val="accent1"/>
+            </a:effectRef>
+            <a:fontRef idx="minor">
+              <a:schemeClr val="lt1"/>
+            </a:fontRef>
+          </p:style>
+          <p:txBody>
+            <a:bodyPr rtlCol="0" anchor="ctr"/>
+            <a:lstStyle/>
+            <a:p>
+              <a:pPr algn="ctr"/>
+              <a:endParaRPr lang="ko-KR" altLang="en-US"/>
+            </a:p>
+          </p:txBody>
+        </p:sp>
+        <p:sp>
+          <p:nvSpPr>
+            <p:cNvPr id="41" name="화살표: 위로 굽음 40">
+              <a:extLst>
+                <a:ext uri="{FF2B5EF4-FFF2-40B4-BE49-F238E27FC236}">
+                  <a16:creationId xmlns:a16="http://schemas.microsoft.com/office/drawing/2014/main" id="{CC226F62-384A-45C3-AD5D-7D9931EA8902}"/>
+                </a:ext>
+              </a:extLst>
+            </p:cNvPr>
+            <p:cNvSpPr/>
+            <p:nvPr/>
+          </p:nvSpPr>
+          <p:spPr>
+            <a:xfrm rot="10800000">
+              <a:off x="1640924" y="3884736"/>
+              <a:ext cx="1348591" cy="741455"/>
+            </a:xfrm>
+            <a:prstGeom prst="bentUpArrow">
+              <a:avLst/>
+            </a:prstGeom>
+            <a:solidFill>
+              <a:schemeClr val="bg1">
+                <a:lumMod val="75000"/>
+              </a:schemeClr>
+            </a:solidFill>
+            <a:ln>
+              <a:noFill/>
+            </a:ln>
+          </p:spPr>
+          <p:style>
+            <a:lnRef idx="2">
+              <a:schemeClr val="accent1">
+                <a:shade val="50000"/>
+              </a:schemeClr>
+            </a:lnRef>
+            <a:fillRef idx="1">
+              <a:schemeClr val="accent1"/>
+            </a:fillRef>
+            <a:effectRef idx="0">
+              <a:schemeClr val="accent1"/>
+            </a:effectRef>
+            <a:fontRef idx="minor">
+              <a:schemeClr val="lt1"/>
+            </a:fontRef>
+          </p:style>
+          <p:txBody>
+            <a:bodyPr rtlCol="0" anchor="ctr"/>
+            <a:lstStyle/>
+            <a:p>
+              <a:pPr algn="ctr"/>
+              <a:endParaRPr lang="ko-KR" altLang="en-US"/>
+            </a:p>
+          </p:txBody>
+        </p:sp>
+        <p:pic>
+          <p:nvPicPr>
+            <p:cNvPr id="42" name="그림 41">
+              <a:extLst>
+                <a:ext uri="{FF2B5EF4-FFF2-40B4-BE49-F238E27FC236}">
+                  <a16:creationId xmlns:a16="http://schemas.microsoft.com/office/drawing/2014/main" id="{80E5697D-0BA9-400A-818B-EE5A06B1FBDD}"/>
+                </a:ext>
+              </a:extLst>
+            </p:cNvPr>
+            <p:cNvPicPr>
+              <a:picLocks noChangeAspect="1"/>
+            </p:cNvPicPr>
+            <p:nvPr/>
+          </p:nvPicPr>
+          <p:blipFill>
+            <a:blip r:embed="rId5">
+              <a:extLst>
+                <a:ext uri="{28A0092B-C50C-407E-A947-70E740481C1C}">
+                  <a14:useLocalDpi xmlns:a14="http://schemas.microsoft.com/office/drawing/2010/main" val="0"/>
+                </a:ext>
+              </a:extLst>
+            </a:blip>
+            <a:stretch>
+              <a:fillRect/>
+            </a:stretch>
+          </p:blipFill>
+          <p:spPr>
+            <a:xfrm>
+              <a:off x="902062" y="2155238"/>
+              <a:ext cx="904966" cy="847607"/>
+            </a:xfrm>
+            <a:prstGeom prst="rect">
+              <a:avLst/>
+            </a:prstGeom>
+          </p:spPr>
+        </p:pic>
+        <p:pic>
+          <p:nvPicPr>
+            <p:cNvPr id="43" name="그림 42">
+              <a:extLst>
+                <a:ext uri="{FF2B5EF4-FFF2-40B4-BE49-F238E27FC236}">
+                  <a16:creationId xmlns:a16="http://schemas.microsoft.com/office/drawing/2014/main" id="{D8A08A8A-03A5-439F-B9D6-EB38FF34CA61}"/>
+                </a:ext>
+              </a:extLst>
+            </p:cNvPr>
+            <p:cNvPicPr>
+              <a:picLocks noChangeAspect="1"/>
+            </p:cNvPicPr>
+            <p:nvPr/>
+          </p:nvPicPr>
+          <p:blipFill>
+            <a:blip r:embed="rId6">
+              <a:extLst>
+                <a:ext uri="{28A0092B-C50C-407E-A947-70E740481C1C}">
+                  <a14:useLocalDpi xmlns:a14="http://schemas.microsoft.com/office/drawing/2010/main" val="0"/>
+                </a:ext>
+              </a:extLst>
+            </a:blip>
+            <a:stretch>
+              <a:fillRect/>
+            </a:stretch>
+          </p:blipFill>
+          <p:spPr>
+            <a:xfrm>
+              <a:off x="2319096" y="2145657"/>
+              <a:ext cx="966316" cy="878604"/>
+            </a:xfrm>
+            <a:prstGeom prst="rect">
+              <a:avLst/>
+            </a:prstGeom>
+          </p:spPr>
+        </p:pic>
+        <p:pic>
+          <p:nvPicPr>
+            <p:cNvPr id="44" name="그림 43">
+              <a:extLst>
+                <a:ext uri="{FF2B5EF4-FFF2-40B4-BE49-F238E27FC236}">
+                  <a16:creationId xmlns:a16="http://schemas.microsoft.com/office/drawing/2014/main" id="{E222E885-5B4D-42EF-9E32-CD4591CC9EA7}"/>
+                </a:ext>
+              </a:extLst>
+            </p:cNvPr>
+            <p:cNvPicPr>
+              <a:picLocks noChangeAspect="1"/>
+            </p:cNvPicPr>
+            <p:nvPr/>
+          </p:nvPicPr>
+          <p:blipFill>
+            <a:blip r:embed="rId7">
+              <a:extLst>
+                <a:ext uri="{28A0092B-C50C-407E-A947-70E740481C1C}">
+                  <a14:useLocalDpi xmlns:a14="http://schemas.microsoft.com/office/drawing/2010/main" val="0"/>
+                </a:ext>
+              </a:extLst>
+            </a:blip>
+            <a:stretch>
+              <a:fillRect/>
+            </a:stretch>
+          </p:blipFill>
+          <p:spPr>
+            <a:xfrm>
+              <a:off x="5360936" y="2188054"/>
+              <a:ext cx="846626" cy="837035"/>
+            </a:xfrm>
+            <a:prstGeom prst="rect">
+              <a:avLst/>
+            </a:prstGeom>
+          </p:spPr>
+        </p:pic>
+        <p:pic>
+          <p:nvPicPr>
+            <p:cNvPr id="45" name="그림 44">
+              <a:extLst>
+                <a:ext uri="{FF2B5EF4-FFF2-40B4-BE49-F238E27FC236}">
+                  <a16:creationId xmlns:a16="http://schemas.microsoft.com/office/drawing/2014/main" id="{31CDC4DB-2362-430E-B159-0694BC996FB3}"/>
+                </a:ext>
+              </a:extLst>
+            </p:cNvPr>
+            <p:cNvPicPr>
+              <a:picLocks noChangeAspect="1"/>
+            </p:cNvPicPr>
+            <p:nvPr/>
+          </p:nvPicPr>
+          <p:blipFill>
+            <a:blip r:embed="rId8">
+              <a:extLst>
+                <a:ext uri="{28A0092B-C50C-407E-A947-70E740481C1C}">
+                  <a14:useLocalDpi xmlns:a14="http://schemas.microsoft.com/office/drawing/2010/main" val="0"/>
+                </a:ext>
+              </a:extLst>
+            </a:blip>
+            <a:stretch>
+              <a:fillRect/>
+            </a:stretch>
+          </p:blipFill>
+          <p:spPr>
+            <a:xfrm>
+              <a:off x="3760342" y="2272062"/>
+              <a:ext cx="1035976" cy="679189"/>
+            </a:xfrm>
+            <a:prstGeom prst="rect">
+              <a:avLst/>
+            </a:prstGeom>
+          </p:spPr>
+        </p:pic>
+        <p:cxnSp>
+          <p:nvCxnSpPr>
+            <p:cNvPr id="46" name="직선 화살표 연결선 45">
+              <a:extLst>
+                <a:ext uri="{FF2B5EF4-FFF2-40B4-BE49-F238E27FC236}">
+                  <a16:creationId xmlns:a16="http://schemas.microsoft.com/office/drawing/2014/main" id="{5EE74325-0FF9-4B9A-B9ED-3D5D50C6C9B3}"/>
+                </a:ext>
+              </a:extLst>
+            </p:cNvPr>
+            <p:cNvCxnSpPr>
+              <a:cxnSpLocks/>
+            </p:cNvCxnSpPr>
+            <p:nvPr/>
+          </p:nvCxnSpPr>
+          <p:spPr>
+            <a:xfrm>
+              <a:off x="4060587" y="3740564"/>
+              <a:ext cx="2787102" cy="0"/>
+            </a:xfrm>
+            <a:prstGeom prst="straightConnector1">
+              <a:avLst/>
+            </a:prstGeom>
+            <a:ln w="12700">
+              <a:solidFill>
+                <a:srgbClr val="FF0000"/>
+              </a:solidFill>
+              <a:prstDash val="dash"/>
+              <a:tailEnd type="triangle"/>
+            </a:ln>
+          </p:spPr>
+          <p:style>
+            <a:lnRef idx="1">
+              <a:schemeClr val="accent1"/>
+            </a:lnRef>
+            <a:fillRef idx="0">
+              <a:schemeClr val="accent1"/>
+            </a:fillRef>
+            <a:effectRef idx="0">
+              <a:schemeClr val="accent1"/>
+            </a:effectRef>
+            <a:fontRef idx="minor">
+              <a:schemeClr val="tx1"/>
+            </a:fontRef>
+          </p:style>
+        </p:cxnSp>
+        <p:sp>
+          <p:nvSpPr>
+            <p:cNvPr id="47" name="타원 46">
+              <a:extLst>
+                <a:ext uri="{FF2B5EF4-FFF2-40B4-BE49-F238E27FC236}">
+                  <a16:creationId xmlns:a16="http://schemas.microsoft.com/office/drawing/2014/main" id="{FB385533-40BB-41F2-9E4C-173A27B8EDC8}"/>
+                </a:ext>
+              </a:extLst>
+            </p:cNvPr>
+            <p:cNvSpPr/>
+            <p:nvPr/>
+          </p:nvSpPr>
+          <p:spPr>
+            <a:xfrm>
+              <a:off x="2856098" y="3378355"/>
+              <a:ext cx="1265413" cy="1229598"/>
+            </a:xfrm>
+            <a:prstGeom prst="ellipse">
+              <a:avLst/>
+            </a:prstGeom>
             <a:noFill/>
-          </a:ln>
-        </p:spPr>
-        <p:style>
-          <a:lnRef idx="2">
-            <a:schemeClr val="accent1">
-              <a:shade val="50000"/>
-            </a:schemeClr>
-          </a:lnRef>
-          <a:fillRef idx="1">
-            <a:schemeClr val="accent1"/>
-          </a:fillRef>
-          <a:effectRef idx="0">
-            <a:schemeClr val="accent1"/>
-          </a:effectRef>
-          <a:fontRef idx="minor">
-            <a:schemeClr val="lt1"/>
-          </a:fontRef>
-        </p:style>
-        <p:txBody>
-          <a:bodyPr rtlCol="0" anchor="ctr"/>
-          <a:lstStyle/>
-          <a:p>
-            <a:pPr algn="ctr"/>
-            <a:endParaRPr lang="ko-KR" altLang="en-US"/>
-          </a:p>
-        </p:txBody>
-      </p:sp>
-      <p:sp>
-        <p:nvSpPr>
-          <p:cNvPr id="33" name="타원 32">
-            <a:extLst>
-              <a:ext uri="{FF2B5EF4-FFF2-40B4-BE49-F238E27FC236}">
-                <a16:creationId xmlns:a16="http://schemas.microsoft.com/office/drawing/2014/main" id="{87ED5AF3-CD48-44F1-931C-2B5E9C93233B}"/>
-              </a:ext>
-            </a:extLst>
-          </p:cNvPr>
-          <p:cNvSpPr/>
-          <p:nvPr/>
-        </p:nvSpPr>
-        <p:spPr>
-          <a:xfrm>
-            <a:off x="2953156" y="3476111"/>
-            <a:ext cx="1084120" cy="1053436"/>
-          </a:xfrm>
-          <a:prstGeom prst="ellipse">
-            <a:avLst/>
-          </a:prstGeom>
-          <a:solidFill>
-            <a:schemeClr val="bg1">
-              <a:lumMod val="75000"/>
-            </a:schemeClr>
-          </a:solidFill>
-          <a:ln>
-            <a:noFill/>
-          </a:ln>
-        </p:spPr>
-        <p:style>
-          <a:lnRef idx="2">
-            <a:schemeClr val="accent1">
-              <a:shade val="50000"/>
-            </a:schemeClr>
-          </a:lnRef>
-          <a:fillRef idx="1">
-            <a:schemeClr val="accent1"/>
-          </a:fillRef>
-          <a:effectRef idx="0">
-            <a:schemeClr val="accent1"/>
-          </a:effectRef>
-          <a:fontRef idx="minor">
-            <a:schemeClr val="lt1"/>
-          </a:fontRef>
-        </p:style>
-        <p:txBody>
-          <a:bodyPr rtlCol="0" anchor="ctr"/>
-          <a:lstStyle/>
-          <a:p>
-            <a:pPr algn="ctr"/>
-            <a:endParaRPr lang="ko-KR" altLang="en-US"/>
-          </a:p>
-        </p:txBody>
-      </p:sp>
-      <p:pic>
-        <p:nvPicPr>
-          <p:cNvPr id="34" name="그림 33">
-            <a:extLst>
-              <a:ext uri="{FF2B5EF4-FFF2-40B4-BE49-F238E27FC236}">
-                <a16:creationId xmlns:a16="http://schemas.microsoft.com/office/drawing/2014/main" id="{9A77E7B0-CF76-4AE9-907F-95181F469B1E}"/>
-              </a:ext>
-            </a:extLst>
-          </p:cNvPr>
-          <p:cNvPicPr>
-            <a:picLocks noChangeAspect="1"/>
-          </p:cNvPicPr>
-          <p:nvPr/>
-        </p:nvPicPr>
-        <p:blipFill>
-          <a:blip r:embed="rId2">
-            <a:extLst>
-              <a:ext uri="{28A0092B-C50C-407E-A947-70E740481C1C}">
-                <a14:useLocalDpi xmlns:a14="http://schemas.microsoft.com/office/drawing/2010/main" val="0"/>
-              </a:ext>
-            </a:extLst>
-          </a:blip>
-          <a:stretch>
-            <a:fillRect/>
-          </a:stretch>
-        </p:blipFill>
-        <p:spPr>
-          <a:xfrm>
-            <a:off x="3051011" y="3575522"/>
-            <a:ext cx="868523" cy="843941"/>
-          </a:xfrm>
-          <a:prstGeom prst="rect">
-            <a:avLst/>
-          </a:prstGeom>
-        </p:spPr>
-      </p:pic>
-      <p:pic>
-        <p:nvPicPr>
-          <p:cNvPr id="35" name="그림 34">
-            <a:extLst>
-              <a:ext uri="{FF2B5EF4-FFF2-40B4-BE49-F238E27FC236}">
-                <a16:creationId xmlns:a16="http://schemas.microsoft.com/office/drawing/2014/main" id="{9C46A518-EF7E-463B-8A23-74529A564268}"/>
-              </a:ext>
-            </a:extLst>
-          </p:cNvPr>
-          <p:cNvPicPr>
-            <a:picLocks noChangeAspect="1"/>
-          </p:cNvPicPr>
-          <p:nvPr/>
-        </p:nvPicPr>
-        <p:blipFill>
-          <a:blip r:embed="rId3">
-            <a:extLst>
-              <a:ext uri="{28A0092B-C50C-407E-A947-70E740481C1C}">
-                <a14:useLocalDpi xmlns:a14="http://schemas.microsoft.com/office/drawing/2010/main" val="0"/>
-              </a:ext>
-            </a:extLst>
-          </a:blip>
-          <a:stretch>
-            <a:fillRect/>
-          </a:stretch>
-        </p:blipFill>
-        <p:spPr>
-          <a:xfrm>
-            <a:off x="3054618" y="5177187"/>
-            <a:ext cx="818699" cy="795527"/>
-          </a:xfrm>
-          <a:prstGeom prst="rect">
-            <a:avLst/>
-          </a:prstGeom>
-        </p:spPr>
-      </p:pic>
-      <p:pic>
-        <p:nvPicPr>
-          <p:cNvPr id="36" name="그림 35">
-            <a:extLst>
-              <a:ext uri="{FF2B5EF4-FFF2-40B4-BE49-F238E27FC236}">
-                <a16:creationId xmlns:a16="http://schemas.microsoft.com/office/drawing/2014/main" id="{EB082BAA-6E1A-4CD8-AD11-641B4BABFAFA}"/>
-              </a:ext>
-            </a:extLst>
-          </p:cNvPr>
-          <p:cNvPicPr>
-            <a:picLocks noChangeAspect="1"/>
-          </p:cNvPicPr>
-          <p:nvPr/>
-        </p:nvPicPr>
-        <p:blipFill>
-          <a:blip r:embed="rId4">
-            <a:extLst>
-              <a:ext uri="{28A0092B-C50C-407E-A947-70E740481C1C}">
-                <a14:useLocalDpi xmlns:a14="http://schemas.microsoft.com/office/drawing/2010/main" val="0"/>
-              </a:ext>
-            </a:extLst>
-          </a:blip>
-          <a:stretch>
-            <a:fillRect/>
-          </a:stretch>
-        </p:blipFill>
-        <p:spPr>
-          <a:xfrm>
-            <a:off x="1442897" y="5109101"/>
-            <a:ext cx="798587" cy="775985"/>
-          </a:xfrm>
-          <a:prstGeom prst="rect">
-            <a:avLst/>
-          </a:prstGeom>
-        </p:spPr>
-      </p:pic>
-      <p:sp>
-        <p:nvSpPr>
-          <p:cNvPr id="37" name="화살표: 오른쪽 36">
-            <a:extLst>
-              <a:ext uri="{FF2B5EF4-FFF2-40B4-BE49-F238E27FC236}">
-                <a16:creationId xmlns:a16="http://schemas.microsoft.com/office/drawing/2014/main" id="{E47654F2-9293-4B55-B6C5-A355D2E8A688}"/>
-              </a:ext>
-            </a:extLst>
-          </p:cNvPr>
-          <p:cNvSpPr/>
-          <p:nvPr/>
-        </p:nvSpPr>
-        <p:spPr>
-          <a:xfrm>
-            <a:off x="3444083" y="2472078"/>
-            <a:ext cx="282560" cy="290713"/>
-          </a:xfrm>
-          <a:prstGeom prst="rightArrow">
-            <a:avLst/>
-          </a:prstGeom>
-          <a:gradFill>
-            <a:gsLst>
-              <a:gs pos="0">
-                <a:schemeClr val="accent1">
-                  <a:lumMod val="5000"/>
-                  <a:lumOff val="95000"/>
-                </a:schemeClr>
-              </a:gs>
-              <a:gs pos="81000">
-                <a:schemeClr val="bg1">
-                  <a:lumMod val="75000"/>
-                </a:schemeClr>
-              </a:gs>
-            </a:gsLst>
-            <a:lin ang="0" scaled="0"/>
-          </a:gradFill>
-          <a:ln>
-            <a:noFill/>
-          </a:ln>
-        </p:spPr>
-        <p:style>
-          <a:lnRef idx="2">
-            <a:schemeClr val="accent1">
-              <a:shade val="50000"/>
-            </a:schemeClr>
-          </a:lnRef>
-          <a:fillRef idx="1">
-            <a:schemeClr val="accent1"/>
-          </a:fillRef>
-          <a:effectRef idx="0">
-            <a:schemeClr val="accent1"/>
-          </a:effectRef>
-          <a:fontRef idx="minor">
-            <a:schemeClr val="lt1"/>
-          </a:fontRef>
-        </p:style>
-        <p:txBody>
-          <a:bodyPr rtlCol="0" anchor="ctr"/>
-          <a:lstStyle/>
-          <a:p>
-            <a:pPr algn="ctr"/>
-            <a:endParaRPr lang="ko-KR" altLang="en-US"/>
-          </a:p>
-        </p:txBody>
-      </p:sp>
-      <p:sp>
-        <p:nvSpPr>
-          <p:cNvPr id="38" name="화살표: 오른쪽 37">
-            <a:extLst>
-              <a:ext uri="{FF2B5EF4-FFF2-40B4-BE49-F238E27FC236}">
-                <a16:creationId xmlns:a16="http://schemas.microsoft.com/office/drawing/2014/main" id="{18CD1C06-8335-4155-AE76-A780CC8A694F}"/>
-              </a:ext>
-            </a:extLst>
-          </p:cNvPr>
-          <p:cNvSpPr/>
-          <p:nvPr/>
-        </p:nvSpPr>
-        <p:spPr>
-          <a:xfrm>
-            <a:off x="4931394" y="2472078"/>
-            <a:ext cx="282560" cy="290713"/>
-          </a:xfrm>
-          <a:prstGeom prst="rightArrow">
-            <a:avLst/>
-          </a:prstGeom>
-          <a:gradFill>
-            <a:gsLst>
-              <a:gs pos="0">
-                <a:schemeClr val="accent1">
-                  <a:lumMod val="5000"/>
-                  <a:lumOff val="95000"/>
-                </a:schemeClr>
-              </a:gs>
-              <a:gs pos="81000">
-                <a:schemeClr val="bg1">
-                  <a:lumMod val="75000"/>
-                </a:schemeClr>
-              </a:gs>
-            </a:gsLst>
-            <a:lin ang="0" scaled="0"/>
-          </a:gradFill>
-          <a:ln>
-            <a:noFill/>
-          </a:ln>
-        </p:spPr>
-        <p:style>
-          <a:lnRef idx="2">
-            <a:schemeClr val="accent1">
-              <a:shade val="50000"/>
-            </a:schemeClr>
-          </a:lnRef>
-          <a:fillRef idx="1">
-            <a:schemeClr val="accent1"/>
-          </a:fillRef>
-          <a:effectRef idx="0">
-            <a:schemeClr val="accent1"/>
-          </a:effectRef>
-          <a:fontRef idx="minor">
-            <a:schemeClr val="lt1"/>
-          </a:fontRef>
-        </p:style>
-        <p:txBody>
-          <a:bodyPr rtlCol="0" anchor="ctr"/>
-          <a:lstStyle/>
-          <a:p>
-            <a:pPr algn="ctr"/>
-            <a:endParaRPr lang="ko-KR" altLang="en-US"/>
-          </a:p>
-        </p:txBody>
-      </p:sp>
-      <p:sp>
-        <p:nvSpPr>
-          <p:cNvPr id="39" name="화살표: 오른쪽 38">
-            <a:extLst>
-              <a:ext uri="{FF2B5EF4-FFF2-40B4-BE49-F238E27FC236}">
-                <a16:creationId xmlns:a16="http://schemas.microsoft.com/office/drawing/2014/main" id="{92D4EB73-9076-4946-97BD-F855B1D1D638}"/>
-              </a:ext>
-            </a:extLst>
-          </p:cNvPr>
-          <p:cNvSpPr/>
-          <p:nvPr/>
-        </p:nvSpPr>
-        <p:spPr>
-          <a:xfrm>
-            <a:off x="2548787" y="5411433"/>
-            <a:ext cx="282560" cy="290713"/>
-          </a:xfrm>
-          <a:prstGeom prst="rightArrow">
-            <a:avLst/>
-          </a:prstGeom>
-          <a:gradFill>
-            <a:gsLst>
-              <a:gs pos="0">
-                <a:schemeClr val="accent1">
-                  <a:lumMod val="5000"/>
-                  <a:lumOff val="95000"/>
-                </a:schemeClr>
-              </a:gs>
-              <a:gs pos="81000">
-                <a:schemeClr val="bg1">
-                  <a:lumMod val="75000"/>
-                </a:schemeClr>
-              </a:gs>
-            </a:gsLst>
-            <a:lin ang="0" scaled="0"/>
-          </a:gradFill>
-          <a:ln>
-            <a:noFill/>
-          </a:ln>
-        </p:spPr>
-        <p:style>
-          <a:lnRef idx="2">
-            <a:schemeClr val="accent1">
-              <a:shade val="50000"/>
-            </a:schemeClr>
-          </a:lnRef>
-          <a:fillRef idx="1">
-            <a:schemeClr val="accent1"/>
-          </a:fillRef>
-          <a:effectRef idx="0">
-            <a:schemeClr val="accent1"/>
-          </a:effectRef>
-          <a:fontRef idx="minor">
-            <a:schemeClr val="lt1"/>
-          </a:fontRef>
-        </p:style>
-        <p:txBody>
-          <a:bodyPr rtlCol="0" anchor="ctr"/>
-          <a:lstStyle/>
-          <a:p>
-            <a:pPr algn="ctr"/>
-            <a:endParaRPr lang="ko-KR" altLang="en-US"/>
-          </a:p>
-        </p:txBody>
-      </p:sp>
-      <p:sp>
-        <p:nvSpPr>
-          <p:cNvPr id="40" name="화살표: 오른쪽 39">
-            <a:extLst>
-              <a:ext uri="{FF2B5EF4-FFF2-40B4-BE49-F238E27FC236}">
-                <a16:creationId xmlns:a16="http://schemas.microsoft.com/office/drawing/2014/main" id="{D7BE9632-9CC2-40DD-859D-4E06BAC289A0}"/>
-              </a:ext>
-            </a:extLst>
-          </p:cNvPr>
-          <p:cNvSpPr/>
-          <p:nvPr/>
-        </p:nvSpPr>
-        <p:spPr>
-          <a:xfrm>
-            <a:off x="4216260" y="5411433"/>
-            <a:ext cx="282560" cy="290713"/>
-          </a:xfrm>
-          <a:prstGeom prst="rightArrow">
-            <a:avLst/>
-          </a:prstGeom>
-          <a:gradFill>
-            <a:gsLst>
-              <a:gs pos="0">
-                <a:schemeClr val="accent1">
-                  <a:lumMod val="5000"/>
-                  <a:lumOff val="95000"/>
-                </a:schemeClr>
-              </a:gs>
-              <a:gs pos="81000">
-                <a:schemeClr val="bg1">
-                  <a:lumMod val="75000"/>
-                </a:schemeClr>
-              </a:gs>
-            </a:gsLst>
-            <a:lin ang="0" scaled="0"/>
-          </a:gradFill>
-          <a:ln>
-            <a:noFill/>
-          </a:ln>
-        </p:spPr>
-        <p:style>
-          <a:lnRef idx="2">
-            <a:schemeClr val="accent1">
-              <a:shade val="50000"/>
-            </a:schemeClr>
-          </a:lnRef>
-          <a:fillRef idx="1">
-            <a:schemeClr val="accent1"/>
-          </a:fillRef>
-          <a:effectRef idx="0">
-            <a:schemeClr val="accent1"/>
-          </a:effectRef>
-          <a:fontRef idx="minor">
-            <a:schemeClr val="lt1"/>
-          </a:fontRef>
-        </p:style>
-        <p:txBody>
-          <a:bodyPr rtlCol="0" anchor="ctr"/>
-          <a:lstStyle/>
-          <a:p>
-            <a:pPr algn="ctr"/>
-            <a:endParaRPr lang="ko-KR" altLang="en-US"/>
-          </a:p>
-        </p:txBody>
-      </p:sp>
-      <p:sp>
-        <p:nvSpPr>
-          <p:cNvPr id="41" name="화살표: 위로 굽음 40">
-            <a:extLst>
-              <a:ext uri="{FF2B5EF4-FFF2-40B4-BE49-F238E27FC236}">
-                <a16:creationId xmlns:a16="http://schemas.microsoft.com/office/drawing/2014/main" id="{CC226F62-384A-45C3-AD5D-7D9931EA8902}"/>
-              </a:ext>
-            </a:extLst>
-          </p:cNvPr>
-          <p:cNvSpPr/>
-          <p:nvPr/>
-        </p:nvSpPr>
-        <p:spPr>
-          <a:xfrm rot="10800000">
-            <a:off x="1640924" y="3884736"/>
-            <a:ext cx="1348591" cy="741455"/>
-          </a:xfrm>
-          <a:prstGeom prst="bentUpArrow">
-            <a:avLst/>
-          </a:prstGeom>
-          <a:solidFill>
-            <a:schemeClr val="bg1">
-              <a:lumMod val="75000"/>
-            </a:schemeClr>
-          </a:solidFill>
-          <a:ln>
-            <a:noFill/>
-          </a:ln>
-        </p:spPr>
-        <p:style>
-          <a:lnRef idx="2">
-            <a:schemeClr val="accent1">
-              <a:shade val="50000"/>
-            </a:schemeClr>
-          </a:lnRef>
-          <a:fillRef idx="1">
-            <a:schemeClr val="accent1"/>
-          </a:fillRef>
-          <a:effectRef idx="0">
-            <a:schemeClr val="accent1"/>
-          </a:effectRef>
-          <a:fontRef idx="minor">
-            <a:schemeClr val="lt1"/>
-          </a:fontRef>
-        </p:style>
-        <p:txBody>
-          <a:bodyPr rtlCol="0" anchor="ctr"/>
-          <a:lstStyle/>
-          <a:p>
-            <a:pPr algn="ctr"/>
-            <a:endParaRPr lang="ko-KR" altLang="en-US"/>
-          </a:p>
-        </p:txBody>
-      </p:sp>
-      <p:pic>
-        <p:nvPicPr>
-          <p:cNvPr id="42" name="그림 41">
-            <a:extLst>
-              <a:ext uri="{FF2B5EF4-FFF2-40B4-BE49-F238E27FC236}">
-                <a16:creationId xmlns:a16="http://schemas.microsoft.com/office/drawing/2014/main" id="{80E5697D-0BA9-400A-818B-EE5A06B1FBDD}"/>
-              </a:ext>
-            </a:extLst>
-          </p:cNvPr>
-          <p:cNvPicPr>
-            <a:picLocks noChangeAspect="1"/>
-          </p:cNvPicPr>
-          <p:nvPr/>
-        </p:nvPicPr>
-        <p:blipFill>
-          <a:blip r:embed="rId5">
-            <a:extLst>
-              <a:ext uri="{28A0092B-C50C-407E-A947-70E740481C1C}">
-                <a14:useLocalDpi xmlns:a14="http://schemas.microsoft.com/office/drawing/2010/main" val="0"/>
-              </a:ext>
-            </a:extLst>
-          </a:blip>
-          <a:stretch>
-            <a:fillRect/>
-          </a:stretch>
-        </p:blipFill>
-        <p:spPr>
-          <a:xfrm>
-            <a:off x="902062" y="2155238"/>
-            <a:ext cx="904966" cy="847607"/>
-          </a:xfrm>
-          <a:prstGeom prst="rect">
-            <a:avLst/>
-          </a:prstGeom>
-        </p:spPr>
-      </p:pic>
-      <p:pic>
-        <p:nvPicPr>
-          <p:cNvPr id="43" name="그림 42">
-            <a:extLst>
-              <a:ext uri="{FF2B5EF4-FFF2-40B4-BE49-F238E27FC236}">
-                <a16:creationId xmlns:a16="http://schemas.microsoft.com/office/drawing/2014/main" id="{D8A08A8A-03A5-439F-B9D6-EB38FF34CA61}"/>
-              </a:ext>
-            </a:extLst>
-          </p:cNvPr>
-          <p:cNvPicPr>
-            <a:picLocks noChangeAspect="1"/>
-          </p:cNvPicPr>
-          <p:nvPr/>
-        </p:nvPicPr>
-        <p:blipFill>
-          <a:blip r:embed="rId6">
-            <a:extLst>
-              <a:ext uri="{28A0092B-C50C-407E-A947-70E740481C1C}">
-                <a14:useLocalDpi xmlns:a14="http://schemas.microsoft.com/office/drawing/2010/main" val="0"/>
-              </a:ext>
-            </a:extLst>
-          </a:blip>
-          <a:stretch>
-            <a:fillRect/>
-          </a:stretch>
-        </p:blipFill>
-        <p:spPr>
-          <a:xfrm>
-            <a:off x="2319096" y="2145657"/>
-            <a:ext cx="966316" cy="878604"/>
-          </a:xfrm>
-          <a:prstGeom prst="rect">
-            <a:avLst/>
-          </a:prstGeom>
-        </p:spPr>
-      </p:pic>
-      <p:pic>
-        <p:nvPicPr>
-          <p:cNvPr id="44" name="그림 43">
-            <a:extLst>
-              <a:ext uri="{FF2B5EF4-FFF2-40B4-BE49-F238E27FC236}">
-                <a16:creationId xmlns:a16="http://schemas.microsoft.com/office/drawing/2014/main" id="{E222E885-5B4D-42EF-9E32-CD4591CC9EA7}"/>
-              </a:ext>
-            </a:extLst>
-          </p:cNvPr>
-          <p:cNvPicPr>
-            <a:picLocks noChangeAspect="1"/>
-          </p:cNvPicPr>
-          <p:nvPr/>
-        </p:nvPicPr>
-        <p:blipFill>
-          <a:blip r:embed="rId7">
-            <a:extLst>
-              <a:ext uri="{28A0092B-C50C-407E-A947-70E740481C1C}">
-                <a14:useLocalDpi xmlns:a14="http://schemas.microsoft.com/office/drawing/2010/main" val="0"/>
-              </a:ext>
-            </a:extLst>
-          </a:blip>
-          <a:stretch>
-            <a:fillRect/>
-          </a:stretch>
-        </p:blipFill>
-        <p:spPr>
-          <a:xfrm>
-            <a:off x="5360936" y="2188054"/>
-            <a:ext cx="846626" cy="837035"/>
-          </a:xfrm>
-          <a:prstGeom prst="rect">
-            <a:avLst/>
-          </a:prstGeom>
-        </p:spPr>
-      </p:pic>
-      <p:pic>
-        <p:nvPicPr>
-          <p:cNvPr id="45" name="그림 44">
-            <a:extLst>
-              <a:ext uri="{FF2B5EF4-FFF2-40B4-BE49-F238E27FC236}">
-                <a16:creationId xmlns:a16="http://schemas.microsoft.com/office/drawing/2014/main" id="{31CDC4DB-2362-430E-B159-0694BC996FB3}"/>
-              </a:ext>
-            </a:extLst>
-          </p:cNvPr>
-          <p:cNvPicPr>
-            <a:picLocks noChangeAspect="1"/>
-          </p:cNvPicPr>
-          <p:nvPr/>
-        </p:nvPicPr>
-        <p:blipFill>
-          <a:blip r:embed="rId8">
-            <a:extLst>
-              <a:ext uri="{28A0092B-C50C-407E-A947-70E740481C1C}">
-                <a14:useLocalDpi xmlns:a14="http://schemas.microsoft.com/office/drawing/2010/main" val="0"/>
-              </a:ext>
-            </a:extLst>
-          </a:blip>
-          <a:stretch>
-            <a:fillRect/>
-          </a:stretch>
-        </p:blipFill>
-        <p:spPr>
-          <a:xfrm>
-            <a:off x="3760342" y="2272062"/>
-            <a:ext cx="1035976" cy="679189"/>
-          </a:xfrm>
-          <a:prstGeom prst="rect">
-            <a:avLst/>
-          </a:prstGeom>
-        </p:spPr>
-      </p:pic>
-      <p:cxnSp>
-        <p:nvCxnSpPr>
-          <p:cNvPr id="46" name="직선 화살표 연결선 45">
-            <a:extLst>
-              <a:ext uri="{FF2B5EF4-FFF2-40B4-BE49-F238E27FC236}">
-                <a16:creationId xmlns:a16="http://schemas.microsoft.com/office/drawing/2014/main" id="{5EE74325-0FF9-4B9A-B9ED-3D5D50C6C9B3}"/>
-              </a:ext>
-            </a:extLst>
-          </p:cNvPr>
-          <p:cNvCxnSpPr>
-            <a:cxnSpLocks/>
-          </p:cNvCxnSpPr>
-          <p:nvPr/>
-        </p:nvCxnSpPr>
-        <p:spPr>
-          <a:xfrm>
-            <a:off x="4060587" y="3740564"/>
-            <a:ext cx="2787102" cy="0"/>
-          </a:xfrm>
-          <a:prstGeom prst="straightConnector1">
-            <a:avLst/>
-          </a:prstGeom>
-          <a:ln w="12700">
-            <a:solidFill>
-              <a:srgbClr val="FF0000"/>
-            </a:solidFill>
-            <a:prstDash val="dash"/>
-            <a:tailEnd type="triangle"/>
-          </a:ln>
-        </p:spPr>
-        <p:style>
-          <a:lnRef idx="1">
-            <a:schemeClr val="accent1"/>
-          </a:lnRef>
-          <a:fillRef idx="0">
-            <a:schemeClr val="accent1"/>
-          </a:fillRef>
-          <a:effectRef idx="0">
-            <a:schemeClr val="accent1"/>
-          </a:effectRef>
-          <a:fontRef idx="minor">
-            <a:schemeClr val="tx1"/>
-          </a:fontRef>
-        </p:style>
-      </p:cxnSp>
-      <p:sp>
-        <p:nvSpPr>
-          <p:cNvPr id="47" name="타원 46">
-            <a:extLst>
-              <a:ext uri="{FF2B5EF4-FFF2-40B4-BE49-F238E27FC236}">
-                <a16:creationId xmlns:a16="http://schemas.microsoft.com/office/drawing/2014/main" id="{FB385533-40BB-41F2-9E4C-173A27B8EDC8}"/>
-              </a:ext>
-            </a:extLst>
-          </p:cNvPr>
-          <p:cNvSpPr/>
-          <p:nvPr/>
-        </p:nvSpPr>
-        <p:spPr>
-          <a:xfrm>
-            <a:off x="2856098" y="3378355"/>
-            <a:ext cx="1265413" cy="1229598"/>
-          </a:xfrm>
-          <a:prstGeom prst="ellipse">
-            <a:avLst/>
-          </a:prstGeom>
-          <a:noFill/>
-          <a:ln>
-            <a:solidFill>
-              <a:srgbClr val="FF0000"/>
-            </a:solidFill>
-            <a:prstDash val="dash"/>
-          </a:ln>
-        </p:spPr>
-        <p:style>
-          <a:lnRef idx="2">
-            <a:schemeClr val="accent1">
-              <a:shade val="50000"/>
-            </a:schemeClr>
-          </a:lnRef>
-          <a:fillRef idx="1">
-            <a:schemeClr val="accent1"/>
-          </a:fillRef>
-          <a:effectRef idx="0">
-            <a:schemeClr val="accent1"/>
-          </a:effectRef>
-          <a:fontRef idx="minor">
-            <a:schemeClr val="lt1"/>
-          </a:fontRef>
-        </p:style>
-        <p:txBody>
-          <a:bodyPr rtlCol="0" anchor="ctr"/>
-          <a:lstStyle/>
-          <a:p>
-            <a:pPr algn="ctr"/>
-            <a:endParaRPr lang="ko-KR" altLang="en-US"/>
-          </a:p>
-        </p:txBody>
-      </p:sp>
-      <p:pic>
-        <p:nvPicPr>
-          <p:cNvPr id="48" name="그림 47">
-            <a:extLst>
-              <a:ext uri="{FF2B5EF4-FFF2-40B4-BE49-F238E27FC236}">
-                <a16:creationId xmlns:a16="http://schemas.microsoft.com/office/drawing/2014/main" id="{A48644E4-E69F-44B1-AE86-6BB294EAF9F4}"/>
-              </a:ext>
-            </a:extLst>
-          </p:cNvPr>
-          <p:cNvPicPr>
-            <a:picLocks noChangeAspect="1"/>
-          </p:cNvPicPr>
-          <p:nvPr/>
-        </p:nvPicPr>
-        <p:blipFill>
-          <a:blip r:embed="rId9">
-            <a:extLst>
-              <a:ext uri="{28A0092B-C50C-407E-A947-70E740481C1C}">
-                <a14:useLocalDpi xmlns:a14="http://schemas.microsoft.com/office/drawing/2010/main" val="0"/>
-              </a:ext>
-            </a:extLst>
-          </a:blip>
-          <a:stretch>
-            <a:fillRect/>
-          </a:stretch>
-        </p:blipFill>
-        <p:spPr>
-          <a:xfrm>
-            <a:off x="4640811" y="5140950"/>
-            <a:ext cx="938823" cy="868000"/>
-          </a:xfrm>
-          <a:prstGeom prst="rect">
-            <a:avLst/>
-          </a:prstGeom>
-        </p:spPr>
-      </p:pic>
+            <a:ln>
+              <a:solidFill>
+                <a:srgbClr val="FF0000"/>
+              </a:solidFill>
+              <a:prstDash val="dash"/>
+            </a:ln>
+          </p:spPr>
+          <p:style>
+            <a:lnRef idx="2">
+              <a:schemeClr val="accent1">
+                <a:shade val="50000"/>
+              </a:schemeClr>
+            </a:lnRef>
+            <a:fillRef idx="1">
+              <a:schemeClr val="accent1"/>
+            </a:fillRef>
+            <a:effectRef idx="0">
+              <a:schemeClr val="accent1"/>
+            </a:effectRef>
+            <a:fontRef idx="minor">
+              <a:schemeClr val="lt1"/>
+            </a:fontRef>
+          </p:style>
+          <p:txBody>
+            <a:bodyPr rtlCol="0" anchor="ctr"/>
+            <a:lstStyle/>
+            <a:p>
+              <a:pPr algn="ctr"/>
+              <a:endParaRPr lang="ko-KR" altLang="en-US"/>
+            </a:p>
+          </p:txBody>
+        </p:sp>
+        <p:pic>
+          <p:nvPicPr>
+            <p:cNvPr id="48" name="그림 47">
+              <a:extLst>
+                <a:ext uri="{FF2B5EF4-FFF2-40B4-BE49-F238E27FC236}">
+                  <a16:creationId xmlns:a16="http://schemas.microsoft.com/office/drawing/2014/main" id="{A48644E4-E69F-44B1-AE86-6BB294EAF9F4}"/>
+                </a:ext>
+              </a:extLst>
+            </p:cNvPr>
+            <p:cNvPicPr>
+              <a:picLocks noChangeAspect="1"/>
+            </p:cNvPicPr>
+            <p:nvPr/>
+          </p:nvPicPr>
+          <p:blipFill>
+            <a:blip r:embed="rId9">
+              <a:extLst>
+                <a:ext uri="{28A0092B-C50C-407E-A947-70E740481C1C}">
+                  <a14:useLocalDpi xmlns:a14="http://schemas.microsoft.com/office/drawing/2010/main" val="0"/>
+                </a:ext>
+              </a:extLst>
+            </a:blip>
+            <a:stretch>
+              <a:fillRect/>
+            </a:stretch>
+          </p:blipFill>
+          <p:spPr>
+            <a:xfrm>
+              <a:off x="4640811" y="5140950"/>
+              <a:ext cx="938823" cy="868000"/>
+            </a:xfrm>
+            <a:prstGeom prst="rect">
+              <a:avLst/>
+            </a:prstGeom>
+          </p:spPr>
+        </p:pic>
+      </p:grpSp>
     </p:spTree>
   </p:cSld>
   <p:clrMapOvr>
@@ -2682,7 +2703,7 @@
     <mc:Choice Requires="p14">
       <p:transition/>
     </mc:Choice>
-    <mc:Fallback xmlns:dsp="http://schemas.microsoft.com/office/drawing/2008/diagram" xmlns:dgm="http://schemas.openxmlformats.org/drawingml/2006/diagram" xmlns:c="http://schemas.openxmlformats.org/drawingml/2006/chart" xmlns="">
+    <mc:Fallback xmlns="" xmlns:c="http://schemas.openxmlformats.org/drawingml/2006/chart" xmlns:dgm="http://schemas.openxmlformats.org/drawingml/2006/diagram" xmlns:dsp="http://schemas.microsoft.com/office/drawing/2008/diagram">
       <p:transition/>
     </mc:Fallback>
   </mc:AlternateContent>
@@ -5019,7 +5040,7 @@
     <mc:Choice Requires="p14">
       <p:transition/>
     </mc:Choice>
-    <mc:Fallback xmlns:dsp="http://schemas.microsoft.com/office/drawing/2008/diagram" xmlns:dgm="http://schemas.openxmlformats.org/drawingml/2006/diagram" xmlns:c="http://schemas.openxmlformats.org/drawingml/2006/chart" xmlns="">
+    <mc:Fallback xmlns="" xmlns:c="http://schemas.openxmlformats.org/drawingml/2006/chart" xmlns:dgm="http://schemas.openxmlformats.org/drawingml/2006/diagram" xmlns:dsp="http://schemas.microsoft.com/office/drawing/2008/diagram">
       <p:transition/>
     </mc:Fallback>
   </mc:AlternateContent>
@@ -6230,7 +6251,7 @@
     <mc:Choice Requires="p14">
       <p:transition/>
     </mc:Choice>
-    <mc:Fallback xmlns:dsp="http://schemas.microsoft.com/office/drawing/2008/diagram" xmlns:dgm="http://schemas.openxmlformats.org/drawingml/2006/diagram" xmlns:c="http://schemas.openxmlformats.org/drawingml/2006/chart" xmlns="">
+    <mc:Fallback xmlns="" xmlns:c="http://schemas.openxmlformats.org/drawingml/2006/chart" xmlns:dgm="http://schemas.openxmlformats.org/drawingml/2006/diagram" xmlns:dsp="http://schemas.microsoft.com/office/drawing/2008/diagram">
       <p:transition/>
     </mc:Fallback>
   </mc:AlternateContent>
